--- a/CHADS_CODING/CRIME + NFL.pptx
+++ b/CHADS_CODING/CRIME + NFL.pptx
@@ -10,7 +10,7 @@
     <p:sldId id="259" r:id="rId4"/>
     <p:sldId id="261" r:id="rId5"/>
     <p:sldId id="258" r:id="rId6"/>
-    <p:sldId id="260" r:id="rId7"/>
+    <p:sldId id="262" r:id="rId7"/>
   </p:sldIdLst>
   <p:sldSz cx="12192000" cy="6858000"/>
   <p:notesSz cx="6858000" cy="9144000"/>
@@ -109,6 +109,11 @@
       </a:defRPr>
     </a:lvl9pPr>
   </p:defaultTextStyle>
+  <p:extLst>
+    <p:ext uri="{EFAFB233-063F-42B5-8137-9DF3F51BA10A}">
+      <p15:sldGuideLst xmlns:p15="http://schemas.microsoft.com/office/powerpoint/2012/main"/>
+    </p:ext>
+  </p:extLst>
 </p:presentation>
 </file>
 
@@ -259,7 +264,7 @@
           <a:p>
             <a:fld id="{AEB1A662-EF76-44BE-8BB6-1C3AC9FAFF46}" type="datetimeFigureOut">
               <a:rPr lang="en-US" smtClean="0"/>
-              <a:t>1/27/2020</a:t>
+              <a:t>2/1/2020</a:t>
             </a:fld>
             <a:endParaRPr lang="en-US"/>
           </a:p>
@@ -457,7 +462,7 @@
           <a:p>
             <a:fld id="{AEB1A662-EF76-44BE-8BB6-1C3AC9FAFF46}" type="datetimeFigureOut">
               <a:rPr lang="en-US" smtClean="0"/>
-              <a:t>1/27/2020</a:t>
+              <a:t>2/1/2020</a:t>
             </a:fld>
             <a:endParaRPr lang="en-US"/>
           </a:p>
@@ -665,7 +670,7 @@
           <a:p>
             <a:fld id="{AEB1A662-EF76-44BE-8BB6-1C3AC9FAFF46}" type="datetimeFigureOut">
               <a:rPr lang="en-US" smtClean="0"/>
-              <a:t>1/27/2020</a:t>
+              <a:t>2/1/2020</a:t>
             </a:fld>
             <a:endParaRPr lang="en-US"/>
           </a:p>
@@ -863,7 +868,7 @@
           <a:p>
             <a:fld id="{AEB1A662-EF76-44BE-8BB6-1C3AC9FAFF46}" type="datetimeFigureOut">
               <a:rPr lang="en-US" smtClean="0"/>
-              <a:t>1/27/2020</a:t>
+              <a:t>2/1/2020</a:t>
             </a:fld>
             <a:endParaRPr lang="en-US"/>
           </a:p>
@@ -1138,7 +1143,7 @@
           <a:p>
             <a:fld id="{AEB1A662-EF76-44BE-8BB6-1C3AC9FAFF46}" type="datetimeFigureOut">
               <a:rPr lang="en-US" smtClean="0"/>
-              <a:t>1/27/2020</a:t>
+              <a:t>2/1/2020</a:t>
             </a:fld>
             <a:endParaRPr lang="en-US"/>
           </a:p>
@@ -1403,7 +1408,7 @@
           <a:p>
             <a:fld id="{AEB1A662-EF76-44BE-8BB6-1C3AC9FAFF46}" type="datetimeFigureOut">
               <a:rPr lang="en-US" smtClean="0"/>
-              <a:t>1/27/2020</a:t>
+              <a:t>2/1/2020</a:t>
             </a:fld>
             <a:endParaRPr lang="en-US"/>
           </a:p>
@@ -1815,7 +1820,7 @@
           <a:p>
             <a:fld id="{AEB1A662-EF76-44BE-8BB6-1C3AC9FAFF46}" type="datetimeFigureOut">
               <a:rPr lang="en-US" smtClean="0"/>
-              <a:t>1/27/2020</a:t>
+              <a:t>2/1/2020</a:t>
             </a:fld>
             <a:endParaRPr lang="en-US"/>
           </a:p>
@@ -1956,7 +1961,7 @@
           <a:p>
             <a:fld id="{AEB1A662-EF76-44BE-8BB6-1C3AC9FAFF46}" type="datetimeFigureOut">
               <a:rPr lang="en-US" smtClean="0"/>
-              <a:t>1/27/2020</a:t>
+              <a:t>2/1/2020</a:t>
             </a:fld>
             <a:endParaRPr lang="en-US"/>
           </a:p>
@@ -2069,7 +2074,7 @@
           <a:p>
             <a:fld id="{AEB1A662-EF76-44BE-8BB6-1C3AC9FAFF46}" type="datetimeFigureOut">
               <a:rPr lang="en-US" smtClean="0"/>
-              <a:t>1/27/2020</a:t>
+              <a:t>2/1/2020</a:t>
             </a:fld>
             <a:endParaRPr lang="en-US"/>
           </a:p>
@@ -2380,7 +2385,7 @@
           <a:p>
             <a:fld id="{AEB1A662-EF76-44BE-8BB6-1C3AC9FAFF46}" type="datetimeFigureOut">
               <a:rPr lang="en-US" smtClean="0"/>
-              <a:t>1/27/2020</a:t>
+              <a:t>2/1/2020</a:t>
             </a:fld>
             <a:endParaRPr lang="en-US"/>
           </a:p>
@@ -2668,7 +2673,7 @@
           <a:p>
             <a:fld id="{AEB1A662-EF76-44BE-8BB6-1C3AC9FAFF46}" type="datetimeFigureOut">
               <a:rPr lang="en-US" smtClean="0"/>
-              <a:t>1/27/2020</a:t>
+              <a:t>2/1/2020</a:t>
             </a:fld>
             <a:endParaRPr lang="en-US"/>
           </a:p>
@@ -2909,7 +2914,7 @@
           <a:p>
             <a:fld id="{AEB1A662-EF76-44BE-8BB6-1C3AC9FAFF46}" type="datetimeFigureOut">
               <a:rPr lang="en-US" smtClean="0"/>
-              <a:t>1/27/2020</a:t>
+              <a:t>2/1/2020</a:t>
             </a:fld>
             <a:endParaRPr lang="en-US"/>
           </a:p>
@@ -3898,20 +3903,28 @@
             <p:ph type="title"/>
           </p:nvPr>
         </p:nvSpPr>
-        <p:spPr/>
-        <p:txBody>
-          <a:bodyPr/>
-          <a:lstStyle/>
-          <a:p>
+        <p:spPr>
+          <a:xfrm>
+            <a:off x="838200" y="163000"/>
+            <a:ext cx="10515600" cy="568526"/>
+          </a:xfrm>
+          <a:ln w="28575">
+            <a:solidFill>
+              <a:schemeClr val="tx1"/>
+            </a:solidFill>
+          </a:ln>
+        </p:spPr>
+        <p:txBody>
+          <a:bodyPr>
+            <a:normAutofit fontScale="90000"/>
+          </a:bodyPr>
+          <a:lstStyle/>
+          <a:p>
+            <a:pPr algn="ctr"/>
             <a:r>
               <a:rPr lang="en-US" dirty="0"/>
-              <a:t>Stacked Bar Graph of Crime &amp; </a:t>
-            </a:r>
-            <a:r>
-              <a:rPr lang="en-US" dirty="0" err="1"/>
-              <a:t>possition</a:t>
-            </a:r>
-            <a:endParaRPr lang="en-US" dirty="0"/>
+              <a:t>HEADER – TOPIC/QUESTION</a:t>
+            </a:r>
           </a:p>
         </p:txBody>
       </p:sp>
@@ -3931,15 +3944,531 @@
             <p:ph idx="1"/>
           </p:nvPr>
         </p:nvSpPr>
-        <p:spPr/>
-        <p:txBody>
-          <a:bodyPr/>
-          <a:lstStyle/>
-          <a:p>
-            <a:endParaRPr lang="en-US"/>
-          </a:p>
-        </p:txBody>
-      </p:sp>
+        <p:spPr>
+          <a:xfrm>
+            <a:off x="105879" y="1075621"/>
+            <a:ext cx="3378468" cy="5417252"/>
+          </a:xfrm>
+          <a:ln>
+            <a:solidFill>
+              <a:schemeClr val="tx1"/>
+            </a:solidFill>
+          </a:ln>
+        </p:spPr>
+        <p:txBody>
+          <a:bodyPr/>
+          <a:lstStyle/>
+          <a:p>
+            <a:pPr marL="0" indent="0" algn="ctr">
+              <a:buNone/>
+            </a:pPr>
+            <a:r>
+              <a:rPr lang="en-US" dirty="0"/>
+              <a:t>CODE IMAGE</a:t>
+            </a:r>
+          </a:p>
+        </p:txBody>
+      </p:sp>
+      <p:sp>
+        <p:nvSpPr>
+          <p:cNvPr id="4" name="Content Placeholder 2">
+            <a:extLst>
+              <a:ext uri="{FF2B5EF4-FFF2-40B4-BE49-F238E27FC236}">
+                <a16:creationId xmlns:a16="http://schemas.microsoft.com/office/drawing/2014/main" id="{1CA3E0FE-A404-4805-8384-F4DB772A6840}"/>
+              </a:ext>
+            </a:extLst>
+          </p:cNvPr>
+          <p:cNvSpPr txBox="1">
+            <a:spLocks/>
+          </p:cNvSpPr>
+          <p:nvPr/>
+        </p:nvSpPr>
+        <p:spPr>
+          <a:xfrm>
+            <a:off x="4406766" y="1075621"/>
+            <a:ext cx="3378468" cy="5417252"/>
+          </a:xfrm>
+          <a:prstGeom prst="rect">
+            <a:avLst/>
+          </a:prstGeom>
+          <a:ln>
+            <a:solidFill>
+              <a:schemeClr val="tx1"/>
+            </a:solidFill>
+          </a:ln>
+        </p:spPr>
+        <p:txBody>
+          <a:bodyPr vert="horz" lIns="91440" tIns="45720" rIns="91440" bIns="45720" rtlCol="0">
+            <a:normAutofit/>
+          </a:bodyPr>
+          <a:lstStyle>
+            <a:lvl1pPr marL="228600" indent="-228600" algn="l" defTabSz="914400" rtl="0" eaLnBrk="1" latinLnBrk="0" hangingPunct="1">
+              <a:lnSpc>
+                <a:spcPct val="90000"/>
+              </a:lnSpc>
+              <a:spcBef>
+                <a:spcPts val="1000"/>
+              </a:spcBef>
+              <a:buFont typeface="Arial" panose="020B0604020202020204" pitchFamily="34" charset="0"/>
+              <a:buChar char="•"/>
+              <a:defRPr sz="2800" kern="1200">
+                <a:solidFill>
+                  <a:schemeClr val="tx1"/>
+                </a:solidFill>
+                <a:latin typeface="+mn-lt"/>
+                <a:ea typeface="+mn-ea"/>
+                <a:cs typeface="+mn-cs"/>
+              </a:defRPr>
+            </a:lvl1pPr>
+            <a:lvl2pPr marL="685800" indent="-228600" algn="l" defTabSz="914400" rtl="0" eaLnBrk="1" latinLnBrk="0" hangingPunct="1">
+              <a:lnSpc>
+                <a:spcPct val="90000"/>
+              </a:lnSpc>
+              <a:spcBef>
+                <a:spcPts val="500"/>
+              </a:spcBef>
+              <a:buFont typeface="Arial" panose="020B0604020202020204" pitchFamily="34" charset="0"/>
+              <a:buChar char="•"/>
+              <a:defRPr sz="2400" kern="1200">
+                <a:solidFill>
+                  <a:schemeClr val="tx1"/>
+                </a:solidFill>
+                <a:latin typeface="+mn-lt"/>
+                <a:ea typeface="+mn-ea"/>
+                <a:cs typeface="+mn-cs"/>
+              </a:defRPr>
+            </a:lvl2pPr>
+            <a:lvl3pPr marL="1143000" indent="-228600" algn="l" defTabSz="914400" rtl="0" eaLnBrk="1" latinLnBrk="0" hangingPunct="1">
+              <a:lnSpc>
+                <a:spcPct val="90000"/>
+              </a:lnSpc>
+              <a:spcBef>
+                <a:spcPts val="500"/>
+              </a:spcBef>
+              <a:buFont typeface="Arial" panose="020B0604020202020204" pitchFamily="34" charset="0"/>
+              <a:buChar char="•"/>
+              <a:defRPr sz="2000" kern="1200">
+                <a:solidFill>
+                  <a:schemeClr val="tx1"/>
+                </a:solidFill>
+                <a:latin typeface="+mn-lt"/>
+                <a:ea typeface="+mn-ea"/>
+                <a:cs typeface="+mn-cs"/>
+              </a:defRPr>
+            </a:lvl3pPr>
+            <a:lvl4pPr marL="1600200" indent="-228600" algn="l" defTabSz="914400" rtl="0" eaLnBrk="1" latinLnBrk="0" hangingPunct="1">
+              <a:lnSpc>
+                <a:spcPct val="90000"/>
+              </a:lnSpc>
+              <a:spcBef>
+                <a:spcPts val="500"/>
+              </a:spcBef>
+              <a:buFont typeface="Arial" panose="020B0604020202020204" pitchFamily="34" charset="0"/>
+              <a:buChar char="•"/>
+              <a:defRPr sz="1800" kern="1200">
+                <a:solidFill>
+                  <a:schemeClr val="tx1"/>
+                </a:solidFill>
+                <a:latin typeface="+mn-lt"/>
+                <a:ea typeface="+mn-ea"/>
+                <a:cs typeface="+mn-cs"/>
+              </a:defRPr>
+            </a:lvl4pPr>
+            <a:lvl5pPr marL="2057400" indent="-228600" algn="l" defTabSz="914400" rtl="0" eaLnBrk="1" latinLnBrk="0" hangingPunct="1">
+              <a:lnSpc>
+                <a:spcPct val="90000"/>
+              </a:lnSpc>
+              <a:spcBef>
+                <a:spcPts val="500"/>
+              </a:spcBef>
+              <a:buFont typeface="Arial" panose="020B0604020202020204" pitchFamily="34" charset="0"/>
+              <a:buChar char="•"/>
+              <a:defRPr sz="1800" kern="1200">
+                <a:solidFill>
+                  <a:schemeClr val="tx1"/>
+                </a:solidFill>
+                <a:latin typeface="+mn-lt"/>
+                <a:ea typeface="+mn-ea"/>
+                <a:cs typeface="+mn-cs"/>
+              </a:defRPr>
+            </a:lvl5pPr>
+            <a:lvl6pPr marL="2514600" indent="-228600" algn="l" defTabSz="914400" rtl="0" eaLnBrk="1" latinLnBrk="0" hangingPunct="1">
+              <a:lnSpc>
+                <a:spcPct val="90000"/>
+              </a:lnSpc>
+              <a:spcBef>
+                <a:spcPts val="500"/>
+              </a:spcBef>
+              <a:buFont typeface="Arial" panose="020B0604020202020204" pitchFamily="34" charset="0"/>
+              <a:buChar char="•"/>
+              <a:defRPr sz="1800" kern="1200">
+                <a:solidFill>
+                  <a:schemeClr val="tx1"/>
+                </a:solidFill>
+                <a:latin typeface="+mn-lt"/>
+                <a:ea typeface="+mn-ea"/>
+                <a:cs typeface="+mn-cs"/>
+              </a:defRPr>
+            </a:lvl6pPr>
+            <a:lvl7pPr marL="2971800" indent="-228600" algn="l" defTabSz="914400" rtl="0" eaLnBrk="1" latinLnBrk="0" hangingPunct="1">
+              <a:lnSpc>
+                <a:spcPct val="90000"/>
+              </a:lnSpc>
+              <a:spcBef>
+                <a:spcPts val="500"/>
+              </a:spcBef>
+              <a:buFont typeface="Arial" panose="020B0604020202020204" pitchFamily="34" charset="0"/>
+              <a:buChar char="•"/>
+              <a:defRPr sz="1800" kern="1200">
+                <a:solidFill>
+                  <a:schemeClr val="tx1"/>
+                </a:solidFill>
+                <a:latin typeface="+mn-lt"/>
+                <a:ea typeface="+mn-ea"/>
+                <a:cs typeface="+mn-cs"/>
+              </a:defRPr>
+            </a:lvl7pPr>
+            <a:lvl8pPr marL="3429000" indent="-228600" algn="l" defTabSz="914400" rtl="0" eaLnBrk="1" latinLnBrk="0" hangingPunct="1">
+              <a:lnSpc>
+                <a:spcPct val="90000"/>
+              </a:lnSpc>
+              <a:spcBef>
+                <a:spcPts val="500"/>
+              </a:spcBef>
+              <a:buFont typeface="Arial" panose="020B0604020202020204" pitchFamily="34" charset="0"/>
+              <a:buChar char="•"/>
+              <a:defRPr sz="1800" kern="1200">
+                <a:solidFill>
+                  <a:schemeClr val="tx1"/>
+                </a:solidFill>
+                <a:latin typeface="+mn-lt"/>
+                <a:ea typeface="+mn-ea"/>
+                <a:cs typeface="+mn-cs"/>
+              </a:defRPr>
+            </a:lvl8pPr>
+            <a:lvl9pPr marL="3886200" indent="-228600" algn="l" defTabSz="914400" rtl="0" eaLnBrk="1" latinLnBrk="0" hangingPunct="1">
+              <a:lnSpc>
+                <a:spcPct val="90000"/>
+              </a:lnSpc>
+              <a:spcBef>
+                <a:spcPts val="500"/>
+              </a:spcBef>
+              <a:buFont typeface="Arial" panose="020B0604020202020204" pitchFamily="34" charset="0"/>
+              <a:buChar char="•"/>
+              <a:defRPr sz="1800" kern="1200">
+                <a:solidFill>
+                  <a:schemeClr val="tx1"/>
+                </a:solidFill>
+                <a:latin typeface="+mn-lt"/>
+                <a:ea typeface="+mn-ea"/>
+                <a:cs typeface="+mn-cs"/>
+              </a:defRPr>
+            </a:lvl9pPr>
+          </a:lstStyle>
+          <a:p>
+            <a:pPr marL="0" indent="0" algn="ctr">
+              <a:buNone/>
+            </a:pPr>
+            <a:r>
+              <a:rPr lang="en-US" dirty="0"/>
+              <a:t>VISUALIZATION</a:t>
+            </a:r>
+          </a:p>
+        </p:txBody>
+      </p:sp>
+      <p:sp>
+        <p:nvSpPr>
+          <p:cNvPr id="5" name="Content Placeholder 2">
+            <a:extLst>
+              <a:ext uri="{FF2B5EF4-FFF2-40B4-BE49-F238E27FC236}">
+                <a16:creationId xmlns:a16="http://schemas.microsoft.com/office/drawing/2014/main" id="{BB844202-ACD3-47B1-943C-656C576C9E89}"/>
+              </a:ext>
+            </a:extLst>
+          </p:cNvPr>
+          <p:cNvSpPr txBox="1">
+            <a:spLocks/>
+          </p:cNvSpPr>
+          <p:nvPr/>
+        </p:nvSpPr>
+        <p:spPr>
+          <a:xfrm>
+            <a:off x="8707653" y="1075621"/>
+            <a:ext cx="3378468" cy="5417252"/>
+          </a:xfrm>
+          <a:prstGeom prst="rect">
+            <a:avLst/>
+          </a:prstGeom>
+          <a:ln>
+            <a:solidFill>
+              <a:schemeClr val="tx1"/>
+            </a:solidFill>
+          </a:ln>
+        </p:spPr>
+        <p:txBody>
+          <a:bodyPr vert="horz" lIns="91440" tIns="45720" rIns="91440" bIns="45720" rtlCol="0">
+            <a:normAutofit/>
+          </a:bodyPr>
+          <a:lstStyle>
+            <a:lvl1pPr marL="228600" indent="-228600" algn="l" defTabSz="914400" rtl="0" eaLnBrk="1" latinLnBrk="0" hangingPunct="1">
+              <a:lnSpc>
+                <a:spcPct val="90000"/>
+              </a:lnSpc>
+              <a:spcBef>
+                <a:spcPts val="1000"/>
+              </a:spcBef>
+              <a:buFont typeface="Arial" panose="020B0604020202020204" pitchFamily="34" charset="0"/>
+              <a:buChar char="•"/>
+              <a:defRPr sz="2800" kern="1200">
+                <a:solidFill>
+                  <a:schemeClr val="tx1"/>
+                </a:solidFill>
+                <a:latin typeface="+mn-lt"/>
+                <a:ea typeface="+mn-ea"/>
+                <a:cs typeface="+mn-cs"/>
+              </a:defRPr>
+            </a:lvl1pPr>
+            <a:lvl2pPr marL="685800" indent="-228600" algn="l" defTabSz="914400" rtl="0" eaLnBrk="1" latinLnBrk="0" hangingPunct="1">
+              <a:lnSpc>
+                <a:spcPct val="90000"/>
+              </a:lnSpc>
+              <a:spcBef>
+                <a:spcPts val="500"/>
+              </a:spcBef>
+              <a:buFont typeface="Arial" panose="020B0604020202020204" pitchFamily="34" charset="0"/>
+              <a:buChar char="•"/>
+              <a:defRPr sz="2400" kern="1200">
+                <a:solidFill>
+                  <a:schemeClr val="tx1"/>
+                </a:solidFill>
+                <a:latin typeface="+mn-lt"/>
+                <a:ea typeface="+mn-ea"/>
+                <a:cs typeface="+mn-cs"/>
+              </a:defRPr>
+            </a:lvl2pPr>
+            <a:lvl3pPr marL="1143000" indent="-228600" algn="l" defTabSz="914400" rtl="0" eaLnBrk="1" latinLnBrk="0" hangingPunct="1">
+              <a:lnSpc>
+                <a:spcPct val="90000"/>
+              </a:lnSpc>
+              <a:spcBef>
+                <a:spcPts val="500"/>
+              </a:spcBef>
+              <a:buFont typeface="Arial" panose="020B0604020202020204" pitchFamily="34" charset="0"/>
+              <a:buChar char="•"/>
+              <a:defRPr sz="2000" kern="1200">
+                <a:solidFill>
+                  <a:schemeClr val="tx1"/>
+                </a:solidFill>
+                <a:latin typeface="+mn-lt"/>
+                <a:ea typeface="+mn-ea"/>
+                <a:cs typeface="+mn-cs"/>
+              </a:defRPr>
+            </a:lvl3pPr>
+            <a:lvl4pPr marL="1600200" indent="-228600" algn="l" defTabSz="914400" rtl="0" eaLnBrk="1" latinLnBrk="0" hangingPunct="1">
+              <a:lnSpc>
+                <a:spcPct val="90000"/>
+              </a:lnSpc>
+              <a:spcBef>
+                <a:spcPts val="500"/>
+              </a:spcBef>
+              <a:buFont typeface="Arial" panose="020B0604020202020204" pitchFamily="34" charset="0"/>
+              <a:buChar char="•"/>
+              <a:defRPr sz="1800" kern="1200">
+                <a:solidFill>
+                  <a:schemeClr val="tx1"/>
+                </a:solidFill>
+                <a:latin typeface="+mn-lt"/>
+                <a:ea typeface="+mn-ea"/>
+                <a:cs typeface="+mn-cs"/>
+              </a:defRPr>
+            </a:lvl4pPr>
+            <a:lvl5pPr marL="2057400" indent="-228600" algn="l" defTabSz="914400" rtl="0" eaLnBrk="1" latinLnBrk="0" hangingPunct="1">
+              <a:lnSpc>
+                <a:spcPct val="90000"/>
+              </a:lnSpc>
+              <a:spcBef>
+                <a:spcPts val="500"/>
+              </a:spcBef>
+              <a:buFont typeface="Arial" panose="020B0604020202020204" pitchFamily="34" charset="0"/>
+              <a:buChar char="•"/>
+              <a:defRPr sz="1800" kern="1200">
+                <a:solidFill>
+                  <a:schemeClr val="tx1"/>
+                </a:solidFill>
+                <a:latin typeface="+mn-lt"/>
+                <a:ea typeface="+mn-ea"/>
+                <a:cs typeface="+mn-cs"/>
+              </a:defRPr>
+            </a:lvl5pPr>
+            <a:lvl6pPr marL="2514600" indent="-228600" algn="l" defTabSz="914400" rtl="0" eaLnBrk="1" latinLnBrk="0" hangingPunct="1">
+              <a:lnSpc>
+                <a:spcPct val="90000"/>
+              </a:lnSpc>
+              <a:spcBef>
+                <a:spcPts val="500"/>
+              </a:spcBef>
+              <a:buFont typeface="Arial" panose="020B0604020202020204" pitchFamily="34" charset="0"/>
+              <a:buChar char="•"/>
+              <a:defRPr sz="1800" kern="1200">
+                <a:solidFill>
+                  <a:schemeClr val="tx1"/>
+                </a:solidFill>
+                <a:latin typeface="+mn-lt"/>
+                <a:ea typeface="+mn-ea"/>
+                <a:cs typeface="+mn-cs"/>
+              </a:defRPr>
+            </a:lvl6pPr>
+            <a:lvl7pPr marL="2971800" indent="-228600" algn="l" defTabSz="914400" rtl="0" eaLnBrk="1" latinLnBrk="0" hangingPunct="1">
+              <a:lnSpc>
+                <a:spcPct val="90000"/>
+              </a:lnSpc>
+              <a:spcBef>
+                <a:spcPts val="500"/>
+              </a:spcBef>
+              <a:buFont typeface="Arial" panose="020B0604020202020204" pitchFamily="34" charset="0"/>
+              <a:buChar char="•"/>
+              <a:defRPr sz="1800" kern="1200">
+                <a:solidFill>
+                  <a:schemeClr val="tx1"/>
+                </a:solidFill>
+                <a:latin typeface="+mn-lt"/>
+                <a:ea typeface="+mn-ea"/>
+                <a:cs typeface="+mn-cs"/>
+              </a:defRPr>
+            </a:lvl7pPr>
+            <a:lvl8pPr marL="3429000" indent="-228600" algn="l" defTabSz="914400" rtl="0" eaLnBrk="1" latinLnBrk="0" hangingPunct="1">
+              <a:lnSpc>
+                <a:spcPct val="90000"/>
+              </a:lnSpc>
+              <a:spcBef>
+                <a:spcPts val="500"/>
+              </a:spcBef>
+              <a:buFont typeface="Arial" panose="020B0604020202020204" pitchFamily="34" charset="0"/>
+              <a:buChar char="•"/>
+              <a:defRPr sz="1800" kern="1200">
+                <a:solidFill>
+                  <a:schemeClr val="tx1"/>
+                </a:solidFill>
+                <a:latin typeface="+mn-lt"/>
+                <a:ea typeface="+mn-ea"/>
+                <a:cs typeface="+mn-cs"/>
+              </a:defRPr>
+            </a:lvl8pPr>
+            <a:lvl9pPr marL="3886200" indent="-228600" algn="l" defTabSz="914400" rtl="0" eaLnBrk="1" latinLnBrk="0" hangingPunct="1">
+              <a:lnSpc>
+                <a:spcPct val="90000"/>
+              </a:lnSpc>
+              <a:spcBef>
+                <a:spcPts val="500"/>
+              </a:spcBef>
+              <a:buFont typeface="Arial" panose="020B0604020202020204" pitchFamily="34" charset="0"/>
+              <a:buChar char="•"/>
+              <a:defRPr sz="1800" kern="1200">
+                <a:solidFill>
+                  <a:schemeClr val="tx1"/>
+                </a:solidFill>
+                <a:latin typeface="+mn-lt"/>
+                <a:ea typeface="+mn-ea"/>
+                <a:cs typeface="+mn-cs"/>
+              </a:defRPr>
+            </a:lvl9pPr>
+          </a:lstStyle>
+          <a:p>
+            <a:pPr marL="0" indent="0" algn="ctr">
+              <a:buNone/>
+            </a:pPr>
+            <a:r>
+              <a:rPr lang="en-US" dirty="0"/>
+              <a:t>ANALYSIS</a:t>
+            </a:r>
+          </a:p>
+        </p:txBody>
+      </p:sp>
+      <p:cxnSp>
+        <p:nvCxnSpPr>
+          <p:cNvPr id="7" name="Straight Connector 6">
+            <a:extLst>
+              <a:ext uri="{FF2B5EF4-FFF2-40B4-BE49-F238E27FC236}">
+                <a16:creationId xmlns:a16="http://schemas.microsoft.com/office/drawing/2014/main" id="{AA5E1AE6-12DE-44B7-9E86-667AB34BC707}"/>
+              </a:ext>
+            </a:extLst>
+          </p:cNvPr>
+          <p:cNvCxnSpPr>
+            <a:cxnSpLocks/>
+          </p:cNvCxnSpPr>
+          <p:nvPr/>
+        </p:nvCxnSpPr>
+        <p:spPr>
+          <a:xfrm>
+            <a:off x="3946359" y="889134"/>
+            <a:ext cx="0" cy="5790225"/>
+          </a:xfrm>
+          <a:prstGeom prst="line">
+            <a:avLst/>
+          </a:prstGeom>
+          <a:ln w="38100">
+            <a:solidFill>
+              <a:schemeClr val="tx1"/>
+            </a:solidFill>
+          </a:ln>
+        </p:spPr>
+        <p:style>
+          <a:lnRef idx="1">
+            <a:schemeClr val="accent1"/>
+          </a:lnRef>
+          <a:fillRef idx="0">
+            <a:schemeClr val="accent1"/>
+          </a:fillRef>
+          <a:effectRef idx="0">
+            <a:schemeClr val="accent1"/>
+          </a:effectRef>
+          <a:fontRef idx="minor">
+            <a:schemeClr val="tx1"/>
+          </a:fontRef>
+        </p:style>
+      </p:cxnSp>
+      <p:cxnSp>
+        <p:nvCxnSpPr>
+          <p:cNvPr id="11" name="Straight Connector 10">
+            <a:extLst>
+              <a:ext uri="{FF2B5EF4-FFF2-40B4-BE49-F238E27FC236}">
+                <a16:creationId xmlns:a16="http://schemas.microsoft.com/office/drawing/2014/main" id="{6B497006-B5FE-49D1-8195-C602244D7A89}"/>
+              </a:ext>
+            </a:extLst>
+          </p:cNvPr>
+          <p:cNvCxnSpPr>
+            <a:cxnSpLocks/>
+          </p:cNvCxnSpPr>
+          <p:nvPr/>
+        </p:nvCxnSpPr>
+        <p:spPr>
+          <a:xfrm>
+            <a:off x="8247247" y="889134"/>
+            <a:ext cx="0" cy="5790225"/>
+          </a:xfrm>
+          <a:prstGeom prst="line">
+            <a:avLst/>
+          </a:prstGeom>
+          <a:ln w="38100">
+            <a:solidFill>
+              <a:schemeClr val="tx1"/>
+            </a:solidFill>
+          </a:ln>
+        </p:spPr>
+        <p:style>
+          <a:lnRef idx="1">
+            <a:schemeClr val="accent1"/>
+          </a:lnRef>
+          <a:fillRef idx="0">
+            <a:schemeClr val="accent1"/>
+          </a:fillRef>
+          <a:effectRef idx="0">
+            <a:schemeClr val="accent1"/>
+          </a:effectRef>
+          <a:fontRef idx="minor">
+            <a:schemeClr val="tx1"/>
+          </a:fontRef>
+        </p:style>
+      </p:cxnSp>
     </p:spTree>
     <p:extLst>
       <p:ext uri="{BB962C8B-B14F-4D97-AF65-F5344CB8AC3E}">
@@ -3975,7 +4504,7 @@
           <p:cNvPr id="2" name="Title 1">
             <a:extLst>
               <a:ext uri="{FF2B5EF4-FFF2-40B4-BE49-F238E27FC236}">
-                <a16:creationId xmlns:a16="http://schemas.microsoft.com/office/drawing/2014/main" id="{8D15B8FD-421A-4F16-8994-46A84B3B4F5E}"/>
+                <a16:creationId xmlns:a16="http://schemas.microsoft.com/office/drawing/2014/main" id="{22CA8328-6E6E-4B58-9BD2-B4E4D3777C0D}"/>
               </a:ext>
             </a:extLst>
           </p:cNvPr>
@@ -3986,14 +4515,27 @@
             <p:ph type="title"/>
           </p:nvPr>
         </p:nvSpPr>
-        <p:spPr/>
-        <p:txBody>
-          <a:bodyPr/>
-          <a:lstStyle/>
-          <a:p>
+        <p:spPr>
+          <a:xfrm>
+            <a:off x="838200" y="163000"/>
+            <a:ext cx="10515600" cy="568526"/>
+          </a:xfrm>
+          <a:ln w="28575">
+            <a:solidFill>
+              <a:schemeClr val="tx1"/>
+            </a:solidFill>
+          </a:ln>
+        </p:spPr>
+        <p:txBody>
+          <a:bodyPr>
+            <a:normAutofit fontScale="90000"/>
+          </a:bodyPr>
+          <a:lstStyle/>
+          <a:p>
+            <a:pPr algn="ctr"/>
             <a:r>
               <a:rPr lang="en-US" dirty="0"/>
-              <a:t>Some Snips of sample code</a:t>
+              <a:t>HEADER – TOPIC/QUESTION</a:t>
             </a:r>
           </a:p>
         </p:txBody>
@@ -4003,7 +4545,7 @@
           <p:cNvPr id="3" name="Content Placeholder 2">
             <a:extLst>
               <a:ext uri="{FF2B5EF4-FFF2-40B4-BE49-F238E27FC236}">
-                <a16:creationId xmlns:a16="http://schemas.microsoft.com/office/drawing/2014/main" id="{21F1BC7F-6AFF-459C-A618-B89F92C1F1C8}"/>
+                <a16:creationId xmlns:a16="http://schemas.microsoft.com/office/drawing/2014/main" id="{959E261A-2B13-4468-BDF8-ECE1331FFBCB}"/>
               </a:ext>
             </a:extLst>
           </p:cNvPr>
@@ -4014,19 +4556,535 @@
             <p:ph idx="1"/>
           </p:nvPr>
         </p:nvSpPr>
-        <p:spPr/>
-        <p:txBody>
-          <a:bodyPr/>
-          <a:lstStyle/>
-          <a:p>
-            <a:endParaRPr lang="en-US"/>
-          </a:p>
-        </p:txBody>
-      </p:sp>
+        <p:spPr>
+          <a:xfrm>
+            <a:off x="105879" y="1075621"/>
+            <a:ext cx="3378468" cy="5417252"/>
+          </a:xfrm>
+          <a:ln>
+            <a:solidFill>
+              <a:schemeClr val="tx1"/>
+            </a:solidFill>
+          </a:ln>
+        </p:spPr>
+        <p:txBody>
+          <a:bodyPr/>
+          <a:lstStyle/>
+          <a:p>
+            <a:pPr marL="0" indent="0" algn="ctr">
+              <a:buNone/>
+            </a:pPr>
+            <a:r>
+              <a:rPr lang="en-US" dirty="0"/>
+              <a:t>CODE IMAGE</a:t>
+            </a:r>
+          </a:p>
+        </p:txBody>
+      </p:sp>
+      <p:sp>
+        <p:nvSpPr>
+          <p:cNvPr id="4" name="Content Placeholder 2">
+            <a:extLst>
+              <a:ext uri="{FF2B5EF4-FFF2-40B4-BE49-F238E27FC236}">
+                <a16:creationId xmlns:a16="http://schemas.microsoft.com/office/drawing/2014/main" id="{1CA3E0FE-A404-4805-8384-F4DB772A6840}"/>
+              </a:ext>
+            </a:extLst>
+          </p:cNvPr>
+          <p:cNvSpPr txBox="1">
+            <a:spLocks/>
+          </p:cNvSpPr>
+          <p:nvPr/>
+        </p:nvSpPr>
+        <p:spPr>
+          <a:xfrm>
+            <a:off x="4264001" y="1075621"/>
+            <a:ext cx="7822069" cy="3583006"/>
+          </a:xfrm>
+          <a:prstGeom prst="rect">
+            <a:avLst/>
+          </a:prstGeom>
+          <a:ln>
+            <a:solidFill>
+              <a:schemeClr val="tx1"/>
+            </a:solidFill>
+          </a:ln>
+        </p:spPr>
+        <p:txBody>
+          <a:bodyPr vert="horz" lIns="91440" tIns="45720" rIns="91440" bIns="45720" rtlCol="0">
+            <a:normAutofit/>
+          </a:bodyPr>
+          <a:lstStyle>
+            <a:lvl1pPr marL="228600" indent="-228600" algn="l" defTabSz="914400" rtl="0" eaLnBrk="1" latinLnBrk="0" hangingPunct="1">
+              <a:lnSpc>
+                <a:spcPct val="90000"/>
+              </a:lnSpc>
+              <a:spcBef>
+                <a:spcPts val="1000"/>
+              </a:spcBef>
+              <a:buFont typeface="Arial" panose="020B0604020202020204" pitchFamily="34" charset="0"/>
+              <a:buChar char="•"/>
+              <a:defRPr sz="2800" kern="1200">
+                <a:solidFill>
+                  <a:schemeClr val="tx1"/>
+                </a:solidFill>
+                <a:latin typeface="+mn-lt"/>
+                <a:ea typeface="+mn-ea"/>
+                <a:cs typeface="+mn-cs"/>
+              </a:defRPr>
+            </a:lvl1pPr>
+            <a:lvl2pPr marL="685800" indent="-228600" algn="l" defTabSz="914400" rtl="0" eaLnBrk="1" latinLnBrk="0" hangingPunct="1">
+              <a:lnSpc>
+                <a:spcPct val="90000"/>
+              </a:lnSpc>
+              <a:spcBef>
+                <a:spcPts val="500"/>
+              </a:spcBef>
+              <a:buFont typeface="Arial" panose="020B0604020202020204" pitchFamily="34" charset="0"/>
+              <a:buChar char="•"/>
+              <a:defRPr sz="2400" kern="1200">
+                <a:solidFill>
+                  <a:schemeClr val="tx1"/>
+                </a:solidFill>
+                <a:latin typeface="+mn-lt"/>
+                <a:ea typeface="+mn-ea"/>
+                <a:cs typeface="+mn-cs"/>
+              </a:defRPr>
+            </a:lvl2pPr>
+            <a:lvl3pPr marL="1143000" indent="-228600" algn="l" defTabSz="914400" rtl="0" eaLnBrk="1" latinLnBrk="0" hangingPunct="1">
+              <a:lnSpc>
+                <a:spcPct val="90000"/>
+              </a:lnSpc>
+              <a:spcBef>
+                <a:spcPts val="500"/>
+              </a:spcBef>
+              <a:buFont typeface="Arial" panose="020B0604020202020204" pitchFamily="34" charset="0"/>
+              <a:buChar char="•"/>
+              <a:defRPr sz="2000" kern="1200">
+                <a:solidFill>
+                  <a:schemeClr val="tx1"/>
+                </a:solidFill>
+                <a:latin typeface="+mn-lt"/>
+                <a:ea typeface="+mn-ea"/>
+                <a:cs typeface="+mn-cs"/>
+              </a:defRPr>
+            </a:lvl3pPr>
+            <a:lvl4pPr marL="1600200" indent="-228600" algn="l" defTabSz="914400" rtl="0" eaLnBrk="1" latinLnBrk="0" hangingPunct="1">
+              <a:lnSpc>
+                <a:spcPct val="90000"/>
+              </a:lnSpc>
+              <a:spcBef>
+                <a:spcPts val="500"/>
+              </a:spcBef>
+              <a:buFont typeface="Arial" panose="020B0604020202020204" pitchFamily="34" charset="0"/>
+              <a:buChar char="•"/>
+              <a:defRPr sz="1800" kern="1200">
+                <a:solidFill>
+                  <a:schemeClr val="tx1"/>
+                </a:solidFill>
+                <a:latin typeface="+mn-lt"/>
+                <a:ea typeface="+mn-ea"/>
+                <a:cs typeface="+mn-cs"/>
+              </a:defRPr>
+            </a:lvl4pPr>
+            <a:lvl5pPr marL="2057400" indent="-228600" algn="l" defTabSz="914400" rtl="0" eaLnBrk="1" latinLnBrk="0" hangingPunct="1">
+              <a:lnSpc>
+                <a:spcPct val="90000"/>
+              </a:lnSpc>
+              <a:spcBef>
+                <a:spcPts val="500"/>
+              </a:spcBef>
+              <a:buFont typeface="Arial" panose="020B0604020202020204" pitchFamily="34" charset="0"/>
+              <a:buChar char="•"/>
+              <a:defRPr sz="1800" kern="1200">
+                <a:solidFill>
+                  <a:schemeClr val="tx1"/>
+                </a:solidFill>
+                <a:latin typeface="+mn-lt"/>
+                <a:ea typeface="+mn-ea"/>
+                <a:cs typeface="+mn-cs"/>
+              </a:defRPr>
+            </a:lvl5pPr>
+            <a:lvl6pPr marL="2514600" indent="-228600" algn="l" defTabSz="914400" rtl="0" eaLnBrk="1" latinLnBrk="0" hangingPunct="1">
+              <a:lnSpc>
+                <a:spcPct val="90000"/>
+              </a:lnSpc>
+              <a:spcBef>
+                <a:spcPts val="500"/>
+              </a:spcBef>
+              <a:buFont typeface="Arial" panose="020B0604020202020204" pitchFamily="34" charset="0"/>
+              <a:buChar char="•"/>
+              <a:defRPr sz="1800" kern="1200">
+                <a:solidFill>
+                  <a:schemeClr val="tx1"/>
+                </a:solidFill>
+                <a:latin typeface="+mn-lt"/>
+                <a:ea typeface="+mn-ea"/>
+                <a:cs typeface="+mn-cs"/>
+              </a:defRPr>
+            </a:lvl6pPr>
+            <a:lvl7pPr marL="2971800" indent="-228600" algn="l" defTabSz="914400" rtl="0" eaLnBrk="1" latinLnBrk="0" hangingPunct="1">
+              <a:lnSpc>
+                <a:spcPct val="90000"/>
+              </a:lnSpc>
+              <a:spcBef>
+                <a:spcPts val="500"/>
+              </a:spcBef>
+              <a:buFont typeface="Arial" panose="020B0604020202020204" pitchFamily="34" charset="0"/>
+              <a:buChar char="•"/>
+              <a:defRPr sz="1800" kern="1200">
+                <a:solidFill>
+                  <a:schemeClr val="tx1"/>
+                </a:solidFill>
+                <a:latin typeface="+mn-lt"/>
+                <a:ea typeface="+mn-ea"/>
+                <a:cs typeface="+mn-cs"/>
+              </a:defRPr>
+            </a:lvl7pPr>
+            <a:lvl8pPr marL="3429000" indent="-228600" algn="l" defTabSz="914400" rtl="0" eaLnBrk="1" latinLnBrk="0" hangingPunct="1">
+              <a:lnSpc>
+                <a:spcPct val="90000"/>
+              </a:lnSpc>
+              <a:spcBef>
+                <a:spcPts val="500"/>
+              </a:spcBef>
+              <a:buFont typeface="Arial" panose="020B0604020202020204" pitchFamily="34" charset="0"/>
+              <a:buChar char="•"/>
+              <a:defRPr sz="1800" kern="1200">
+                <a:solidFill>
+                  <a:schemeClr val="tx1"/>
+                </a:solidFill>
+                <a:latin typeface="+mn-lt"/>
+                <a:ea typeface="+mn-ea"/>
+                <a:cs typeface="+mn-cs"/>
+              </a:defRPr>
+            </a:lvl8pPr>
+            <a:lvl9pPr marL="3886200" indent="-228600" algn="l" defTabSz="914400" rtl="0" eaLnBrk="1" latinLnBrk="0" hangingPunct="1">
+              <a:lnSpc>
+                <a:spcPct val="90000"/>
+              </a:lnSpc>
+              <a:spcBef>
+                <a:spcPts val="500"/>
+              </a:spcBef>
+              <a:buFont typeface="Arial" panose="020B0604020202020204" pitchFamily="34" charset="0"/>
+              <a:buChar char="•"/>
+              <a:defRPr sz="1800" kern="1200">
+                <a:solidFill>
+                  <a:schemeClr val="tx1"/>
+                </a:solidFill>
+                <a:latin typeface="+mn-lt"/>
+                <a:ea typeface="+mn-ea"/>
+                <a:cs typeface="+mn-cs"/>
+              </a:defRPr>
+            </a:lvl9pPr>
+          </a:lstStyle>
+          <a:p>
+            <a:pPr marL="0" indent="0" algn="ctr">
+              <a:buNone/>
+            </a:pPr>
+            <a:r>
+              <a:rPr lang="en-US" dirty="0"/>
+              <a:t>VISUALIZATION</a:t>
+            </a:r>
+          </a:p>
+        </p:txBody>
+      </p:sp>
+      <p:sp>
+        <p:nvSpPr>
+          <p:cNvPr id="5" name="Content Placeholder 2">
+            <a:extLst>
+              <a:ext uri="{FF2B5EF4-FFF2-40B4-BE49-F238E27FC236}">
+                <a16:creationId xmlns:a16="http://schemas.microsoft.com/office/drawing/2014/main" id="{BB844202-ACD3-47B1-943C-656C576C9E89}"/>
+              </a:ext>
+            </a:extLst>
+          </p:cNvPr>
+          <p:cNvSpPr txBox="1">
+            <a:spLocks/>
+          </p:cNvSpPr>
+          <p:nvPr/>
+        </p:nvSpPr>
+        <p:spPr>
+          <a:xfrm>
+            <a:off x="4264052" y="5313145"/>
+            <a:ext cx="7822069" cy="1179728"/>
+          </a:xfrm>
+          <a:prstGeom prst="rect">
+            <a:avLst/>
+          </a:prstGeom>
+          <a:ln>
+            <a:solidFill>
+              <a:schemeClr val="tx1"/>
+            </a:solidFill>
+          </a:ln>
+        </p:spPr>
+        <p:txBody>
+          <a:bodyPr vert="horz" lIns="91440" tIns="45720" rIns="91440" bIns="45720" rtlCol="0">
+            <a:normAutofit/>
+          </a:bodyPr>
+          <a:lstStyle>
+            <a:lvl1pPr marL="228600" indent="-228600" algn="l" defTabSz="914400" rtl="0" eaLnBrk="1" latinLnBrk="0" hangingPunct="1">
+              <a:lnSpc>
+                <a:spcPct val="90000"/>
+              </a:lnSpc>
+              <a:spcBef>
+                <a:spcPts val="1000"/>
+              </a:spcBef>
+              <a:buFont typeface="Arial" panose="020B0604020202020204" pitchFamily="34" charset="0"/>
+              <a:buChar char="•"/>
+              <a:defRPr sz="2800" kern="1200">
+                <a:solidFill>
+                  <a:schemeClr val="tx1"/>
+                </a:solidFill>
+                <a:latin typeface="+mn-lt"/>
+                <a:ea typeface="+mn-ea"/>
+                <a:cs typeface="+mn-cs"/>
+              </a:defRPr>
+            </a:lvl1pPr>
+            <a:lvl2pPr marL="685800" indent="-228600" algn="l" defTabSz="914400" rtl="0" eaLnBrk="1" latinLnBrk="0" hangingPunct="1">
+              <a:lnSpc>
+                <a:spcPct val="90000"/>
+              </a:lnSpc>
+              <a:spcBef>
+                <a:spcPts val="500"/>
+              </a:spcBef>
+              <a:buFont typeface="Arial" panose="020B0604020202020204" pitchFamily="34" charset="0"/>
+              <a:buChar char="•"/>
+              <a:defRPr sz="2400" kern="1200">
+                <a:solidFill>
+                  <a:schemeClr val="tx1"/>
+                </a:solidFill>
+                <a:latin typeface="+mn-lt"/>
+                <a:ea typeface="+mn-ea"/>
+                <a:cs typeface="+mn-cs"/>
+              </a:defRPr>
+            </a:lvl2pPr>
+            <a:lvl3pPr marL="1143000" indent="-228600" algn="l" defTabSz="914400" rtl="0" eaLnBrk="1" latinLnBrk="0" hangingPunct="1">
+              <a:lnSpc>
+                <a:spcPct val="90000"/>
+              </a:lnSpc>
+              <a:spcBef>
+                <a:spcPts val="500"/>
+              </a:spcBef>
+              <a:buFont typeface="Arial" panose="020B0604020202020204" pitchFamily="34" charset="0"/>
+              <a:buChar char="•"/>
+              <a:defRPr sz="2000" kern="1200">
+                <a:solidFill>
+                  <a:schemeClr val="tx1"/>
+                </a:solidFill>
+                <a:latin typeface="+mn-lt"/>
+                <a:ea typeface="+mn-ea"/>
+                <a:cs typeface="+mn-cs"/>
+              </a:defRPr>
+            </a:lvl3pPr>
+            <a:lvl4pPr marL="1600200" indent="-228600" algn="l" defTabSz="914400" rtl="0" eaLnBrk="1" latinLnBrk="0" hangingPunct="1">
+              <a:lnSpc>
+                <a:spcPct val="90000"/>
+              </a:lnSpc>
+              <a:spcBef>
+                <a:spcPts val="500"/>
+              </a:spcBef>
+              <a:buFont typeface="Arial" panose="020B0604020202020204" pitchFamily="34" charset="0"/>
+              <a:buChar char="•"/>
+              <a:defRPr sz="1800" kern="1200">
+                <a:solidFill>
+                  <a:schemeClr val="tx1"/>
+                </a:solidFill>
+                <a:latin typeface="+mn-lt"/>
+                <a:ea typeface="+mn-ea"/>
+                <a:cs typeface="+mn-cs"/>
+              </a:defRPr>
+            </a:lvl4pPr>
+            <a:lvl5pPr marL="2057400" indent="-228600" algn="l" defTabSz="914400" rtl="0" eaLnBrk="1" latinLnBrk="0" hangingPunct="1">
+              <a:lnSpc>
+                <a:spcPct val="90000"/>
+              </a:lnSpc>
+              <a:spcBef>
+                <a:spcPts val="500"/>
+              </a:spcBef>
+              <a:buFont typeface="Arial" panose="020B0604020202020204" pitchFamily="34" charset="0"/>
+              <a:buChar char="•"/>
+              <a:defRPr sz="1800" kern="1200">
+                <a:solidFill>
+                  <a:schemeClr val="tx1"/>
+                </a:solidFill>
+                <a:latin typeface="+mn-lt"/>
+                <a:ea typeface="+mn-ea"/>
+                <a:cs typeface="+mn-cs"/>
+              </a:defRPr>
+            </a:lvl5pPr>
+            <a:lvl6pPr marL="2514600" indent="-228600" algn="l" defTabSz="914400" rtl="0" eaLnBrk="1" latinLnBrk="0" hangingPunct="1">
+              <a:lnSpc>
+                <a:spcPct val="90000"/>
+              </a:lnSpc>
+              <a:spcBef>
+                <a:spcPts val="500"/>
+              </a:spcBef>
+              <a:buFont typeface="Arial" panose="020B0604020202020204" pitchFamily="34" charset="0"/>
+              <a:buChar char="•"/>
+              <a:defRPr sz="1800" kern="1200">
+                <a:solidFill>
+                  <a:schemeClr val="tx1"/>
+                </a:solidFill>
+                <a:latin typeface="+mn-lt"/>
+                <a:ea typeface="+mn-ea"/>
+                <a:cs typeface="+mn-cs"/>
+              </a:defRPr>
+            </a:lvl6pPr>
+            <a:lvl7pPr marL="2971800" indent="-228600" algn="l" defTabSz="914400" rtl="0" eaLnBrk="1" latinLnBrk="0" hangingPunct="1">
+              <a:lnSpc>
+                <a:spcPct val="90000"/>
+              </a:lnSpc>
+              <a:spcBef>
+                <a:spcPts val="500"/>
+              </a:spcBef>
+              <a:buFont typeface="Arial" panose="020B0604020202020204" pitchFamily="34" charset="0"/>
+              <a:buChar char="•"/>
+              <a:defRPr sz="1800" kern="1200">
+                <a:solidFill>
+                  <a:schemeClr val="tx1"/>
+                </a:solidFill>
+                <a:latin typeface="+mn-lt"/>
+                <a:ea typeface="+mn-ea"/>
+                <a:cs typeface="+mn-cs"/>
+              </a:defRPr>
+            </a:lvl7pPr>
+            <a:lvl8pPr marL="3429000" indent="-228600" algn="l" defTabSz="914400" rtl="0" eaLnBrk="1" latinLnBrk="0" hangingPunct="1">
+              <a:lnSpc>
+                <a:spcPct val="90000"/>
+              </a:lnSpc>
+              <a:spcBef>
+                <a:spcPts val="500"/>
+              </a:spcBef>
+              <a:buFont typeface="Arial" panose="020B0604020202020204" pitchFamily="34" charset="0"/>
+              <a:buChar char="•"/>
+              <a:defRPr sz="1800" kern="1200">
+                <a:solidFill>
+                  <a:schemeClr val="tx1"/>
+                </a:solidFill>
+                <a:latin typeface="+mn-lt"/>
+                <a:ea typeface="+mn-ea"/>
+                <a:cs typeface="+mn-cs"/>
+              </a:defRPr>
+            </a:lvl8pPr>
+            <a:lvl9pPr marL="3886200" indent="-228600" algn="l" defTabSz="914400" rtl="0" eaLnBrk="1" latinLnBrk="0" hangingPunct="1">
+              <a:lnSpc>
+                <a:spcPct val="90000"/>
+              </a:lnSpc>
+              <a:spcBef>
+                <a:spcPts val="500"/>
+              </a:spcBef>
+              <a:buFont typeface="Arial" panose="020B0604020202020204" pitchFamily="34" charset="0"/>
+              <a:buChar char="•"/>
+              <a:defRPr sz="1800" kern="1200">
+                <a:solidFill>
+                  <a:schemeClr val="tx1"/>
+                </a:solidFill>
+                <a:latin typeface="+mn-lt"/>
+                <a:ea typeface="+mn-ea"/>
+                <a:cs typeface="+mn-cs"/>
+              </a:defRPr>
+            </a:lvl9pPr>
+          </a:lstStyle>
+          <a:p>
+            <a:pPr marL="0" indent="0" algn="ctr">
+              <a:buNone/>
+            </a:pPr>
+            <a:r>
+              <a:rPr lang="en-US" dirty="0"/>
+              <a:t>ANALYSIS</a:t>
+            </a:r>
+          </a:p>
+        </p:txBody>
+      </p:sp>
+      <p:cxnSp>
+        <p:nvCxnSpPr>
+          <p:cNvPr id="7" name="Straight Connector 6">
+            <a:extLst>
+              <a:ext uri="{FF2B5EF4-FFF2-40B4-BE49-F238E27FC236}">
+                <a16:creationId xmlns:a16="http://schemas.microsoft.com/office/drawing/2014/main" id="{AA5E1AE6-12DE-44B7-9E86-667AB34BC707}"/>
+              </a:ext>
+            </a:extLst>
+          </p:cNvPr>
+          <p:cNvCxnSpPr>
+            <a:cxnSpLocks/>
+          </p:cNvCxnSpPr>
+          <p:nvPr/>
+        </p:nvCxnSpPr>
+        <p:spPr>
+          <a:xfrm>
+            <a:off x="3946359" y="889134"/>
+            <a:ext cx="0" cy="5790225"/>
+          </a:xfrm>
+          <a:prstGeom prst="line">
+            <a:avLst/>
+          </a:prstGeom>
+          <a:ln w="38100">
+            <a:solidFill>
+              <a:schemeClr val="tx1"/>
+            </a:solidFill>
+          </a:ln>
+        </p:spPr>
+        <p:style>
+          <a:lnRef idx="1">
+            <a:schemeClr val="accent1"/>
+          </a:lnRef>
+          <a:fillRef idx="0">
+            <a:schemeClr val="accent1"/>
+          </a:fillRef>
+          <a:effectRef idx="0">
+            <a:schemeClr val="accent1"/>
+          </a:effectRef>
+          <a:fontRef idx="minor">
+            <a:schemeClr val="tx1"/>
+          </a:fontRef>
+        </p:style>
+      </p:cxnSp>
+      <p:cxnSp>
+        <p:nvCxnSpPr>
+          <p:cNvPr id="11" name="Straight Connector 10">
+            <a:extLst>
+              <a:ext uri="{FF2B5EF4-FFF2-40B4-BE49-F238E27FC236}">
+                <a16:creationId xmlns:a16="http://schemas.microsoft.com/office/drawing/2014/main" id="{6B497006-B5FE-49D1-8195-C602244D7A89}"/>
+              </a:ext>
+            </a:extLst>
+          </p:cNvPr>
+          <p:cNvCxnSpPr>
+            <a:cxnSpLocks/>
+          </p:cNvCxnSpPr>
+          <p:nvPr/>
+        </p:nvCxnSpPr>
+        <p:spPr>
+          <a:xfrm flipH="1">
+            <a:off x="6381549" y="4985887"/>
+            <a:ext cx="3723373" cy="0"/>
+          </a:xfrm>
+          <a:prstGeom prst="line">
+            <a:avLst/>
+          </a:prstGeom>
+          <a:ln w="38100">
+            <a:solidFill>
+              <a:schemeClr val="tx1"/>
+            </a:solidFill>
+          </a:ln>
+        </p:spPr>
+        <p:style>
+          <a:lnRef idx="1">
+            <a:schemeClr val="accent1"/>
+          </a:lnRef>
+          <a:fillRef idx="0">
+            <a:schemeClr val="accent1"/>
+          </a:fillRef>
+          <a:effectRef idx="0">
+            <a:schemeClr val="accent1"/>
+          </a:effectRef>
+          <a:fontRef idx="minor">
+            <a:schemeClr val="tx1"/>
+          </a:fontRef>
+        </p:style>
+      </p:cxnSp>
     </p:spTree>
     <p:extLst>
       <p:ext uri="{BB962C8B-B14F-4D97-AF65-F5344CB8AC3E}">
-        <p14:creationId xmlns:p14="http://schemas.microsoft.com/office/powerpoint/2010/main" val="1739574936"/>
+        <p14:creationId xmlns:p14="http://schemas.microsoft.com/office/powerpoint/2010/main" val="4000437216"/>
       </p:ext>
     </p:extLst>
   </p:cSld>

--- a/CHADS_CODING/CRIME + NFL.pptx
+++ b/CHADS_CODING/CRIME + NFL.pptx
@@ -6,11 +6,10 @@
   </p:sldMasterIdLst>
   <p:sldIdLst>
     <p:sldId id="256" r:id="rId2"/>
-    <p:sldId id="257" r:id="rId3"/>
+    <p:sldId id="262" r:id="rId3"/>
     <p:sldId id="259" r:id="rId4"/>
     <p:sldId id="261" r:id="rId5"/>
     <p:sldId id="258" r:id="rId6"/>
-    <p:sldId id="262" r:id="rId7"/>
   </p:sldIdLst>
   <p:sldSz cx="12192000" cy="6858000"/>
   <p:notesSz cx="6858000" cy="9144000"/>
@@ -264,7 +263,7 @@
           <a:p>
             <a:fld id="{AEB1A662-EF76-44BE-8BB6-1C3AC9FAFF46}" type="datetimeFigureOut">
               <a:rPr lang="en-US" smtClean="0"/>
-              <a:t>2/1/2020</a:t>
+              <a:t>2/3/2020</a:t>
             </a:fld>
             <a:endParaRPr lang="en-US"/>
           </a:p>
@@ -462,7 +461,7 @@
           <a:p>
             <a:fld id="{AEB1A662-EF76-44BE-8BB6-1C3AC9FAFF46}" type="datetimeFigureOut">
               <a:rPr lang="en-US" smtClean="0"/>
-              <a:t>2/1/2020</a:t>
+              <a:t>2/3/2020</a:t>
             </a:fld>
             <a:endParaRPr lang="en-US"/>
           </a:p>
@@ -670,7 +669,7 @@
           <a:p>
             <a:fld id="{AEB1A662-EF76-44BE-8BB6-1C3AC9FAFF46}" type="datetimeFigureOut">
               <a:rPr lang="en-US" smtClean="0"/>
-              <a:t>2/1/2020</a:t>
+              <a:t>2/3/2020</a:t>
             </a:fld>
             <a:endParaRPr lang="en-US"/>
           </a:p>
@@ -868,7 +867,7 @@
           <a:p>
             <a:fld id="{AEB1A662-EF76-44BE-8BB6-1C3AC9FAFF46}" type="datetimeFigureOut">
               <a:rPr lang="en-US" smtClean="0"/>
-              <a:t>2/1/2020</a:t>
+              <a:t>2/3/2020</a:t>
             </a:fld>
             <a:endParaRPr lang="en-US"/>
           </a:p>
@@ -1143,7 +1142,7 @@
           <a:p>
             <a:fld id="{AEB1A662-EF76-44BE-8BB6-1C3AC9FAFF46}" type="datetimeFigureOut">
               <a:rPr lang="en-US" smtClean="0"/>
-              <a:t>2/1/2020</a:t>
+              <a:t>2/3/2020</a:t>
             </a:fld>
             <a:endParaRPr lang="en-US"/>
           </a:p>
@@ -1408,7 +1407,7 @@
           <a:p>
             <a:fld id="{AEB1A662-EF76-44BE-8BB6-1C3AC9FAFF46}" type="datetimeFigureOut">
               <a:rPr lang="en-US" smtClean="0"/>
-              <a:t>2/1/2020</a:t>
+              <a:t>2/3/2020</a:t>
             </a:fld>
             <a:endParaRPr lang="en-US"/>
           </a:p>
@@ -1820,7 +1819,7 @@
           <a:p>
             <a:fld id="{AEB1A662-EF76-44BE-8BB6-1C3AC9FAFF46}" type="datetimeFigureOut">
               <a:rPr lang="en-US" smtClean="0"/>
-              <a:t>2/1/2020</a:t>
+              <a:t>2/3/2020</a:t>
             </a:fld>
             <a:endParaRPr lang="en-US"/>
           </a:p>
@@ -1961,7 +1960,7 @@
           <a:p>
             <a:fld id="{AEB1A662-EF76-44BE-8BB6-1C3AC9FAFF46}" type="datetimeFigureOut">
               <a:rPr lang="en-US" smtClean="0"/>
-              <a:t>2/1/2020</a:t>
+              <a:t>2/3/2020</a:t>
             </a:fld>
             <a:endParaRPr lang="en-US"/>
           </a:p>
@@ -2074,7 +2073,7 @@
           <a:p>
             <a:fld id="{AEB1A662-EF76-44BE-8BB6-1C3AC9FAFF46}" type="datetimeFigureOut">
               <a:rPr lang="en-US" smtClean="0"/>
-              <a:t>2/1/2020</a:t>
+              <a:t>2/3/2020</a:t>
             </a:fld>
             <a:endParaRPr lang="en-US"/>
           </a:p>
@@ -2385,7 +2384,7 @@
           <a:p>
             <a:fld id="{AEB1A662-EF76-44BE-8BB6-1C3AC9FAFF46}" type="datetimeFigureOut">
               <a:rPr lang="en-US" smtClean="0"/>
-              <a:t>2/1/2020</a:t>
+              <a:t>2/3/2020</a:t>
             </a:fld>
             <a:endParaRPr lang="en-US"/>
           </a:p>
@@ -2673,7 +2672,7 @@
           <a:p>
             <a:fld id="{AEB1A662-EF76-44BE-8BB6-1C3AC9FAFF46}" type="datetimeFigureOut">
               <a:rPr lang="en-US" smtClean="0"/>
-              <a:t>2/1/2020</a:t>
+              <a:t>2/3/2020</a:t>
             </a:fld>
             <a:endParaRPr lang="en-US"/>
           </a:p>
@@ -2914,7 +2913,7 @@
           <a:p>
             <a:fld id="{AEB1A662-EF76-44BE-8BB6-1C3AC9FAFF46}" type="datetimeFigureOut">
               <a:rPr lang="en-US" smtClean="0"/>
-              <a:t>2/1/2020</a:t>
+              <a:t>2/3/2020</a:t>
             </a:fld>
             <a:endParaRPr lang="en-US"/>
           </a:p>
@@ -3428,7 +3427,7 @@
           <p:cNvPr id="2" name="Title 1">
             <a:extLst>
               <a:ext uri="{FF2B5EF4-FFF2-40B4-BE49-F238E27FC236}">
-                <a16:creationId xmlns:a16="http://schemas.microsoft.com/office/drawing/2014/main" id="{D912D42E-DD11-4719-BDA2-3320C153E696}"/>
+                <a16:creationId xmlns:a16="http://schemas.microsoft.com/office/drawing/2014/main" id="{22CA8328-6E6E-4B58-9BD2-B4E4D3777C0D}"/>
               </a:ext>
             </a:extLst>
           </p:cNvPr>
@@ -3439,378 +3438,11 @@
             <p:ph type="title"/>
           </p:nvPr>
         </p:nvSpPr>
-        <p:spPr/>
-        <p:txBody>
-          <a:bodyPr/>
-          <a:lstStyle/>
-          <a:p>
-            <a:r>
-              <a:rPr lang="en-US" dirty="0"/>
-              <a:t>MAP of Where Crimes Happens</a:t>
-            </a:r>
-          </a:p>
-        </p:txBody>
-      </p:sp>
-    </p:spTree>
-    <p:extLst>
-      <p:ext uri="{BB962C8B-B14F-4D97-AF65-F5344CB8AC3E}">
-        <p14:creationId xmlns:p14="http://schemas.microsoft.com/office/powerpoint/2010/main" val="2807851270"/>
-      </p:ext>
-    </p:extLst>
-  </p:cSld>
-  <p:clrMapOvr>
-    <a:masterClrMapping/>
-  </p:clrMapOvr>
-</p:sld>
-</file>
-
-<file path=ppt/slides/slide3.xml><?xml version="1.0" encoding="utf-8"?>
-<p:sld xmlns:a="http://schemas.openxmlformats.org/drawingml/2006/main" xmlns:r="http://schemas.openxmlformats.org/officeDocument/2006/relationships" xmlns:p="http://schemas.openxmlformats.org/presentationml/2006/main">
-  <p:cSld>
-    <p:spTree>
-      <p:nvGrpSpPr>
-        <p:cNvPr id="1" name=""/>
-        <p:cNvGrpSpPr/>
-        <p:nvPr/>
-      </p:nvGrpSpPr>
-      <p:grpSpPr>
-        <a:xfrm>
-          <a:off x="0" y="0"/>
-          <a:ext cx="0" cy="0"/>
-          <a:chOff x="0" y="0"/>
-          <a:chExt cx="0" cy="0"/>
-        </a:xfrm>
-      </p:grpSpPr>
-      <p:sp>
-        <p:nvSpPr>
-          <p:cNvPr id="2" name="Title 1">
-            <a:extLst>
-              <a:ext uri="{FF2B5EF4-FFF2-40B4-BE49-F238E27FC236}">
-                <a16:creationId xmlns:a16="http://schemas.microsoft.com/office/drawing/2014/main" id="{D74AEC38-734B-42CF-ACF7-CBF87E4A900E}"/>
-              </a:ext>
-            </a:extLst>
-          </p:cNvPr>
-          <p:cNvSpPr>
-            <a:spLocks noGrp="1"/>
-          </p:cNvSpPr>
-          <p:nvPr>
-            <p:ph type="title"/>
-          </p:nvPr>
-        </p:nvSpPr>
-        <p:spPr/>
-        <p:txBody>
-          <a:bodyPr/>
-          <a:lstStyle/>
-          <a:p>
-            <a:r>
-              <a:rPr lang="en-US" dirty="0"/>
-              <a:t>Line Graph of Total Crimes Per Year</a:t>
-            </a:r>
-          </a:p>
-        </p:txBody>
-      </p:sp>
-      <p:pic>
-        <p:nvPicPr>
-          <p:cNvPr id="5" name="Picture 4">
-            <a:extLst>
-              <a:ext uri="{FF2B5EF4-FFF2-40B4-BE49-F238E27FC236}">
-                <a16:creationId xmlns:a16="http://schemas.microsoft.com/office/drawing/2014/main" id="{1D1F6A4D-2361-4AA6-AAEE-6FA9566942A5}"/>
-              </a:ext>
-            </a:extLst>
-          </p:cNvPr>
-          <p:cNvPicPr>
-            <a:picLocks noChangeAspect="1"/>
-          </p:cNvPicPr>
-          <p:nvPr/>
-        </p:nvPicPr>
-        <p:blipFill>
-          <a:blip r:embed="rId2"/>
-          <a:stretch>
-            <a:fillRect/>
-          </a:stretch>
-        </p:blipFill>
         <p:spPr>
           <a:xfrm>
-            <a:off x="838200" y="1352145"/>
-            <a:ext cx="5447097" cy="2565338"/>
+            <a:off x="838200" y="163000"/>
+            <a:ext cx="10515600" cy="568526"/>
           </a:xfrm>
-          <a:prstGeom prst="rect">
-            <a:avLst/>
-          </a:prstGeom>
-          <a:ln>
-            <a:solidFill>
-              <a:schemeClr val="tx1"/>
-            </a:solidFill>
-          </a:ln>
-        </p:spPr>
-      </p:pic>
-      <p:sp>
-        <p:nvSpPr>
-          <p:cNvPr id="6" name="TextBox 5">
-            <a:extLst>
-              <a:ext uri="{FF2B5EF4-FFF2-40B4-BE49-F238E27FC236}">
-                <a16:creationId xmlns:a16="http://schemas.microsoft.com/office/drawing/2014/main" id="{0F04ACAD-C174-4953-957E-CC1CDC31B2CD}"/>
-              </a:ext>
-            </a:extLst>
-          </p:cNvPr>
-          <p:cNvSpPr txBox="1"/>
-          <p:nvPr/>
-        </p:nvSpPr>
-        <p:spPr>
-          <a:xfrm>
-            <a:off x="6862813" y="1352144"/>
-            <a:ext cx="4928134" cy="1200329"/>
-          </a:xfrm>
-          <a:prstGeom prst="rect">
-            <a:avLst/>
-          </a:prstGeom>
-          <a:noFill/>
-          <a:ln>
-            <a:solidFill>
-              <a:schemeClr val="tx1"/>
-            </a:solidFill>
-          </a:ln>
-        </p:spPr>
-        <p:txBody>
-          <a:bodyPr wrap="square" rtlCol="0">
-            <a:spAutoFit/>
-          </a:bodyPr>
-          <a:lstStyle/>
-          <a:p>
-            <a:r>
-              <a:rPr lang="en-US" dirty="0"/>
-              <a:t>Both offense and defense athletes are trending down from a total crimes committed</a:t>
-            </a:r>
-          </a:p>
-          <a:p>
-            <a:endParaRPr lang="en-US" dirty="0"/>
-          </a:p>
-          <a:p>
-            <a:r>
-              <a:rPr lang="en-US" dirty="0"/>
-              <a:t> </a:t>
-            </a:r>
-          </a:p>
-        </p:txBody>
-      </p:sp>
-      <p:pic>
-        <p:nvPicPr>
-          <p:cNvPr id="8" name="Picture 7">
-            <a:extLst>
-              <a:ext uri="{FF2B5EF4-FFF2-40B4-BE49-F238E27FC236}">
-                <a16:creationId xmlns:a16="http://schemas.microsoft.com/office/drawing/2014/main" id="{DDA2391C-B9E9-413E-B50B-4D30D5FC49AD}"/>
-              </a:ext>
-            </a:extLst>
-          </p:cNvPr>
-          <p:cNvPicPr>
-            <a:picLocks noChangeAspect="1"/>
-          </p:cNvPicPr>
-          <p:nvPr/>
-        </p:nvPicPr>
-        <p:blipFill>
-          <a:blip r:embed="rId3"/>
-          <a:stretch>
-            <a:fillRect/>
-          </a:stretch>
-        </p:blipFill>
-        <p:spPr>
-          <a:xfrm>
-            <a:off x="838200" y="4030750"/>
-            <a:ext cx="5447097" cy="2742857"/>
-          </a:xfrm>
-          <a:prstGeom prst="rect">
-            <a:avLst/>
-          </a:prstGeom>
-          <a:ln>
-            <a:solidFill>
-              <a:schemeClr val="tx1"/>
-            </a:solidFill>
-          </a:ln>
-        </p:spPr>
-      </p:pic>
-    </p:spTree>
-    <p:extLst>
-      <p:ext uri="{BB962C8B-B14F-4D97-AF65-F5344CB8AC3E}">
-        <p14:creationId xmlns:p14="http://schemas.microsoft.com/office/powerpoint/2010/main" val="1937582852"/>
-      </p:ext>
-    </p:extLst>
-  </p:cSld>
-  <p:clrMapOvr>
-    <a:masterClrMapping/>
-  </p:clrMapOvr>
-</p:sld>
-</file>
-
-<file path=ppt/slides/slide4.xml><?xml version="1.0" encoding="utf-8"?>
-<p:sld xmlns:a="http://schemas.openxmlformats.org/drawingml/2006/main" xmlns:r="http://schemas.openxmlformats.org/officeDocument/2006/relationships" xmlns:p="http://schemas.openxmlformats.org/presentationml/2006/main">
-  <p:cSld>
-    <p:spTree>
-      <p:nvGrpSpPr>
-        <p:cNvPr id="1" name=""/>
-        <p:cNvGrpSpPr/>
-        <p:nvPr/>
-      </p:nvGrpSpPr>
-      <p:grpSpPr>
-        <a:xfrm>
-          <a:off x="0" y="0"/>
-          <a:ext cx="0" cy="0"/>
-          <a:chOff x="0" y="0"/>
-          <a:chExt cx="0" cy="0"/>
-        </a:xfrm>
-      </p:grpSpPr>
-      <p:sp>
-        <p:nvSpPr>
-          <p:cNvPr id="2" name="Title 1">
-            <a:extLst>
-              <a:ext uri="{FF2B5EF4-FFF2-40B4-BE49-F238E27FC236}">
-                <a16:creationId xmlns:a16="http://schemas.microsoft.com/office/drawing/2014/main" id="{F8CCFD6C-1C4D-4FFD-BA4D-390E5F0E2313}"/>
-              </a:ext>
-            </a:extLst>
-          </p:cNvPr>
-          <p:cNvSpPr>
-            <a:spLocks noGrp="1"/>
-          </p:cNvSpPr>
-          <p:nvPr>
-            <p:ph type="title"/>
-          </p:nvPr>
-        </p:nvSpPr>
-        <p:spPr/>
-        <p:txBody>
-          <a:bodyPr/>
-          <a:lstStyle/>
-          <a:p>
-            <a:r>
-              <a:rPr lang="en-US" dirty="0"/>
-              <a:t>Pie Chart Crime by Offense or Defense</a:t>
-            </a:r>
-          </a:p>
-        </p:txBody>
-      </p:sp>
-      <p:pic>
-        <p:nvPicPr>
-          <p:cNvPr id="5" name="Picture 4">
-            <a:extLst>
-              <a:ext uri="{FF2B5EF4-FFF2-40B4-BE49-F238E27FC236}">
-                <a16:creationId xmlns:a16="http://schemas.microsoft.com/office/drawing/2014/main" id="{F82C2CB9-174C-4D93-8830-15335AB15D62}"/>
-              </a:ext>
-            </a:extLst>
-          </p:cNvPr>
-          <p:cNvPicPr>
-            <a:picLocks noChangeAspect="1"/>
-          </p:cNvPicPr>
-          <p:nvPr/>
-        </p:nvPicPr>
-        <p:blipFill>
-          <a:blip r:embed="rId2"/>
-          <a:stretch>
-            <a:fillRect/>
-          </a:stretch>
-        </p:blipFill>
-        <p:spPr>
-          <a:xfrm>
-            <a:off x="838200" y="1294599"/>
-            <a:ext cx="5609938" cy="2517006"/>
-          </a:xfrm>
-          <a:prstGeom prst="rect">
-            <a:avLst/>
-          </a:prstGeom>
-          <a:ln>
-            <a:solidFill>
-              <a:schemeClr val="tx1"/>
-            </a:solidFill>
-          </a:ln>
-        </p:spPr>
-      </p:pic>
-      <p:pic>
-        <p:nvPicPr>
-          <p:cNvPr id="6" name="Picture 5">
-            <a:extLst>
-              <a:ext uri="{FF2B5EF4-FFF2-40B4-BE49-F238E27FC236}">
-                <a16:creationId xmlns:a16="http://schemas.microsoft.com/office/drawing/2014/main" id="{2FBF5823-68D7-4F59-A03A-599ADE84CABD}"/>
-              </a:ext>
-            </a:extLst>
-          </p:cNvPr>
-          <p:cNvPicPr>
-            <a:picLocks noChangeAspect="1"/>
-          </p:cNvPicPr>
-          <p:nvPr/>
-        </p:nvPicPr>
-        <p:blipFill rotWithShape="1">
-          <a:blip r:embed="rId3"/>
-          <a:srcRect l="1398" t="2718" r="1880" b="3528"/>
-          <a:stretch/>
-        </p:blipFill>
-        <p:spPr>
-          <a:xfrm>
-            <a:off x="838200" y="4069980"/>
-            <a:ext cx="4100364" cy="2597656"/>
-          </a:xfrm>
-          <a:prstGeom prst="rect">
-            <a:avLst/>
-          </a:prstGeom>
-          <a:ln>
-            <a:solidFill>
-              <a:schemeClr val="tx1"/>
-            </a:solidFill>
-          </a:ln>
-        </p:spPr>
-      </p:pic>
-      <p:pic>
-        <p:nvPicPr>
-          <p:cNvPr id="7" name="Picture 6">
-            <a:extLst>
-              <a:ext uri="{FF2B5EF4-FFF2-40B4-BE49-F238E27FC236}">
-                <a16:creationId xmlns:a16="http://schemas.microsoft.com/office/drawing/2014/main" id="{80AACED5-878A-4863-BFE9-CE8FC921994D}"/>
-              </a:ext>
-            </a:extLst>
-          </p:cNvPr>
-          <p:cNvPicPr>
-            <a:picLocks noChangeAspect="1"/>
-          </p:cNvPicPr>
-          <p:nvPr/>
-        </p:nvPicPr>
-        <p:blipFill>
-          <a:blip r:embed="rId4"/>
-          <a:stretch>
-            <a:fillRect/>
-          </a:stretch>
-        </p:blipFill>
-        <p:spPr>
-          <a:xfrm>
-            <a:off x="6096000" y="4069980"/>
-            <a:ext cx="4100362" cy="2678246"/>
-          </a:xfrm>
-          <a:prstGeom prst="rect">
-            <a:avLst/>
-          </a:prstGeom>
-          <a:ln>
-            <a:solidFill>
-              <a:schemeClr val="tx1"/>
-            </a:solidFill>
-          </a:ln>
-        </p:spPr>
-      </p:pic>
-      <p:sp>
-        <p:nvSpPr>
-          <p:cNvPr id="8" name="TextBox 7">
-            <a:extLst>
-              <a:ext uri="{FF2B5EF4-FFF2-40B4-BE49-F238E27FC236}">
-                <a16:creationId xmlns:a16="http://schemas.microsoft.com/office/drawing/2014/main" id="{8713628E-DEDA-4BA8-80BD-767D9FC4B3D1}"/>
-              </a:ext>
-            </a:extLst>
-          </p:cNvPr>
-          <p:cNvSpPr txBox="1"/>
-          <p:nvPr/>
-        </p:nvSpPr>
-        <p:spPr>
-          <a:xfrm>
-            <a:off x="6939815" y="1294599"/>
-            <a:ext cx="4957010" cy="2585323"/>
-          </a:xfrm>
-          <a:prstGeom prst="rect">
-            <a:avLst/>
-          </a:prstGeom>
-          <a:noFill/>
           <a:ln w="12700">
             <a:solidFill>
               <a:schemeClr val="tx1"/>
@@ -3818,103 +3450,6 @@
           </a:ln>
         </p:spPr>
         <p:txBody>
-          <a:bodyPr wrap="square" rtlCol="0">
-            <a:spAutoFit/>
-          </a:bodyPr>
-          <a:lstStyle/>
-          <a:p>
-            <a:r>
-              <a:rPr lang="en-US" dirty="0"/>
-              <a:t>What do we learn about this?</a:t>
-            </a:r>
-          </a:p>
-          <a:p>
-            <a:endParaRPr lang="en-US" dirty="0"/>
-          </a:p>
-          <a:p>
-            <a:r>
-              <a:rPr lang="en-US" dirty="0"/>
-              <a:t>Defensive players have a greater % of crimes committed. </a:t>
-            </a:r>
-          </a:p>
-          <a:p>
-            <a:endParaRPr lang="en-US" dirty="0"/>
-          </a:p>
-          <a:p>
-            <a:r>
-              <a:rPr lang="en-US" dirty="0"/>
-              <a:t>What kind of Crimes are they committing?</a:t>
-            </a:r>
-          </a:p>
-          <a:p>
-            <a:endParaRPr lang="en-US" dirty="0"/>
-          </a:p>
-          <a:p>
-            <a:endParaRPr lang="en-US" dirty="0"/>
-          </a:p>
-          <a:p>
-            <a:endParaRPr lang="en-US" dirty="0"/>
-          </a:p>
-        </p:txBody>
-      </p:sp>
-    </p:spTree>
-    <p:extLst>
-      <p:ext uri="{BB962C8B-B14F-4D97-AF65-F5344CB8AC3E}">
-        <p14:creationId xmlns:p14="http://schemas.microsoft.com/office/powerpoint/2010/main" val="2678138440"/>
-      </p:ext>
-    </p:extLst>
-  </p:cSld>
-  <p:clrMapOvr>
-    <a:masterClrMapping/>
-  </p:clrMapOvr>
-</p:sld>
-</file>
-
-<file path=ppt/slides/slide5.xml><?xml version="1.0" encoding="utf-8"?>
-<p:sld xmlns:a="http://schemas.openxmlformats.org/drawingml/2006/main" xmlns:r="http://schemas.openxmlformats.org/officeDocument/2006/relationships" xmlns:p="http://schemas.openxmlformats.org/presentationml/2006/main">
-  <p:cSld>
-    <p:spTree>
-      <p:nvGrpSpPr>
-        <p:cNvPr id="1" name=""/>
-        <p:cNvGrpSpPr/>
-        <p:nvPr/>
-      </p:nvGrpSpPr>
-      <p:grpSpPr>
-        <a:xfrm>
-          <a:off x="0" y="0"/>
-          <a:ext cx="0" cy="0"/>
-          <a:chOff x="0" y="0"/>
-          <a:chExt cx="0" cy="0"/>
-        </a:xfrm>
-      </p:grpSpPr>
-      <p:sp>
-        <p:nvSpPr>
-          <p:cNvPr id="2" name="Title 1">
-            <a:extLst>
-              <a:ext uri="{FF2B5EF4-FFF2-40B4-BE49-F238E27FC236}">
-                <a16:creationId xmlns:a16="http://schemas.microsoft.com/office/drawing/2014/main" id="{22CA8328-6E6E-4B58-9BD2-B4E4D3777C0D}"/>
-              </a:ext>
-            </a:extLst>
-          </p:cNvPr>
-          <p:cNvSpPr>
-            <a:spLocks noGrp="1"/>
-          </p:cNvSpPr>
-          <p:nvPr>
-            <p:ph type="title"/>
-          </p:nvPr>
-        </p:nvSpPr>
-        <p:spPr>
-          <a:xfrm>
-            <a:off x="838200" y="163000"/>
-            <a:ext cx="10515600" cy="568526"/>
-          </a:xfrm>
-          <a:ln w="28575">
-            <a:solidFill>
-              <a:schemeClr val="tx1"/>
-            </a:solidFill>
-          </a:ln>
-        </p:spPr>
-        <p:txBody>
           <a:bodyPr>
             <a:normAutofit fontScale="90000"/>
           </a:bodyPr>
@@ -3923,7 +3458,7 @@
             <a:pPr algn="ctr"/>
             <a:r>
               <a:rPr lang="en-US" dirty="0"/>
-              <a:t>HEADER – TOPIC/QUESTION</a:t>
+              <a:t>HEAT MAP: TOTAL CRIMES BY TEAM</a:t>
             </a:r>
           </a:p>
         </p:txBody>
@@ -3946,8 +3481,8 @@
         </p:nvSpPr>
         <p:spPr>
           <a:xfrm>
-            <a:off x="105879" y="1075621"/>
-            <a:ext cx="3378468" cy="5417252"/>
+            <a:off x="105878" y="1075621"/>
+            <a:ext cx="3724972" cy="5417252"/>
           </a:xfrm>
           <a:ln>
             <a:solidFill>
@@ -3964,7 +3499,7 @@
             </a:pPr>
             <a:r>
               <a:rPr lang="en-US" dirty="0"/>
-              <a:t>CODE IMAGE</a:t>
+              <a:t>CODE</a:t>
             </a:r>
           </a:p>
         </p:txBody>
@@ -3985,8 +3520,8 @@
         </p:nvSpPr>
         <p:spPr>
           <a:xfrm>
-            <a:off x="4406766" y="1075621"/>
-            <a:ext cx="3378468" cy="5417252"/>
+            <a:off x="4061865" y="1075620"/>
+            <a:ext cx="8024206" cy="3650381"/>
           </a:xfrm>
           <a:prstGeom prst="rect">
             <a:avLst/>
@@ -4192,8 +3727,8 @@
         </p:nvSpPr>
         <p:spPr>
           <a:xfrm>
-            <a:off x="8707653" y="1075621"/>
-            <a:ext cx="3378468" cy="5417252"/>
+            <a:off x="4061866" y="4995524"/>
+            <a:ext cx="8024256" cy="1497349"/>
           </a:xfrm>
           <a:prstGeom prst="rect">
             <a:avLst/>
@@ -4381,6 +3916,30 @@
               <a:t>ANALYSIS</a:t>
             </a:r>
           </a:p>
+          <a:p>
+            <a:r>
+              <a:rPr lang="en-US" sz="1400" dirty="0"/>
+              <a:t>THE EAST COAST HAS THE MAJORITY OF THE CRIMES</a:t>
+            </a:r>
+          </a:p>
+          <a:p>
+            <a:r>
+              <a:rPr lang="en-US" sz="1400" dirty="0"/>
+              <a:t>MINNISOTA VIKINGS HAD THE MOST CRIMES OF ANY TEAM</a:t>
+            </a:r>
+          </a:p>
+          <a:p>
+            <a:r>
+              <a:rPr lang="en-US" sz="1400" dirty="0"/>
+              <a:t>HOUSTON TEXANS HAD THE FEWEST CRIMES OF ANY TEAM</a:t>
+            </a:r>
+          </a:p>
+          <a:p>
+            <a:endParaRPr lang="en-US" sz="1400" dirty="0"/>
+          </a:p>
+          <a:p>
+            <a:endParaRPr lang="en-US" dirty="0"/>
+          </a:p>
         </p:txBody>
       </p:sp>
       <p:cxnSp>
@@ -4441,9 +4000,9 @@
           <p:nvPr/>
         </p:nvCxnSpPr>
         <p:spPr>
-          <a:xfrm>
-            <a:off x="8247247" y="889134"/>
-            <a:ext cx="0" cy="5790225"/>
+          <a:xfrm flipH="1">
+            <a:off x="6381549" y="4860762"/>
+            <a:ext cx="3723373" cy="0"/>
           </a:xfrm>
           <a:prstGeom prst="line">
             <a:avLst/>
@@ -4469,10 +4028,80 @@
           </a:fontRef>
         </p:style>
       </p:cxnSp>
+      <p:pic>
+        <p:nvPicPr>
+          <p:cNvPr id="8" name="Picture 7">
+            <a:extLst>
+              <a:ext uri="{FF2B5EF4-FFF2-40B4-BE49-F238E27FC236}">
+                <a16:creationId xmlns:a16="http://schemas.microsoft.com/office/drawing/2014/main" id="{9F1DA9F1-B3BD-430D-8CA1-678F3DDF3B78}"/>
+              </a:ext>
+            </a:extLst>
+          </p:cNvPr>
+          <p:cNvPicPr>
+            <a:picLocks noChangeAspect="1"/>
+          </p:cNvPicPr>
+          <p:nvPr/>
+        </p:nvPicPr>
+        <p:blipFill>
+          <a:blip r:embed="rId2"/>
+          <a:stretch>
+            <a:fillRect/>
+          </a:stretch>
+        </p:blipFill>
+        <p:spPr>
+          <a:xfrm>
+            <a:off x="4215932" y="1530420"/>
+            <a:ext cx="7730626" cy="3128207"/>
+          </a:xfrm>
+          <a:prstGeom prst="rect">
+            <a:avLst/>
+          </a:prstGeom>
+          <a:ln>
+            <a:solidFill>
+              <a:schemeClr val="tx1"/>
+            </a:solidFill>
+          </a:ln>
+        </p:spPr>
+      </p:pic>
+      <p:pic>
+        <p:nvPicPr>
+          <p:cNvPr id="9" name="Picture 8">
+            <a:extLst>
+              <a:ext uri="{FF2B5EF4-FFF2-40B4-BE49-F238E27FC236}">
+                <a16:creationId xmlns:a16="http://schemas.microsoft.com/office/drawing/2014/main" id="{DA8F0354-4958-41FA-85A7-700F6170B2DC}"/>
+              </a:ext>
+            </a:extLst>
+          </p:cNvPr>
+          <p:cNvPicPr>
+            <a:picLocks noChangeAspect="1"/>
+          </p:cNvPicPr>
+          <p:nvPr/>
+        </p:nvPicPr>
+        <p:blipFill>
+          <a:blip r:embed="rId3"/>
+          <a:stretch>
+            <a:fillRect/>
+          </a:stretch>
+        </p:blipFill>
+        <p:spPr>
+          <a:xfrm>
+            <a:off x="187692" y="1530420"/>
+            <a:ext cx="3575785" cy="4889631"/>
+          </a:xfrm>
+          <a:prstGeom prst="rect">
+            <a:avLst/>
+          </a:prstGeom>
+          <a:ln>
+            <a:solidFill>
+              <a:schemeClr val="tx1"/>
+            </a:solidFill>
+          </a:ln>
+        </p:spPr>
+      </p:pic>
     </p:spTree>
     <p:extLst>
       <p:ext uri="{BB962C8B-B14F-4D97-AF65-F5344CB8AC3E}">
-        <p14:creationId xmlns:p14="http://schemas.microsoft.com/office/powerpoint/2010/main" val="3263429715"/>
+        <p14:creationId xmlns:p14="http://schemas.microsoft.com/office/powerpoint/2010/main" val="4000437216"/>
       </p:ext>
     </p:extLst>
   </p:cSld>
@@ -4482,7 +4111,7 @@
 </p:sld>
 </file>
 
-<file path=ppt/slides/slide6.xml><?xml version="1.0" encoding="utf-8"?>
+<file path=ppt/slides/slide3.xml><?xml version="1.0" encoding="utf-8"?>
 <p:sld xmlns:a="http://schemas.openxmlformats.org/drawingml/2006/main" xmlns:r="http://schemas.openxmlformats.org/officeDocument/2006/relationships" xmlns:p="http://schemas.openxmlformats.org/presentationml/2006/main">
   <p:cSld>
     <p:spTree>
@@ -4504,6 +4133,412 @@
           <p:cNvPr id="2" name="Title 1">
             <a:extLst>
               <a:ext uri="{FF2B5EF4-FFF2-40B4-BE49-F238E27FC236}">
+                <a16:creationId xmlns:a16="http://schemas.microsoft.com/office/drawing/2014/main" id="{D74AEC38-734B-42CF-ACF7-CBF87E4A900E}"/>
+              </a:ext>
+            </a:extLst>
+          </p:cNvPr>
+          <p:cNvSpPr>
+            <a:spLocks noGrp="1"/>
+          </p:cNvSpPr>
+          <p:nvPr>
+            <p:ph type="title"/>
+          </p:nvPr>
+        </p:nvSpPr>
+        <p:spPr/>
+        <p:txBody>
+          <a:bodyPr/>
+          <a:lstStyle/>
+          <a:p>
+            <a:r>
+              <a:rPr lang="en-US" dirty="0"/>
+              <a:t>Line Graph of Total Crimes Per Year</a:t>
+            </a:r>
+          </a:p>
+        </p:txBody>
+      </p:sp>
+      <p:pic>
+        <p:nvPicPr>
+          <p:cNvPr id="5" name="Picture 4">
+            <a:extLst>
+              <a:ext uri="{FF2B5EF4-FFF2-40B4-BE49-F238E27FC236}">
+                <a16:creationId xmlns:a16="http://schemas.microsoft.com/office/drawing/2014/main" id="{1D1F6A4D-2361-4AA6-AAEE-6FA9566942A5}"/>
+              </a:ext>
+            </a:extLst>
+          </p:cNvPr>
+          <p:cNvPicPr>
+            <a:picLocks noChangeAspect="1"/>
+          </p:cNvPicPr>
+          <p:nvPr/>
+        </p:nvPicPr>
+        <p:blipFill>
+          <a:blip r:embed="rId2"/>
+          <a:stretch>
+            <a:fillRect/>
+          </a:stretch>
+        </p:blipFill>
+        <p:spPr>
+          <a:xfrm>
+            <a:off x="838200" y="1352145"/>
+            <a:ext cx="5447097" cy="2565338"/>
+          </a:xfrm>
+          <a:prstGeom prst="rect">
+            <a:avLst/>
+          </a:prstGeom>
+          <a:ln>
+            <a:solidFill>
+              <a:schemeClr val="tx1"/>
+            </a:solidFill>
+          </a:ln>
+        </p:spPr>
+      </p:pic>
+      <p:sp>
+        <p:nvSpPr>
+          <p:cNvPr id="6" name="TextBox 5">
+            <a:extLst>
+              <a:ext uri="{FF2B5EF4-FFF2-40B4-BE49-F238E27FC236}">
+                <a16:creationId xmlns:a16="http://schemas.microsoft.com/office/drawing/2014/main" id="{0F04ACAD-C174-4953-957E-CC1CDC31B2CD}"/>
+              </a:ext>
+            </a:extLst>
+          </p:cNvPr>
+          <p:cNvSpPr txBox="1"/>
+          <p:nvPr/>
+        </p:nvSpPr>
+        <p:spPr>
+          <a:xfrm>
+            <a:off x="6862813" y="1352144"/>
+            <a:ext cx="4928134" cy="1200329"/>
+          </a:xfrm>
+          <a:prstGeom prst="rect">
+            <a:avLst/>
+          </a:prstGeom>
+          <a:noFill/>
+          <a:ln>
+            <a:solidFill>
+              <a:schemeClr val="tx1"/>
+            </a:solidFill>
+          </a:ln>
+        </p:spPr>
+        <p:txBody>
+          <a:bodyPr wrap="square" rtlCol="0">
+            <a:spAutoFit/>
+          </a:bodyPr>
+          <a:lstStyle/>
+          <a:p>
+            <a:r>
+              <a:rPr lang="en-US" dirty="0"/>
+              <a:t>Both offense and defense athletes are trending down from a total crimes committed</a:t>
+            </a:r>
+          </a:p>
+          <a:p>
+            <a:endParaRPr lang="en-US" dirty="0"/>
+          </a:p>
+          <a:p>
+            <a:r>
+              <a:rPr lang="en-US" dirty="0"/>
+              <a:t> </a:t>
+            </a:r>
+          </a:p>
+        </p:txBody>
+      </p:sp>
+      <p:pic>
+        <p:nvPicPr>
+          <p:cNvPr id="8" name="Picture 7">
+            <a:extLst>
+              <a:ext uri="{FF2B5EF4-FFF2-40B4-BE49-F238E27FC236}">
+                <a16:creationId xmlns:a16="http://schemas.microsoft.com/office/drawing/2014/main" id="{DDA2391C-B9E9-413E-B50B-4D30D5FC49AD}"/>
+              </a:ext>
+            </a:extLst>
+          </p:cNvPr>
+          <p:cNvPicPr>
+            <a:picLocks noChangeAspect="1"/>
+          </p:cNvPicPr>
+          <p:nvPr/>
+        </p:nvPicPr>
+        <p:blipFill>
+          <a:blip r:embed="rId3"/>
+          <a:stretch>
+            <a:fillRect/>
+          </a:stretch>
+        </p:blipFill>
+        <p:spPr>
+          <a:xfrm>
+            <a:off x="838200" y="4030750"/>
+            <a:ext cx="5447097" cy="2742857"/>
+          </a:xfrm>
+          <a:prstGeom prst="rect">
+            <a:avLst/>
+          </a:prstGeom>
+          <a:ln>
+            <a:solidFill>
+              <a:schemeClr val="tx1"/>
+            </a:solidFill>
+          </a:ln>
+        </p:spPr>
+      </p:pic>
+    </p:spTree>
+    <p:extLst>
+      <p:ext uri="{BB962C8B-B14F-4D97-AF65-F5344CB8AC3E}">
+        <p14:creationId xmlns:p14="http://schemas.microsoft.com/office/powerpoint/2010/main" val="1937582852"/>
+      </p:ext>
+    </p:extLst>
+  </p:cSld>
+  <p:clrMapOvr>
+    <a:masterClrMapping/>
+  </p:clrMapOvr>
+</p:sld>
+</file>
+
+<file path=ppt/slides/slide4.xml><?xml version="1.0" encoding="utf-8"?>
+<p:sld xmlns:a="http://schemas.openxmlformats.org/drawingml/2006/main" xmlns:r="http://schemas.openxmlformats.org/officeDocument/2006/relationships" xmlns:p="http://schemas.openxmlformats.org/presentationml/2006/main">
+  <p:cSld>
+    <p:spTree>
+      <p:nvGrpSpPr>
+        <p:cNvPr id="1" name=""/>
+        <p:cNvGrpSpPr/>
+        <p:nvPr/>
+      </p:nvGrpSpPr>
+      <p:grpSpPr>
+        <a:xfrm>
+          <a:off x="0" y="0"/>
+          <a:ext cx="0" cy="0"/>
+          <a:chOff x="0" y="0"/>
+          <a:chExt cx="0" cy="0"/>
+        </a:xfrm>
+      </p:grpSpPr>
+      <p:sp>
+        <p:nvSpPr>
+          <p:cNvPr id="2" name="Title 1">
+            <a:extLst>
+              <a:ext uri="{FF2B5EF4-FFF2-40B4-BE49-F238E27FC236}">
+                <a16:creationId xmlns:a16="http://schemas.microsoft.com/office/drawing/2014/main" id="{F8CCFD6C-1C4D-4FFD-BA4D-390E5F0E2313}"/>
+              </a:ext>
+            </a:extLst>
+          </p:cNvPr>
+          <p:cNvSpPr>
+            <a:spLocks noGrp="1"/>
+          </p:cNvSpPr>
+          <p:nvPr>
+            <p:ph type="title"/>
+          </p:nvPr>
+        </p:nvSpPr>
+        <p:spPr/>
+        <p:txBody>
+          <a:bodyPr/>
+          <a:lstStyle/>
+          <a:p>
+            <a:r>
+              <a:rPr lang="en-US" dirty="0"/>
+              <a:t>Pie Chart Crime by Offense or Defense</a:t>
+            </a:r>
+          </a:p>
+        </p:txBody>
+      </p:sp>
+      <p:pic>
+        <p:nvPicPr>
+          <p:cNvPr id="5" name="Picture 4">
+            <a:extLst>
+              <a:ext uri="{FF2B5EF4-FFF2-40B4-BE49-F238E27FC236}">
+                <a16:creationId xmlns:a16="http://schemas.microsoft.com/office/drawing/2014/main" id="{F82C2CB9-174C-4D93-8830-15335AB15D62}"/>
+              </a:ext>
+            </a:extLst>
+          </p:cNvPr>
+          <p:cNvPicPr>
+            <a:picLocks noChangeAspect="1"/>
+          </p:cNvPicPr>
+          <p:nvPr/>
+        </p:nvPicPr>
+        <p:blipFill>
+          <a:blip r:embed="rId2"/>
+          <a:stretch>
+            <a:fillRect/>
+          </a:stretch>
+        </p:blipFill>
+        <p:spPr>
+          <a:xfrm>
+            <a:off x="838200" y="1294599"/>
+            <a:ext cx="5609938" cy="2517006"/>
+          </a:xfrm>
+          <a:prstGeom prst="rect">
+            <a:avLst/>
+          </a:prstGeom>
+          <a:ln>
+            <a:solidFill>
+              <a:schemeClr val="tx1"/>
+            </a:solidFill>
+          </a:ln>
+        </p:spPr>
+      </p:pic>
+      <p:pic>
+        <p:nvPicPr>
+          <p:cNvPr id="6" name="Picture 5">
+            <a:extLst>
+              <a:ext uri="{FF2B5EF4-FFF2-40B4-BE49-F238E27FC236}">
+                <a16:creationId xmlns:a16="http://schemas.microsoft.com/office/drawing/2014/main" id="{2FBF5823-68D7-4F59-A03A-599ADE84CABD}"/>
+              </a:ext>
+            </a:extLst>
+          </p:cNvPr>
+          <p:cNvPicPr>
+            <a:picLocks noChangeAspect="1"/>
+          </p:cNvPicPr>
+          <p:nvPr/>
+        </p:nvPicPr>
+        <p:blipFill rotWithShape="1">
+          <a:blip r:embed="rId3"/>
+          <a:srcRect l="1398" t="2718" r="1880" b="3528"/>
+          <a:stretch/>
+        </p:blipFill>
+        <p:spPr>
+          <a:xfrm>
+            <a:off x="838200" y="4069980"/>
+            <a:ext cx="4100364" cy="2597656"/>
+          </a:xfrm>
+          <a:prstGeom prst="rect">
+            <a:avLst/>
+          </a:prstGeom>
+          <a:ln>
+            <a:solidFill>
+              <a:schemeClr val="tx1"/>
+            </a:solidFill>
+          </a:ln>
+        </p:spPr>
+      </p:pic>
+      <p:pic>
+        <p:nvPicPr>
+          <p:cNvPr id="7" name="Picture 6">
+            <a:extLst>
+              <a:ext uri="{FF2B5EF4-FFF2-40B4-BE49-F238E27FC236}">
+                <a16:creationId xmlns:a16="http://schemas.microsoft.com/office/drawing/2014/main" id="{80AACED5-878A-4863-BFE9-CE8FC921994D}"/>
+              </a:ext>
+            </a:extLst>
+          </p:cNvPr>
+          <p:cNvPicPr>
+            <a:picLocks noChangeAspect="1"/>
+          </p:cNvPicPr>
+          <p:nvPr/>
+        </p:nvPicPr>
+        <p:blipFill>
+          <a:blip r:embed="rId4"/>
+          <a:stretch>
+            <a:fillRect/>
+          </a:stretch>
+        </p:blipFill>
+        <p:spPr>
+          <a:xfrm>
+            <a:off x="6096000" y="4069980"/>
+            <a:ext cx="4100362" cy="2678246"/>
+          </a:xfrm>
+          <a:prstGeom prst="rect">
+            <a:avLst/>
+          </a:prstGeom>
+          <a:ln>
+            <a:solidFill>
+              <a:schemeClr val="tx1"/>
+            </a:solidFill>
+          </a:ln>
+        </p:spPr>
+      </p:pic>
+      <p:sp>
+        <p:nvSpPr>
+          <p:cNvPr id="8" name="TextBox 7">
+            <a:extLst>
+              <a:ext uri="{FF2B5EF4-FFF2-40B4-BE49-F238E27FC236}">
+                <a16:creationId xmlns:a16="http://schemas.microsoft.com/office/drawing/2014/main" id="{8713628E-DEDA-4BA8-80BD-767D9FC4B3D1}"/>
+              </a:ext>
+            </a:extLst>
+          </p:cNvPr>
+          <p:cNvSpPr txBox="1"/>
+          <p:nvPr/>
+        </p:nvSpPr>
+        <p:spPr>
+          <a:xfrm>
+            <a:off x="6939815" y="1294599"/>
+            <a:ext cx="4957010" cy="2585323"/>
+          </a:xfrm>
+          <a:prstGeom prst="rect">
+            <a:avLst/>
+          </a:prstGeom>
+          <a:noFill/>
+          <a:ln w="12700">
+            <a:solidFill>
+              <a:schemeClr val="tx1"/>
+            </a:solidFill>
+          </a:ln>
+        </p:spPr>
+        <p:txBody>
+          <a:bodyPr wrap="square" rtlCol="0">
+            <a:spAutoFit/>
+          </a:bodyPr>
+          <a:lstStyle/>
+          <a:p>
+            <a:r>
+              <a:rPr lang="en-US" dirty="0"/>
+              <a:t>What do we learn about this?</a:t>
+            </a:r>
+          </a:p>
+          <a:p>
+            <a:endParaRPr lang="en-US" dirty="0"/>
+          </a:p>
+          <a:p>
+            <a:r>
+              <a:rPr lang="en-US" dirty="0"/>
+              <a:t>Defensive players have a greater % of crimes committed. </a:t>
+            </a:r>
+          </a:p>
+          <a:p>
+            <a:endParaRPr lang="en-US" dirty="0"/>
+          </a:p>
+          <a:p>
+            <a:r>
+              <a:rPr lang="en-US" dirty="0"/>
+              <a:t>What kind of Crimes are they committing?</a:t>
+            </a:r>
+          </a:p>
+          <a:p>
+            <a:endParaRPr lang="en-US" dirty="0"/>
+          </a:p>
+          <a:p>
+            <a:endParaRPr lang="en-US" dirty="0"/>
+          </a:p>
+          <a:p>
+            <a:endParaRPr lang="en-US" dirty="0"/>
+          </a:p>
+        </p:txBody>
+      </p:sp>
+    </p:spTree>
+    <p:extLst>
+      <p:ext uri="{BB962C8B-B14F-4D97-AF65-F5344CB8AC3E}">
+        <p14:creationId xmlns:p14="http://schemas.microsoft.com/office/powerpoint/2010/main" val="2678138440"/>
+      </p:ext>
+    </p:extLst>
+  </p:cSld>
+  <p:clrMapOvr>
+    <a:masterClrMapping/>
+  </p:clrMapOvr>
+</p:sld>
+</file>
+
+<file path=ppt/slides/slide5.xml><?xml version="1.0" encoding="utf-8"?>
+<p:sld xmlns:a="http://schemas.openxmlformats.org/drawingml/2006/main" xmlns:r="http://schemas.openxmlformats.org/officeDocument/2006/relationships" xmlns:p="http://schemas.openxmlformats.org/presentationml/2006/main">
+  <p:cSld>
+    <p:spTree>
+      <p:nvGrpSpPr>
+        <p:cNvPr id="1" name=""/>
+        <p:cNvGrpSpPr/>
+        <p:nvPr/>
+      </p:nvGrpSpPr>
+      <p:grpSpPr>
+        <a:xfrm>
+          <a:off x="0" y="0"/>
+          <a:ext cx="0" cy="0"/>
+          <a:chOff x="0" y="0"/>
+          <a:chExt cx="0" cy="0"/>
+        </a:xfrm>
+      </p:grpSpPr>
+      <p:sp>
+        <p:nvSpPr>
+          <p:cNvPr id="2" name="Title 1">
+            <a:extLst>
+              <a:ext uri="{FF2B5EF4-FFF2-40B4-BE49-F238E27FC236}">
                 <a16:creationId xmlns:a16="http://schemas.microsoft.com/office/drawing/2014/main" id="{22CA8328-6E6E-4B58-9BD2-B4E4D3777C0D}"/>
               </a:ext>
             </a:extLst>
@@ -4597,8 +4632,8 @@
         </p:nvSpPr>
         <p:spPr>
           <a:xfrm>
-            <a:off x="4264001" y="1075621"/>
-            <a:ext cx="7822069" cy="3583006"/>
+            <a:off x="4406766" y="1075621"/>
+            <a:ext cx="3378468" cy="5417252"/>
           </a:xfrm>
           <a:prstGeom prst="rect">
             <a:avLst/>
@@ -4804,8 +4839,8 @@
         </p:nvSpPr>
         <p:spPr>
           <a:xfrm>
-            <a:off x="4264052" y="5313145"/>
-            <a:ext cx="7822069" cy="1179728"/>
+            <a:off x="8707653" y="1075621"/>
+            <a:ext cx="3378468" cy="5417252"/>
           </a:xfrm>
           <a:prstGeom prst="rect">
             <a:avLst/>
@@ -5053,9 +5088,9 @@
           <p:nvPr/>
         </p:nvCxnSpPr>
         <p:spPr>
-          <a:xfrm flipH="1">
-            <a:off x="6381549" y="4985887"/>
-            <a:ext cx="3723373" cy="0"/>
+          <a:xfrm>
+            <a:off x="8247247" y="889134"/>
+            <a:ext cx="0" cy="5790225"/>
           </a:xfrm>
           <a:prstGeom prst="line">
             <a:avLst/>
@@ -5084,7 +5119,7 @@
     </p:spTree>
     <p:extLst>
       <p:ext uri="{BB962C8B-B14F-4D97-AF65-F5344CB8AC3E}">
-        <p14:creationId xmlns:p14="http://schemas.microsoft.com/office/powerpoint/2010/main" val="4000437216"/>
+        <p14:creationId xmlns:p14="http://schemas.microsoft.com/office/powerpoint/2010/main" val="3263429715"/>
       </p:ext>
     </p:extLst>
   </p:cSld>

--- a/CHADS_CODING/CRIME + NFL.pptx
+++ b/CHADS_CODING/CRIME + NFL.pptx
@@ -3917,18 +3917,27 @@
             </a:r>
           </a:p>
           <a:p>
+            <a:pPr marL="0" indent="0" algn="ctr">
+              <a:buNone/>
+            </a:pPr>
             <a:r>
               <a:rPr lang="en-US" sz="1400" dirty="0"/>
               <a:t>THE EAST COAST HAS THE MAJORITY OF THE CRIMES</a:t>
             </a:r>
           </a:p>
           <a:p>
+            <a:pPr marL="0" indent="0" algn="ctr">
+              <a:buNone/>
+            </a:pPr>
             <a:r>
               <a:rPr lang="en-US" sz="1400" dirty="0"/>
               <a:t>MINNISOTA VIKINGS HAD THE MOST CRIMES OF ANY TEAM</a:t>
             </a:r>
           </a:p>
           <a:p>
+            <a:pPr marL="0" indent="0" algn="ctr">
+              <a:buNone/>
+            </a:pPr>
             <a:r>
               <a:rPr lang="en-US" sz="1400" dirty="0"/>
               <a:t>HOUSTON TEXANS HAD THE FEWEST CRIMES OF ANY TEAM</a:t>

--- a/CHADS_CODING/CRIME + NFL.pptx
+++ b/CHADS_CODING/CRIME + NFL.pptx
@@ -6,10 +6,15 @@
   </p:sldMasterIdLst>
   <p:sldIdLst>
     <p:sldId id="256" r:id="rId2"/>
-    <p:sldId id="262" r:id="rId3"/>
-    <p:sldId id="259" r:id="rId4"/>
-    <p:sldId id="261" r:id="rId5"/>
-    <p:sldId id="258" r:id="rId6"/>
+    <p:sldId id="263" r:id="rId3"/>
+    <p:sldId id="264" r:id="rId4"/>
+    <p:sldId id="262" r:id="rId5"/>
+    <p:sldId id="267" r:id="rId6"/>
+    <p:sldId id="266" r:id="rId7"/>
+    <p:sldId id="268" r:id="rId8"/>
+    <p:sldId id="269" r:id="rId9"/>
+    <p:sldId id="258" r:id="rId10"/>
+    <p:sldId id="265" r:id="rId11"/>
   </p:sldIdLst>
   <p:sldSz cx="12192000" cy="6858000"/>
   <p:notesSz cx="6858000" cy="9144000"/>
@@ -3405,7 +3410,404 @@
 </p:sld>
 </file>
 
+<file path=ppt/slides/slide10.xml><?xml version="1.0" encoding="utf-8"?>
+<p:sld xmlns:a="http://schemas.openxmlformats.org/drawingml/2006/main" xmlns:r="http://schemas.openxmlformats.org/officeDocument/2006/relationships" xmlns:p="http://schemas.openxmlformats.org/presentationml/2006/main">
+  <p:cSld>
+    <p:spTree>
+      <p:nvGrpSpPr>
+        <p:cNvPr id="1" name=""/>
+        <p:cNvGrpSpPr/>
+        <p:nvPr/>
+      </p:nvGrpSpPr>
+      <p:grpSpPr>
+        <a:xfrm>
+          <a:off x="0" y="0"/>
+          <a:ext cx="0" cy="0"/>
+          <a:chOff x="0" y="0"/>
+          <a:chExt cx="0" cy="0"/>
+        </a:xfrm>
+      </p:grpSpPr>
+      <p:sp>
+        <p:nvSpPr>
+          <p:cNvPr id="2" name="Title 1">
+            <a:extLst>
+              <a:ext uri="{FF2B5EF4-FFF2-40B4-BE49-F238E27FC236}">
+                <a16:creationId xmlns:a16="http://schemas.microsoft.com/office/drawing/2014/main" id="{FFD92CA7-D007-4D0C-BF5E-002C792323E8}"/>
+              </a:ext>
+            </a:extLst>
+          </p:cNvPr>
+          <p:cNvSpPr>
+            <a:spLocks noGrp="1"/>
+          </p:cNvSpPr>
+          <p:nvPr>
+            <p:ph type="title"/>
+          </p:nvPr>
+        </p:nvSpPr>
+        <p:spPr>
+          <a:ln>
+            <a:solidFill>
+              <a:schemeClr val="tx1"/>
+            </a:solidFill>
+          </a:ln>
+        </p:spPr>
+        <p:txBody>
+          <a:bodyPr/>
+          <a:lstStyle/>
+          <a:p>
+            <a:pPr algn="ctr"/>
+            <a:r>
+              <a:rPr lang="en-US" dirty="0"/>
+              <a:t>ISSUES &amp; PAIN POINTS</a:t>
+            </a:r>
+          </a:p>
+        </p:txBody>
+      </p:sp>
+      <p:sp>
+        <p:nvSpPr>
+          <p:cNvPr id="3" name="Content Placeholder 2">
+            <a:extLst>
+              <a:ext uri="{FF2B5EF4-FFF2-40B4-BE49-F238E27FC236}">
+                <a16:creationId xmlns:a16="http://schemas.microsoft.com/office/drawing/2014/main" id="{DD313C37-FFD9-4A12-BF53-1354FFE0A297}"/>
+              </a:ext>
+            </a:extLst>
+          </p:cNvPr>
+          <p:cNvSpPr>
+            <a:spLocks noGrp="1"/>
+          </p:cNvSpPr>
+          <p:nvPr>
+            <p:ph idx="1"/>
+          </p:nvPr>
+        </p:nvSpPr>
+        <p:spPr>
+          <a:ln>
+            <a:solidFill>
+              <a:schemeClr val="tx1"/>
+            </a:solidFill>
+          </a:ln>
+        </p:spPr>
+        <p:txBody>
+          <a:bodyPr/>
+          <a:lstStyle/>
+          <a:p>
+            <a:pPr marL="0" indent="0" algn="ctr">
+              <a:buNone/>
+            </a:pPr>
+            <a:endParaRPr lang="en-US" dirty="0"/>
+          </a:p>
+          <a:p>
+            <a:pPr marL="0" indent="0" algn="ctr">
+              <a:buNone/>
+            </a:pPr>
+            <a:r>
+              <a:rPr lang="en-US" dirty="0"/>
+              <a:t>CONTEXT WITH LANGUAGE IN THE DATA</a:t>
+            </a:r>
+          </a:p>
+          <a:p>
+            <a:pPr marL="0" indent="0" algn="ctr">
+              <a:buNone/>
+            </a:pPr>
+            <a:r>
+              <a:rPr lang="en-US" dirty="0"/>
+              <a:t>COMBING DATA FRAMES &amp; MERGING ADDITIONAL DATA</a:t>
+            </a:r>
+          </a:p>
+          <a:p>
+            <a:pPr marL="0" indent="0" algn="ctr">
+              <a:buNone/>
+            </a:pPr>
+            <a:r>
+              <a:rPr lang="en-US" dirty="0"/>
+              <a:t>DATA MUNGING</a:t>
+            </a:r>
+          </a:p>
+          <a:p>
+            <a:pPr marL="0" indent="0" algn="ctr">
+              <a:buNone/>
+            </a:pPr>
+            <a:r>
+              <a:rPr lang="en-US" dirty="0"/>
+              <a:t>SIMPLY CRIME TYPES CATEGORIES</a:t>
+            </a:r>
+          </a:p>
+          <a:p>
+            <a:pPr marL="0" indent="0" algn="ctr">
+              <a:buNone/>
+            </a:pPr>
+            <a:r>
+              <a:rPr lang="en-US" dirty="0"/>
+              <a:t>COMPARE CITY CRIME RATE vs TEAM CRIME RATE</a:t>
+            </a:r>
+          </a:p>
+          <a:p>
+            <a:endParaRPr lang="en-US" dirty="0"/>
+          </a:p>
+        </p:txBody>
+      </p:sp>
+    </p:spTree>
+    <p:extLst>
+      <p:ext uri="{BB962C8B-B14F-4D97-AF65-F5344CB8AC3E}">
+        <p14:creationId xmlns:p14="http://schemas.microsoft.com/office/powerpoint/2010/main" val="3941529735"/>
+      </p:ext>
+    </p:extLst>
+  </p:cSld>
+  <p:clrMapOvr>
+    <a:masterClrMapping/>
+  </p:clrMapOvr>
+</p:sld>
+</file>
+
 <file path=ppt/slides/slide2.xml><?xml version="1.0" encoding="utf-8"?>
+<p:sld xmlns:a="http://schemas.openxmlformats.org/drawingml/2006/main" xmlns:r="http://schemas.openxmlformats.org/officeDocument/2006/relationships" xmlns:p="http://schemas.openxmlformats.org/presentationml/2006/main">
+  <p:cSld>
+    <p:spTree>
+      <p:nvGrpSpPr>
+        <p:cNvPr id="1" name=""/>
+        <p:cNvGrpSpPr/>
+        <p:nvPr/>
+      </p:nvGrpSpPr>
+      <p:grpSpPr>
+        <a:xfrm>
+          <a:off x="0" y="0"/>
+          <a:ext cx="0" cy="0"/>
+          <a:chOff x="0" y="0"/>
+          <a:chExt cx="0" cy="0"/>
+        </a:xfrm>
+      </p:grpSpPr>
+      <p:sp>
+        <p:nvSpPr>
+          <p:cNvPr id="2" name="Title 1">
+            <a:extLst>
+              <a:ext uri="{FF2B5EF4-FFF2-40B4-BE49-F238E27FC236}">
+                <a16:creationId xmlns:a16="http://schemas.microsoft.com/office/drawing/2014/main" id="{675E8705-41A2-401C-B62B-4FCC8E8DFB97}"/>
+              </a:ext>
+            </a:extLst>
+          </p:cNvPr>
+          <p:cNvSpPr>
+            <a:spLocks noGrp="1"/>
+          </p:cNvSpPr>
+          <p:nvPr>
+            <p:ph type="title"/>
+          </p:nvPr>
+        </p:nvSpPr>
+        <p:spPr/>
+        <p:txBody>
+          <a:bodyPr/>
+          <a:lstStyle/>
+          <a:p>
+            <a:r>
+              <a:rPr lang="en-US" dirty="0"/>
+              <a:t>MOTIVATION &amp; SUMMARY SLIDE</a:t>
+            </a:r>
+          </a:p>
+        </p:txBody>
+      </p:sp>
+      <p:sp>
+        <p:nvSpPr>
+          <p:cNvPr id="3" name="Content Placeholder 2">
+            <a:extLst>
+              <a:ext uri="{FF2B5EF4-FFF2-40B4-BE49-F238E27FC236}">
+                <a16:creationId xmlns:a16="http://schemas.microsoft.com/office/drawing/2014/main" id="{0FCA1862-AE79-4489-A967-86138F0939EF}"/>
+              </a:ext>
+            </a:extLst>
+          </p:cNvPr>
+          <p:cNvSpPr>
+            <a:spLocks noGrp="1"/>
+          </p:cNvSpPr>
+          <p:nvPr>
+            <p:ph idx="1"/>
+          </p:nvPr>
+        </p:nvSpPr>
+        <p:spPr/>
+        <p:txBody>
+          <a:bodyPr>
+            <a:normAutofit fontScale="92500" lnSpcReduction="20000"/>
+          </a:bodyPr>
+          <a:lstStyle/>
+          <a:p>
+            <a:r>
+              <a:rPr lang="en-US" cap="all" dirty="0"/>
+              <a:t>MOTIVATION: NFL PLAYOFFS have been TOP OF MIND.</a:t>
+            </a:r>
+          </a:p>
+          <a:p>
+            <a:pPr lvl="1"/>
+            <a:r>
+              <a:rPr lang="en-US" cap="all" dirty="0"/>
+              <a:t>FOUND RICH DATASET ABOUT NFL PLAYER ARRESTS OVER THE LAST 20 years and wanted to explore</a:t>
+            </a:r>
+          </a:p>
+          <a:p>
+            <a:r>
+              <a:rPr lang="en-US" cap="all" dirty="0"/>
+              <a:t>WHAT DO WE WANT TO EXPLORE</a:t>
+            </a:r>
+          </a:p>
+          <a:p>
+            <a:pPr lvl="1"/>
+            <a:r>
+              <a:rPr lang="en-US" cap="all" dirty="0"/>
+              <a:t>HAVE MORE TEAMS COMMITED MORE CRIMES THAN OTHERS?</a:t>
+            </a:r>
+          </a:p>
+          <a:p>
+            <a:pPr lvl="1"/>
+            <a:r>
+              <a:rPr lang="en-US" cap="all" dirty="0"/>
+              <a:t>WHAT POSSTIONS COMMIT CRIMES?</a:t>
+            </a:r>
+          </a:p>
+          <a:p>
+            <a:pPr lvl="1"/>
+            <a:r>
+              <a:rPr lang="en-US" cap="all" dirty="0"/>
+              <a:t>WHAT KIND OF CRIMES ARE BEING COMMITED?</a:t>
+            </a:r>
+          </a:p>
+          <a:p>
+            <a:pPr lvl="1"/>
+            <a:r>
+              <a:rPr lang="en-US" cap="all" dirty="0"/>
+              <a:t>CRIME OVER TIME?</a:t>
+            </a:r>
+          </a:p>
+          <a:p>
+            <a:pPr lvl="1"/>
+            <a:r>
+              <a:rPr lang="en-US" cap="all" dirty="0"/>
+              <a:t>WHAT IS THE CORRELATION BETWEEN TEAM PERFORMANCE AND TEAM CRIME RATE?</a:t>
+            </a:r>
+          </a:p>
+          <a:p>
+            <a:pPr marL="457200" lvl="1" indent="0">
+              <a:buNone/>
+            </a:pPr>
+            <a:r>
+              <a:rPr lang="en-US" dirty="0"/>
+              <a:t>	</a:t>
+            </a:r>
+          </a:p>
+          <a:p>
+            <a:pPr marL="457200" lvl="1" indent="0">
+              <a:buNone/>
+            </a:pPr>
+            <a:endParaRPr lang="en-US" dirty="0"/>
+          </a:p>
+          <a:p>
+            <a:pPr marL="457200" lvl="1" indent="0">
+              <a:buNone/>
+            </a:pPr>
+            <a:br>
+              <a:rPr lang="en-US" dirty="0"/>
+            </a:br>
+            <a:endParaRPr lang="en-US" dirty="0"/>
+          </a:p>
+          <a:p>
+            <a:pPr lvl="1"/>
+            <a:endParaRPr lang="en-US" dirty="0"/>
+          </a:p>
+        </p:txBody>
+      </p:sp>
+    </p:spTree>
+    <p:extLst>
+      <p:ext uri="{BB962C8B-B14F-4D97-AF65-F5344CB8AC3E}">
+        <p14:creationId xmlns:p14="http://schemas.microsoft.com/office/powerpoint/2010/main" val="4064663217"/>
+      </p:ext>
+    </p:extLst>
+  </p:cSld>
+  <p:clrMapOvr>
+    <a:masterClrMapping/>
+  </p:clrMapOvr>
+</p:sld>
+</file>
+
+<file path=ppt/slides/slide3.xml><?xml version="1.0" encoding="utf-8"?>
+<p:sld xmlns:a="http://schemas.openxmlformats.org/drawingml/2006/main" xmlns:r="http://schemas.openxmlformats.org/officeDocument/2006/relationships" xmlns:p="http://schemas.openxmlformats.org/presentationml/2006/main">
+  <p:cSld>
+    <p:spTree>
+      <p:nvGrpSpPr>
+        <p:cNvPr id="1" name=""/>
+        <p:cNvGrpSpPr/>
+        <p:nvPr/>
+      </p:nvGrpSpPr>
+      <p:grpSpPr>
+        <a:xfrm>
+          <a:off x="0" y="0"/>
+          <a:ext cx="0" cy="0"/>
+          <a:chOff x="0" y="0"/>
+          <a:chExt cx="0" cy="0"/>
+        </a:xfrm>
+      </p:grpSpPr>
+      <p:sp>
+        <p:nvSpPr>
+          <p:cNvPr id="2" name="Title 1">
+            <a:extLst>
+              <a:ext uri="{FF2B5EF4-FFF2-40B4-BE49-F238E27FC236}">
+                <a16:creationId xmlns:a16="http://schemas.microsoft.com/office/drawing/2014/main" id="{ACE9CD56-BAF7-408C-B324-B7E1E1FAA2C9}"/>
+              </a:ext>
+            </a:extLst>
+          </p:cNvPr>
+          <p:cNvSpPr>
+            <a:spLocks noGrp="1"/>
+          </p:cNvSpPr>
+          <p:nvPr>
+            <p:ph type="title"/>
+          </p:nvPr>
+        </p:nvSpPr>
+        <p:spPr/>
+        <p:txBody>
+          <a:bodyPr/>
+          <a:lstStyle/>
+          <a:p>
+            <a:r>
+              <a:rPr lang="en-US" dirty="0"/>
+              <a:t>DATA_ALEC</a:t>
+            </a:r>
+          </a:p>
+        </p:txBody>
+      </p:sp>
+      <p:sp>
+        <p:nvSpPr>
+          <p:cNvPr id="3" name="Content Placeholder 2">
+            <a:extLst>
+              <a:ext uri="{FF2B5EF4-FFF2-40B4-BE49-F238E27FC236}">
+                <a16:creationId xmlns:a16="http://schemas.microsoft.com/office/drawing/2014/main" id="{F4C35593-2C35-465C-A7E8-851FAEF2094A}"/>
+              </a:ext>
+            </a:extLst>
+          </p:cNvPr>
+          <p:cNvSpPr>
+            <a:spLocks noGrp="1"/>
+          </p:cNvSpPr>
+          <p:nvPr>
+            <p:ph idx="1"/>
+          </p:nvPr>
+        </p:nvSpPr>
+        <p:spPr/>
+        <p:txBody>
+          <a:bodyPr/>
+          <a:lstStyle/>
+          <a:p>
+            <a:r>
+              <a:rPr lang="en-US" dirty="0"/>
+              <a:t>CLEANUP</a:t>
+            </a:r>
+          </a:p>
+        </p:txBody>
+      </p:sp>
+    </p:spTree>
+    <p:extLst>
+      <p:ext uri="{BB962C8B-B14F-4D97-AF65-F5344CB8AC3E}">
+        <p14:creationId xmlns:p14="http://schemas.microsoft.com/office/powerpoint/2010/main" val="829439772"/>
+      </p:ext>
+    </p:extLst>
+  </p:cSld>
+  <p:clrMapOvr>
+    <a:masterClrMapping/>
+  </p:clrMapOvr>
+</p:sld>
+</file>
+
+<file path=ppt/slides/slide4.xml><?xml version="1.0" encoding="utf-8"?>
 <p:sld xmlns:a="http://schemas.openxmlformats.org/drawingml/2006/main" xmlns:r="http://schemas.openxmlformats.org/officeDocument/2006/relationships" xmlns:p="http://schemas.openxmlformats.org/presentationml/2006/main">
   <p:cSld>
     <p:spTree>
@@ -4120,7 +4522,7 @@
 </p:sld>
 </file>
 
-<file path=ppt/slides/slide3.xml><?xml version="1.0" encoding="utf-8"?>
+<file path=ppt/slides/slide5.xml><?xml version="1.0" encoding="utf-8"?>
 <p:sld xmlns:a="http://schemas.openxmlformats.org/drawingml/2006/main" xmlns:r="http://schemas.openxmlformats.org/officeDocument/2006/relationships" xmlns:p="http://schemas.openxmlformats.org/presentationml/2006/main">
   <p:cSld>
     <p:spTree>
@@ -4142,7 +4544,7 @@
           <p:cNvPr id="2" name="Title 1">
             <a:extLst>
               <a:ext uri="{FF2B5EF4-FFF2-40B4-BE49-F238E27FC236}">
-                <a16:creationId xmlns:a16="http://schemas.microsoft.com/office/drawing/2014/main" id="{D74AEC38-734B-42CF-ACF7-CBF87E4A900E}"/>
+                <a16:creationId xmlns:a16="http://schemas.microsoft.com/office/drawing/2014/main" id="{968A8351-CEEE-4735-9778-691F5FC938A3}"/>
               </a:ext>
             </a:extLst>
           </p:cNvPr>
@@ -4160,134 +4562,40 @@
           <a:p>
             <a:r>
               <a:rPr lang="en-US" dirty="0"/>
-              <a:t>Line Graph of Total Crimes Per Year</a:t>
-            </a:r>
-          </a:p>
-        </p:txBody>
-      </p:sp>
-      <p:pic>
-        <p:nvPicPr>
-          <p:cNvPr id="5" name="Picture 4">
-            <a:extLst>
-              <a:ext uri="{FF2B5EF4-FFF2-40B4-BE49-F238E27FC236}">
-                <a16:creationId xmlns:a16="http://schemas.microsoft.com/office/drawing/2014/main" id="{1D1F6A4D-2361-4AA6-AAEE-6FA9566942A5}"/>
-              </a:ext>
-            </a:extLst>
-          </p:cNvPr>
-          <p:cNvPicPr>
-            <a:picLocks noChangeAspect="1"/>
-          </p:cNvPicPr>
-          <p:nvPr/>
-        </p:nvPicPr>
-        <p:blipFill>
-          <a:blip r:embed="rId2"/>
-          <a:stretch>
-            <a:fillRect/>
-          </a:stretch>
-        </p:blipFill>
-        <p:spPr>
-          <a:xfrm>
-            <a:off x="838200" y="1352145"/>
-            <a:ext cx="5447097" cy="2565338"/>
-          </a:xfrm>
-          <a:prstGeom prst="rect">
-            <a:avLst/>
-          </a:prstGeom>
-          <a:ln>
-            <a:solidFill>
-              <a:schemeClr val="tx1"/>
-            </a:solidFill>
-          </a:ln>
-        </p:spPr>
-      </p:pic>
-      <p:sp>
-        <p:nvSpPr>
-          <p:cNvPr id="6" name="TextBox 5">
-            <a:extLst>
-              <a:ext uri="{FF2B5EF4-FFF2-40B4-BE49-F238E27FC236}">
-                <a16:creationId xmlns:a16="http://schemas.microsoft.com/office/drawing/2014/main" id="{0F04ACAD-C174-4953-957E-CC1CDC31B2CD}"/>
-              </a:ext>
-            </a:extLst>
-          </p:cNvPr>
-          <p:cNvSpPr txBox="1"/>
-          <p:nvPr/>
-        </p:nvSpPr>
-        <p:spPr>
-          <a:xfrm>
-            <a:off x="6862813" y="1352144"/>
-            <a:ext cx="4928134" cy="1200329"/>
-          </a:xfrm>
-          <a:prstGeom prst="rect">
-            <a:avLst/>
-          </a:prstGeom>
-          <a:noFill/>
-          <a:ln>
-            <a:solidFill>
-              <a:schemeClr val="tx1"/>
-            </a:solidFill>
-          </a:ln>
-        </p:spPr>
-        <p:txBody>
-          <a:bodyPr wrap="square" rtlCol="0">
-            <a:spAutoFit/>
-          </a:bodyPr>
-          <a:lstStyle/>
-          <a:p>
-            <a:r>
-              <a:rPr lang="en-US" dirty="0"/>
-              <a:t>Both offense and defense athletes are trending down from a total crimes committed</a:t>
-            </a:r>
-          </a:p>
-          <a:p>
-            <a:endParaRPr lang="en-US" dirty="0"/>
-          </a:p>
-          <a:p>
-            <a:r>
-              <a:rPr lang="en-US" dirty="0"/>
-              <a:t> </a:t>
-            </a:r>
-          </a:p>
-        </p:txBody>
-      </p:sp>
-      <p:pic>
-        <p:nvPicPr>
-          <p:cNvPr id="8" name="Picture 7">
-            <a:extLst>
-              <a:ext uri="{FF2B5EF4-FFF2-40B4-BE49-F238E27FC236}">
-                <a16:creationId xmlns:a16="http://schemas.microsoft.com/office/drawing/2014/main" id="{DDA2391C-B9E9-413E-B50B-4D30D5FC49AD}"/>
-              </a:ext>
-            </a:extLst>
-          </p:cNvPr>
-          <p:cNvPicPr>
-            <a:picLocks noChangeAspect="1"/>
-          </p:cNvPicPr>
-          <p:nvPr/>
-        </p:nvPicPr>
-        <p:blipFill>
-          <a:blip r:embed="rId3"/>
-          <a:stretch>
-            <a:fillRect/>
-          </a:stretch>
-        </p:blipFill>
-        <p:spPr>
-          <a:xfrm>
-            <a:off x="838200" y="4030750"/>
-            <a:ext cx="5447097" cy="2742857"/>
-          </a:xfrm>
-          <a:prstGeom prst="rect">
-            <a:avLst/>
-          </a:prstGeom>
-          <a:ln>
-            <a:solidFill>
-              <a:schemeClr val="tx1"/>
-            </a:solidFill>
-          </a:ln>
-        </p:spPr>
-      </p:pic>
+              <a:t>CRIME COUNTS_KARL</a:t>
+            </a:r>
+          </a:p>
+        </p:txBody>
+      </p:sp>
+      <p:sp>
+        <p:nvSpPr>
+          <p:cNvPr id="3" name="Content Placeholder 2">
+            <a:extLst>
+              <a:ext uri="{FF2B5EF4-FFF2-40B4-BE49-F238E27FC236}">
+                <a16:creationId xmlns:a16="http://schemas.microsoft.com/office/drawing/2014/main" id="{60F7CB68-4262-4F5F-8925-694DFB70FA47}"/>
+              </a:ext>
+            </a:extLst>
+          </p:cNvPr>
+          <p:cNvSpPr>
+            <a:spLocks noGrp="1"/>
+          </p:cNvSpPr>
+          <p:nvPr>
+            <p:ph idx="1"/>
+          </p:nvPr>
+        </p:nvSpPr>
+        <p:spPr/>
+        <p:txBody>
+          <a:bodyPr/>
+          <a:lstStyle/>
+          <a:p>
+            <a:endParaRPr lang="en-US"/>
+          </a:p>
+        </p:txBody>
+      </p:sp>
     </p:spTree>
     <p:extLst>
       <p:ext uri="{BB962C8B-B14F-4D97-AF65-F5344CB8AC3E}">
-        <p14:creationId xmlns:p14="http://schemas.microsoft.com/office/powerpoint/2010/main" val="1937582852"/>
+        <p14:creationId xmlns:p14="http://schemas.microsoft.com/office/powerpoint/2010/main" val="335705882"/>
       </p:ext>
     </p:extLst>
   </p:cSld>
@@ -4297,7 +4605,7 @@
 </p:sld>
 </file>
 
-<file path=ppt/slides/slide4.xml><?xml version="1.0" encoding="utf-8"?>
+<file path=ppt/slides/slide6.xml><?xml version="1.0" encoding="utf-8"?>
 <p:sld xmlns:a="http://schemas.openxmlformats.org/drawingml/2006/main" xmlns:r="http://schemas.openxmlformats.org/officeDocument/2006/relationships" xmlns:p="http://schemas.openxmlformats.org/presentationml/2006/main">
   <p:cSld>
     <p:spTree>
@@ -4319,7 +4627,7 @@
           <p:cNvPr id="2" name="Title 1">
             <a:extLst>
               <a:ext uri="{FF2B5EF4-FFF2-40B4-BE49-F238E27FC236}">
-                <a16:creationId xmlns:a16="http://schemas.microsoft.com/office/drawing/2014/main" id="{F8CCFD6C-1C4D-4FFD-BA4D-390E5F0E2313}"/>
+                <a16:creationId xmlns:a16="http://schemas.microsoft.com/office/drawing/2014/main" id="{0F6D9381-FE95-4167-B022-CF2C2302DB19}"/>
               </a:ext>
             </a:extLst>
           </p:cNvPr>
@@ -4337,186 +4645,40 @@
           <a:p>
             <a:r>
               <a:rPr lang="en-US" dirty="0"/>
-              <a:t>Pie Chart Crime by Offense or Defense</a:t>
-            </a:r>
-          </a:p>
-        </p:txBody>
-      </p:sp>
-      <p:pic>
-        <p:nvPicPr>
-          <p:cNvPr id="5" name="Picture 4">
-            <a:extLst>
-              <a:ext uri="{FF2B5EF4-FFF2-40B4-BE49-F238E27FC236}">
-                <a16:creationId xmlns:a16="http://schemas.microsoft.com/office/drawing/2014/main" id="{F82C2CB9-174C-4D93-8830-15335AB15D62}"/>
-              </a:ext>
-            </a:extLst>
-          </p:cNvPr>
-          <p:cNvPicPr>
-            <a:picLocks noChangeAspect="1"/>
-          </p:cNvPicPr>
-          <p:nvPr/>
-        </p:nvPicPr>
-        <p:blipFill>
-          <a:blip r:embed="rId2"/>
-          <a:stretch>
-            <a:fillRect/>
-          </a:stretch>
-        </p:blipFill>
-        <p:spPr>
-          <a:xfrm>
-            <a:off x="838200" y="1294599"/>
-            <a:ext cx="5609938" cy="2517006"/>
-          </a:xfrm>
-          <a:prstGeom prst="rect">
-            <a:avLst/>
-          </a:prstGeom>
-          <a:ln>
-            <a:solidFill>
-              <a:schemeClr val="tx1"/>
-            </a:solidFill>
-          </a:ln>
-        </p:spPr>
-      </p:pic>
-      <p:pic>
-        <p:nvPicPr>
-          <p:cNvPr id="6" name="Picture 5">
-            <a:extLst>
-              <a:ext uri="{FF2B5EF4-FFF2-40B4-BE49-F238E27FC236}">
-                <a16:creationId xmlns:a16="http://schemas.microsoft.com/office/drawing/2014/main" id="{2FBF5823-68D7-4F59-A03A-599ADE84CABD}"/>
-              </a:ext>
-            </a:extLst>
-          </p:cNvPr>
-          <p:cNvPicPr>
-            <a:picLocks noChangeAspect="1"/>
-          </p:cNvPicPr>
-          <p:nvPr/>
-        </p:nvPicPr>
-        <p:blipFill rotWithShape="1">
-          <a:blip r:embed="rId3"/>
-          <a:srcRect l="1398" t="2718" r="1880" b="3528"/>
-          <a:stretch/>
-        </p:blipFill>
-        <p:spPr>
-          <a:xfrm>
-            <a:off x="838200" y="4069980"/>
-            <a:ext cx="4100364" cy="2597656"/>
-          </a:xfrm>
-          <a:prstGeom prst="rect">
-            <a:avLst/>
-          </a:prstGeom>
-          <a:ln>
-            <a:solidFill>
-              <a:schemeClr val="tx1"/>
-            </a:solidFill>
-          </a:ln>
-        </p:spPr>
-      </p:pic>
-      <p:pic>
-        <p:nvPicPr>
-          <p:cNvPr id="7" name="Picture 6">
-            <a:extLst>
-              <a:ext uri="{FF2B5EF4-FFF2-40B4-BE49-F238E27FC236}">
-                <a16:creationId xmlns:a16="http://schemas.microsoft.com/office/drawing/2014/main" id="{80AACED5-878A-4863-BFE9-CE8FC921994D}"/>
-              </a:ext>
-            </a:extLst>
-          </p:cNvPr>
-          <p:cNvPicPr>
-            <a:picLocks noChangeAspect="1"/>
-          </p:cNvPicPr>
-          <p:nvPr/>
-        </p:nvPicPr>
-        <p:blipFill>
-          <a:blip r:embed="rId4"/>
-          <a:stretch>
-            <a:fillRect/>
-          </a:stretch>
-        </p:blipFill>
-        <p:spPr>
-          <a:xfrm>
-            <a:off x="6096000" y="4069980"/>
-            <a:ext cx="4100362" cy="2678246"/>
-          </a:xfrm>
-          <a:prstGeom prst="rect">
-            <a:avLst/>
-          </a:prstGeom>
-          <a:ln>
-            <a:solidFill>
-              <a:schemeClr val="tx1"/>
-            </a:solidFill>
-          </a:ln>
-        </p:spPr>
-      </p:pic>
-      <p:sp>
-        <p:nvSpPr>
-          <p:cNvPr id="8" name="TextBox 7">
-            <a:extLst>
-              <a:ext uri="{FF2B5EF4-FFF2-40B4-BE49-F238E27FC236}">
-                <a16:creationId xmlns:a16="http://schemas.microsoft.com/office/drawing/2014/main" id="{8713628E-DEDA-4BA8-80BD-767D9FC4B3D1}"/>
-              </a:ext>
-            </a:extLst>
-          </p:cNvPr>
-          <p:cNvSpPr txBox="1"/>
-          <p:nvPr/>
-        </p:nvSpPr>
-        <p:spPr>
-          <a:xfrm>
-            <a:off x="6939815" y="1294599"/>
-            <a:ext cx="4957010" cy="2585323"/>
-          </a:xfrm>
-          <a:prstGeom prst="rect">
-            <a:avLst/>
-          </a:prstGeom>
-          <a:noFill/>
-          <a:ln w="12700">
-            <a:solidFill>
-              <a:schemeClr val="tx1"/>
-            </a:solidFill>
-          </a:ln>
-        </p:spPr>
-        <p:txBody>
-          <a:bodyPr wrap="square" rtlCol="0">
-            <a:spAutoFit/>
-          </a:bodyPr>
-          <a:lstStyle/>
-          <a:p>
-            <a:r>
-              <a:rPr lang="en-US" dirty="0"/>
-              <a:t>What do we learn about this?</a:t>
-            </a:r>
-          </a:p>
-          <a:p>
-            <a:endParaRPr lang="en-US" dirty="0"/>
-          </a:p>
-          <a:p>
-            <a:r>
-              <a:rPr lang="en-US" dirty="0"/>
-              <a:t>Defensive players have a greater % of crimes committed. </a:t>
-            </a:r>
-          </a:p>
-          <a:p>
-            <a:endParaRPr lang="en-US" dirty="0"/>
-          </a:p>
-          <a:p>
-            <a:r>
-              <a:rPr lang="en-US" dirty="0"/>
-              <a:t>What kind of Crimes are they committing?</a:t>
-            </a:r>
-          </a:p>
-          <a:p>
-            <a:endParaRPr lang="en-US" dirty="0"/>
-          </a:p>
-          <a:p>
-            <a:endParaRPr lang="en-US" dirty="0"/>
-          </a:p>
-          <a:p>
-            <a:endParaRPr lang="en-US" dirty="0"/>
+              <a:t>SCATTER PLOT _KARL</a:t>
+            </a:r>
+          </a:p>
+        </p:txBody>
+      </p:sp>
+      <p:sp>
+        <p:nvSpPr>
+          <p:cNvPr id="3" name="Content Placeholder 2">
+            <a:extLst>
+              <a:ext uri="{FF2B5EF4-FFF2-40B4-BE49-F238E27FC236}">
+                <a16:creationId xmlns:a16="http://schemas.microsoft.com/office/drawing/2014/main" id="{0058C12E-7848-4A57-941D-3D9377DAE335}"/>
+              </a:ext>
+            </a:extLst>
+          </p:cNvPr>
+          <p:cNvSpPr>
+            <a:spLocks noGrp="1"/>
+          </p:cNvSpPr>
+          <p:nvPr>
+            <p:ph idx="1"/>
+          </p:nvPr>
+        </p:nvSpPr>
+        <p:spPr/>
+        <p:txBody>
+          <a:bodyPr/>
+          <a:lstStyle/>
+          <a:p>
+            <a:endParaRPr lang="en-US"/>
           </a:p>
         </p:txBody>
       </p:sp>
     </p:spTree>
     <p:extLst>
       <p:ext uri="{BB962C8B-B14F-4D97-AF65-F5344CB8AC3E}">
-        <p14:creationId xmlns:p14="http://schemas.microsoft.com/office/powerpoint/2010/main" val="2678138440"/>
+        <p14:creationId xmlns:p14="http://schemas.microsoft.com/office/powerpoint/2010/main" val="2253628873"/>
       </p:ext>
     </p:extLst>
   </p:cSld>
@@ -4526,7 +4688,173 @@
 </p:sld>
 </file>
 
-<file path=ppt/slides/slide5.xml><?xml version="1.0" encoding="utf-8"?>
+<file path=ppt/slides/slide7.xml><?xml version="1.0" encoding="utf-8"?>
+<p:sld xmlns:a="http://schemas.openxmlformats.org/drawingml/2006/main" xmlns:r="http://schemas.openxmlformats.org/officeDocument/2006/relationships" xmlns:p="http://schemas.openxmlformats.org/presentationml/2006/main">
+  <p:cSld>
+    <p:spTree>
+      <p:nvGrpSpPr>
+        <p:cNvPr id="1" name=""/>
+        <p:cNvGrpSpPr/>
+        <p:nvPr/>
+      </p:nvGrpSpPr>
+      <p:grpSpPr>
+        <a:xfrm>
+          <a:off x="0" y="0"/>
+          <a:ext cx="0" cy="0"/>
+          <a:chOff x="0" y="0"/>
+          <a:chExt cx="0" cy="0"/>
+        </a:xfrm>
+      </p:grpSpPr>
+      <p:sp>
+        <p:nvSpPr>
+          <p:cNvPr id="2" name="Title 1">
+            <a:extLst>
+              <a:ext uri="{FF2B5EF4-FFF2-40B4-BE49-F238E27FC236}">
+                <a16:creationId xmlns:a16="http://schemas.microsoft.com/office/drawing/2014/main" id="{61F6AF2D-0197-4B43-AE96-ECE52F886B85}"/>
+              </a:ext>
+            </a:extLst>
+          </p:cNvPr>
+          <p:cNvSpPr>
+            <a:spLocks noGrp="1"/>
+          </p:cNvSpPr>
+          <p:nvPr>
+            <p:ph type="title"/>
+          </p:nvPr>
+        </p:nvSpPr>
+        <p:spPr/>
+        <p:txBody>
+          <a:bodyPr/>
+          <a:lstStyle/>
+          <a:p>
+            <a:r>
+              <a:rPr lang="en-US" dirty="0"/>
+              <a:t>CRIME OVER TIME_IRIS</a:t>
+            </a:r>
+          </a:p>
+        </p:txBody>
+      </p:sp>
+      <p:sp>
+        <p:nvSpPr>
+          <p:cNvPr id="3" name="Content Placeholder 2">
+            <a:extLst>
+              <a:ext uri="{FF2B5EF4-FFF2-40B4-BE49-F238E27FC236}">
+                <a16:creationId xmlns:a16="http://schemas.microsoft.com/office/drawing/2014/main" id="{80E506F3-9199-4C33-B025-9EDA82A415B0}"/>
+              </a:ext>
+            </a:extLst>
+          </p:cNvPr>
+          <p:cNvSpPr>
+            <a:spLocks noGrp="1"/>
+          </p:cNvSpPr>
+          <p:nvPr>
+            <p:ph idx="1"/>
+          </p:nvPr>
+        </p:nvSpPr>
+        <p:spPr/>
+        <p:txBody>
+          <a:bodyPr/>
+          <a:lstStyle/>
+          <a:p>
+            <a:endParaRPr lang="en-US"/>
+          </a:p>
+        </p:txBody>
+      </p:sp>
+    </p:spTree>
+    <p:extLst>
+      <p:ext uri="{BB962C8B-B14F-4D97-AF65-F5344CB8AC3E}">
+        <p14:creationId xmlns:p14="http://schemas.microsoft.com/office/powerpoint/2010/main" val="1925816142"/>
+      </p:ext>
+    </p:extLst>
+  </p:cSld>
+  <p:clrMapOvr>
+    <a:masterClrMapping/>
+  </p:clrMapOvr>
+</p:sld>
+</file>
+
+<file path=ppt/slides/slide8.xml><?xml version="1.0" encoding="utf-8"?>
+<p:sld xmlns:a="http://schemas.openxmlformats.org/drawingml/2006/main" xmlns:r="http://schemas.openxmlformats.org/officeDocument/2006/relationships" xmlns:p="http://schemas.openxmlformats.org/presentationml/2006/main">
+  <p:cSld>
+    <p:spTree>
+      <p:nvGrpSpPr>
+        <p:cNvPr id="1" name=""/>
+        <p:cNvGrpSpPr/>
+        <p:nvPr/>
+      </p:nvGrpSpPr>
+      <p:grpSpPr>
+        <a:xfrm>
+          <a:off x="0" y="0"/>
+          <a:ext cx="0" cy="0"/>
+          <a:chOff x="0" y="0"/>
+          <a:chExt cx="0" cy="0"/>
+        </a:xfrm>
+      </p:grpSpPr>
+      <p:sp>
+        <p:nvSpPr>
+          <p:cNvPr id="2" name="Title 1">
+            <a:extLst>
+              <a:ext uri="{FF2B5EF4-FFF2-40B4-BE49-F238E27FC236}">
+                <a16:creationId xmlns:a16="http://schemas.microsoft.com/office/drawing/2014/main" id="{635FB463-BE93-44B7-92D4-9D9B45678901}"/>
+              </a:ext>
+            </a:extLst>
+          </p:cNvPr>
+          <p:cNvSpPr>
+            <a:spLocks noGrp="1"/>
+          </p:cNvSpPr>
+          <p:nvPr>
+            <p:ph type="title"/>
+          </p:nvPr>
+        </p:nvSpPr>
+        <p:spPr/>
+        <p:txBody>
+          <a:bodyPr/>
+          <a:lstStyle/>
+          <a:p>
+            <a:r>
+              <a:rPr lang="en-US" dirty="0"/>
+              <a:t>POSSITION vs CRIME TYPE_IRIS</a:t>
+            </a:r>
+          </a:p>
+        </p:txBody>
+      </p:sp>
+      <p:sp>
+        <p:nvSpPr>
+          <p:cNvPr id="3" name="Content Placeholder 2">
+            <a:extLst>
+              <a:ext uri="{FF2B5EF4-FFF2-40B4-BE49-F238E27FC236}">
+                <a16:creationId xmlns:a16="http://schemas.microsoft.com/office/drawing/2014/main" id="{811F2236-ED62-463C-BD89-B2727D47CD66}"/>
+              </a:ext>
+            </a:extLst>
+          </p:cNvPr>
+          <p:cNvSpPr>
+            <a:spLocks noGrp="1"/>
+          </p:cNvSpPr>
+          <p:nvPr>
+            <p:ph idx="1"/>
+          </p:nvPr>
+        </p:nvSpPr>
+        <p:spPr/>
+        <p:txBody>
+          <a:bodyPr/>
+          <a:lstStyle/>
+          <a:p>
+            <a:endParaRPr lang="en-US"/>
+          </a:p>
+        </p:txBody>
+      </p:sp>
+    </p:spTree>
+    <p:extLst>
+      <p:ext uri="{BB962C8B-B14F-4D97-AF65-F5344CB8AC3E}">
+        <p14:creationId xmlns:p14="http://schemas.microsoft.com/office/powerpoint/2010/main" val="594108148"/>
+      </p:ext>
+    </p:extLst>
+  </p:cSld>
+  <p:clrMapOvr>
+    <a:masterClrMapping/>
+  </p:clrMapOvr>
+</p:sld>
+</file>
+
+<file path=ppt/slides/slide9.xml><?xml version="1.0" encoding="utf-8"?>
 <p:sld xmlns:a="http://schemas.openxmlformats.org/drawingml/2006/main" xmlns:r="http://schemas.openxmlformats.org/officeDocument/2006/relationships" xmlns:p="http://schemas.openxmlformats.org/presentationml/2006/main">
   <p:cSld>
     <p:spTree>

--- a/CHADS_CODING/CRIME + NFL.pptx
+++ b/CHADS_CODING/CRIME + NFL.pptx
@@ -7,14 +7,18 @@
   <p:sldIdLst>
     <p:sldId id="256" r:id="rId2"/>
     <p:sldId id="263" r:id="rId3"/>
-    <p:sldId id="264" r:id="rId4"/>
-    <p:sldId id="262" r:id="rId5"/>
-    <p:sldId id="267" r:id="rId6"/>
-    <p:sldId id="266" r:id="rId7"/>
-    <p:sldId id="268" r:id="rId8"/>
-    <p:sldId id="269" r:id="rId9"/>
-    <p:sldId id="258" r:id="rId10"/>
-    <p:sldId id="265" r:id="rId11"/>
+    <p:sldId id="270" r:id="rId4"/>
+    <p:sldId id="264" r:id="rId5"/>
+    <p:sldId id="262" r:id="rId6"/>
+    <p:sldId id="267" r:id="rId7"/>
+    <p:sldId id="266" r:id="rId8"/>
+    <p:sldId id="272" r:id="rId9"/>
+    <p:sldId id="273" r:id="rId10"/>
+    <p:sldId id="268" r:id="rId11"/>
+    <p:sldId id="269" r:id="rId12"/>
+    <p:sldId id="271" r:id="rId13"/>
+    <p:sldId id="265" r:id="rId14"/>
+    <p:sldId id="274" r:id="rId15"/>
   </p:sldIdLst>
   <p:sldSz cx="12192000" cy="6858000"/>
   <p:notesSz cx="6858000" cy="9144000"/>
@@ -268,7 +272,7 @@
           <a:p>
             <a:fld id="{AEB1A662-EF76-44BE-8BB6-1C3AC9FAFF46}" type="datetimeFigureOut">
               <a:rPr lang="en-US" smtClean="0"/>
-              <a:t>2/3/2020</a:t>
+              <a:t>2/5/2020</a:t>
             </a:fld>
             <a:endParaRPr lang="en-US"/>
           </a:p>
@@ -466,7 +470,7 @@
           <a:p>
             <a:fld id="{AEB1A662-EF76-44BE-8BB6-1C3AC9FAFF46}" type="datetimeFigureOut">
               <a:rPr lang="en-US" smtClean="0"/>
-              <a:t>2/3/2020</a:t>
+              <a:t>2/5/2020</a:t>
             </a:fld>
             <a:endParaRPr lang="en-US"/>
           </a:p>
@@ -674,7 +678,7 @@
           <a:p>
             <a:fld id="{AEB1A662-EF76-44BE-8BB6-1C3AC9FAFF46}" type="datetimeFigureOut">
               <a:rPr lang="en-US" smtClean="0"/>
-              <a:t>2/3/2020</a:t>
+              <a:t>2/5/2020</a:t>
             </a:fld>
             <a:endParaRPr lang="en-US"/>
           </a:p>
@@ -872,7 +876,7 @@
           <a:p>
             <a:fld id="{AEB1A662-EF76-44BE-8BB6-1C3AC9FAFF46}" type="datetimeFigureOut">
               <a:rPr lang="en-US" smtClean="0"/>
-              <a:t>2/3/2020</a:t>
+              <a:t>2/5/2020</a:t>
             </a:fld>
             <a:endParaRPr lang="en-US"/>
           </a:p>
@@ -1147,7 +1151,7 @@
           <a:p>
             <a:fld id="{AEB1A662-EF76-44BE-8BB6-1C3AC9FAFF46}" type="datetimeFigureOut">
               <a:rPr lang="en-US" smtClean="0"/>
-              <a:t>2/3/2020</a:t>
+              <a:t>2/5/2020</a:t>
             </a:fld>
             <a:endParaRPr lang="en-US"/>
           </a:p>
@@ -1412,7 +1416,7 @@
           <a:p>
             <a:fld id="{AEB1A662-EF76-44BE-8BB6-1C3AC9FAFF46}" type="datetimeFigureOut">
               <a:rPr lang="en-US" smtClean="0"/>
-              <a:t>2/3/2020</a:t>
+              <a:t>2/5/2020</a:t>
             </a:fld>
             <a:endParaRPr lang="en-US"/>
           </a:p>
@@ -1824,7 +1828,7 @@
           <a:p>
             <a:fld id="{AEB1A662-EF76-44BE-8BB6-1C3AC9FAFF46}" type="datetimeFigureOut">
               <a:rPr lang="en-US" smtClean="0"/>
-              <a:t>2/3/2020</a:t>
+              <a:t>2/5/2020</a:t>
             </a:fld>
             <a:endParaRPr lang="en-US"/>
           </a:p>
@@ -1965,7 +1969,7 @@
           <a:p>
             <a:fld id="{AEB1A662-EF76-44BE-8BB6-1C3AC9FAFF46}" type="datetimeFigureOut">
               <a:rPr lang="en-US" smtClean="0"/>
-              <a:t>2/3/2020</a:t>
+              <a:t>2/5/2020</a:t>
             </a:fld>
             <a:endParaRPr lang="en-US"/>
           </a:p>
@@ -2078,7 +2082,7 @@
           <a:p>
             <a:fld id="{AEB1A662-EF76-44BE-8BB6-1C3AC9FAFF46}" type="datetimeFigureOut">
               <a:rPr lang="en-US" smtClean="0"/>
-              <a:t>2/3/2020</a:t>
+              <a:t>2/5/2020</a:t>
             </a:fld>
             <a:endParaRPr lang="en-US"/>
           </a:p>
@@ -2389,7 +2393,7 @@
           <a:p>
             <a:fld id="{AEB1A662-EF76-44BE-8BB6-1C3AC9FAFF46}" type="datetimeFigureOut">
               <a:rPr lang="en-US" smtClean="0"/>
-              <a:t>2/3/2020</a:t>
+              <a:t>2/5/2020</a:t>
             </a:fld>
             <a:endParaRPr lang="en-US"/>
           </a:p>
@@ -2677,7 +2681,7 @@
           <a:p>
             <a:fld id="{AEB1A662-EF76-44BE-8BB6-1C3AC9FAFF46}" type="datetimeFigureOut">
               <a:rPr lang="en-US" smtClean="0"/>
-              <a:t>2/3/2020</a:t>
+              <a:t>2/5/2020</a:t>
             </a:fld>
             <a:endParaRPr lang="en-US"/>
           </a:p>
@@ -2918,7 +2922,7 @@
           <a:p>
             <a:fld id="{AEB1A662-EF76-44BE-8BB6-1C3AC9FAFF46}" type="datetimeFigureOut">
               <a:rPr lang="en-US" smtClean="0"/>
-              <a:t>2/3/2020</a:t>
+              <a:t>2/5/2020</a:t>
             </a:fld>
             <a:endParaRPr lang="en-US"/>
           </a:p>
@@ -3432,6 +3436,609 @@
           <p:cNvPr id="2" name="Title 1">
             <a:extLst>
               <a:ext uri="{FF2B5EF4-FFF2-40B4-BE49-F238E27FC236}">
+                <a16:creationId xmlns:a16="http://schemas.microsoft.com/office/drawing/2014/main" id="{61F6AF2D-0197-4B43-AE96-ECE52F886B85}"/>
+              </a:ext>
+            </a:extLst>
+          </p:cNvPr>
+          <p:cNvSpPr>
+            <a:spLocks noGrp="1"/>
+          </p:cNvSpPr>
+          <p:nvPr>
+            <p:ph type="title"/>
+          </p:nvPr>
+        </p:nvSpPr>
+        <p:spPr/>
+        <p:txBody>
+          <a:bodyPr/>
+          <a:lstStyle/>
+          <a:p>
+            <a:r>
+              <a:rPr lang="en-US" dirty="0"/>
+              <a:t>CRIME OVER TIME</a:t>
+            </a:r>
+          </a:p>
+        </p:txBody>
+      </p:sp>
+      <p:pic>
+        <p:nvPicPr>
+          <p:cNvPr id="6" name="Content Placeholder 5" descr="A screenshot of a social media post&#10;&#10;Description automatically generated">
+            <a:extLst>
+              <a:ext uri="{FF2B5EF4-FFF2-40B4-BE49-F238E27FC236}">
+                <a16:creationId xmlns:a16="http://schemas.microsoft.com/office/drawing/2014/main" id="{E9E7773C-0647-D742-A7BD-0A34D90A70A7}"/>
+              </a:ext>
+            </a:extLst>
+          </p:cNvPr>
+          <p:cNvPicPr>
+            <a:picLocks noGrp="1" noChangeAspect="1"/>
+          </p:cNvPicPr>
+          <p:nvPr>
+            <p:ph idx="1"/>
+          </p:nvPr>
+        </p:nvPicPr>
+        <p:blipFill>
+          <a:blip r:embed="rId2">
+            <a:extLst>
+              <a:ext uri="{28A0092B-C50C-407E-A947-70E740481C1C}">
+                <a14:useLocalDpi xmlns:a14="http://schemas.microsoft.com/office/drawing/2010/main" val="0"/>
+              </a:ext>
+            </a:extLst>
+          </a:blip>
+          <a:stretch>
+            <a:fillRect/>
+          </a:stretch>
+        </p:blipFill>
+        <p:spPr>
+          <a:xfrm>
+            <a:off x="1027386" y="2872788"/>
+            <a:ext cx="3398807" cy="2694344"/>
+          </a:xfrm>
+        </p:spPr>
+      </p:pic>
+      <p:pic>
+        <p:nvPicPr>
+          <p:cNvPr id="10" name="Picture 9" descr="A screenshot of a cell phone&#10;&#10;Description automatically generated">
+            <a:extLst>
+              <a:ext uri="{FF2B5EF4-FFF2-40B4-BE49-F238E27FC236}">
+                <a16:creationId xmlns:a16="http://schemas.microsoft.com/office/drawing/2014/main" id="{70D4547E-CF44-F846-AD13-7976084E067D}"/>
+              </a:ext>
+            </a:extLst>
+          </p:cNvPr>
+          <p:cNvPicPr>
+            <a:picLocks noChangeAspect="1"/>
+          </p:cNvPicPr>
+          <p:nvPr/>
+        </p:nvPicPr>
+        <p:blipFill rotWithShape="1">
+          <a:blip r:embed="rId3">
+            <a:extLst>
+              <a:ext uri="{28A0092B-C50C-407E-A947-70E740481C1C}">
+                <a14:useLocalDpi xmlns:a14="http://schemas.microsoft.com/office/drawing/2010/main" val="0"/>
+              </a:ext>
+            </a:extLst>
+          </a:blip>
+          <a:srcRect l="6716"/>
+          <a:stretch/>
+        </p:blipFill>
+        <p:spPr>
+          <a:xfrm>
+            <a:off x="1027386" y="1547225"/>
+            <a:ext cx="3901488" cy="921834"/>
+          </a:xfrm>
+          <a:prstGeom prst="rect">
+            <a:avLst/>
+          </a:prstGeom>
+        </p:spPr>
+      </p:pic>
+      <p:pic>
+        <p:nvPicPr>
+          <p:cNvPr id="14" name="Picture 13" descr="A close up of a map&#10;&#10;Description automatically generated">
+            <a:extLst>
+              <a:ext uri="{FF2B5EF4-FFF2-40B4-BE49-F238E27FC236}">
+                <a16:creationId xmlns:a16="http://schemas.microsoft.com/office/drawing/2014/main" id="{126B3269-3AE2-CD45-9027-B57FE41F231C}"/>
+              </a:ext>
+            </a:extLst>
+          </p:cNvPr>
+          <p:cNvPicPr>
+            <a:picLocks noChangeAspect="1"/>
+          </p:cNvPicPr>
+          <p:nvPr/>
+        </p:nvPicPr>
+        <p:blipFill>
+          <a:blip r:embed="rId4">
+            <a:extLst>
+              <a:ext uri="{28A0092B-C50C-407E-A947-70E740481C1C}">
+                <a14:useLocalDpi xmlns:a14="http://schemas.microsoft.com/office/drawing/2010/main" val="0"/>
+              </a:ext>
+            </a:extLst>
+          </a:blip>
+          <a:stretch>
+            <a:fillRect/>
+          </a:stretch>
+        </p:blipFill>
+        <p:spPr>
+          <a:xfrm>
+            <a:off x="4091151" y="2578267"/>
+            <a:ext cx="8100849" cy="3914608"/>
+          </a:xfrm>
+          <a:prstGeom prst="rect">
+            <a:avLst/>
+          </a:prstGeom>
+        </p:spPr>
+      </p:pic>
+      <p:sp>
+        <p:nvSpPr>
+          <p:cNvPr id="15" name="TextBox 14">
+            <a:extLst>
+              <a:ext uri="{FF2B5EF4-FFF2-40B4-BE49-F238E27FC236}">
+                <a16:creationId xmlns:a16="http://schemas.microsoft.com/office/drawing/2014/main" id="{97891821-AD12-A74B-B316-4613DD9DF517}"/>
+              </a:ext>
+            </a:extLst>
+          </p:cNvPr>
+          <p:cNvSpPr txBox="1"/>
+          <p:nvPr/>
+        </p:nvSpPr>
+        <p:spPr>
+          <a:xfrm>
+            <a:off x="5268311" y="922733"/>
+            <a:ext cx="6274675" cy="1754326"/>
+          </a:xfrm>
+          <a:prstGeom prst="rect">
+            <a:avLst/>
+          </a:prstGeom>
+          <a:noFill/>
+        </p:spPr>
+        <p:txBody>
+          <a:bodyPr wrap="square" rtlCol="0">
+            <a:spAutoFit/>
+          </a:bodyPr>
+          <a:lstStyle/>
+          <a:p>
+            <a:r>
+              <a:rPr lang="en-US" dirty="0"/>
+              <a:t>Takeaways:</a:t>
+            </a:r>
+          </a:p>
+          <a:p>
+            <a:pPr marL="285750" indent="-285750">
+              <a:buFont typeface="Arial" panose="020B0604020202020204" pitchFamily="34" charset="0"/>
+              <a:buChar char="•"/>
+            </a:pPr>
+            <a:r>
+              <a:rPr lang="en-US" dirty="0"/>
+              <a:t>For 13 out of 21 years, offensive players committed more crimes than defensive players</a:t>
+            </a:r>
+          </a:p>
+          <a:p>
+            <a:pPr marL="285750" indent="-285750">
+              <a:buFont typeface="Arial" panose="020B0604020202020204" pitchFamily="34" charset="0"/>
+              <a:buChar char="•"/>
+            </a:pPr>
+            <a:r>
+              <a:rPr lang="en-US" dirty="0"/>
+              <a:t>The number total number of crimes committed per year has decreased</a:t>
+            </a:r>
+          </a:p>
+          <a:p>
+            <a:pPr marL="285750" indent="-285750">
+              <a:buFont typeface="Arial" panose="020B0604020202020204" pitchFamily="34" charset="0"/>
+              <a:buChar char="•"/>
+            </a:pPr>
+            <a:r>
+              <a:rPr lang="en-US" dirty="0"/>
+              <a:t>The max crimes per year was 71 crimes in 2006 </a:t>
+            </a:r>
+          </a:p>
+        </p:txBody>
+      </p:sp>
+    </p:spTree>
+    <p:extLst>
+      <p:ext uri="{BB962C8B-B14F-4D97-AF65-F5344CB8AC3E}">
+        <p14:creationId xmlns:p14="http://schemas.microsoft.com/office/powerpoint/2010/main" val="1925816142"/>
+      </p:ext>
+    </p:extLst>
+  </p:cSld>
+  <p:clrMapOvr>
+    <a:masterClrMapping/>
+  </p:clrMapOvr>
+</p:sld>
+</file>
+
+<file path=ppt/slides/slide11.xml><?xml version="1.0" encoding="utf-8"?>
+<p:sld xmlns:a="http://schemas.openxmlformats.org/drawingml/2006/main" xmlns:r="http://schemas.openxmlformats.org/officeDocument/2006/relationships" xmlns:p="http://schemas.openxmlformats.org/presentationml/2006/main">
+  <p:cSld>
+    <p:spTree>
+      <p:nvGrpSpPr>
+        <p:cNvPr id="1" name=""/>
+        <p:cNvGrpSpPr/>
+        <p:nvPr/>
+      </p:nvGrpSpPr>
+      <p:grpSpPr>
+        <a:xfrm>
+          <a:off x="0" y="0"/>
+          <a:ext cx="0" cy="0"/>
+          <a:chOff x="0" y="0"/>
+          <a:chExt cx="0" cy="0"/>
+        </a:xfrm>
+      </p:grpSpPr>
+      <p:sp>
+        <p:nvSpPr>
+          <p:cNvPr id="2" name="Title 1">
+            <a:extLst>
+              <a:ext uri="{FF2B5EF4-FFF2-40B4-BE49-F238E27FC236}">
+                <a16:creationId xmlns:a16="http://schemas.microsoft.com/office/drawing/2014/main" id="{635FB463-BE93-44B7-92D4-9D9B45678901}"/>
+              </a:ext>
+            </a:extLst>
+          </p:cNvPr>
+          <p:cNvSpPr>
+            <a:spLocks noGrp="1"/>
+          </p:cNvSpPr>
+          <p:nvPr>
+            <p:ph type="title"/>
+          </p:nvPr>
+        </p:nvSpPr>
+        <p:spPr>
+          <a:xfrm>
+            <a:off x="333704" y="190957"/>
+            <a:ext cx="10515600" cy="1325563"/>
+          </a:xfrm>
+        </p:spPr>
+        <p:txBody>
+          <a:bodyPr/>
+          <a:lstStyle/>
+          <a:p>
+            <a:r>
+              <a:rPr lang="en-US" dirty="0"/>
+              <a:t>POSITION vs CRIME TYPE</a:t>
+            </a:r>
+          </a:p>
+        </p:txBody>
+      </p:sp>
+      <p:pic>
+        <p:nvPicPr>
+          <p:cNvPr id="5" name="Content Placeholder 4" descr="A picture containing implement, stationary, pencil, colored&#10;&#10;Description automatically generated">
+            <a:extLst>
+              <a:ext uri="{FF2B5EF4-FFF2-40B4-BE49-F238E27FC236}">
+                <a16:creationId xmlns:a16="http://schemas.microsoft.com/office/drawing/2014/main" id="{6BECC58B-038B-2A41-BEEB-DF98E628C971}"/>
+              </a:ext>
+            </a:extLst>
+          </p:cNvPr>
+          <p:cNvPicPr>
+            <a:picLocks noGrp="1" noChangeAspect="1"/>
+          </p:cNvPicPr>
+          <p:nvPr>
+            <p:ph idx="1"/>
+          </p:nvPr>
+        </p:nvPicPr>
+        <p:blipFill rotWithShape="1">
+          <a:blip r:embed="rId2">
+            <a:extLst>
+              <a:ext uri="{28A0092B-C50C-407E-A947-70E740481C1C}">
+                <a14:useLocalDpi xmlns:a14="http://schemas.microsoft.com/office/drawing/2010/main" val="0"/>
+              </a:ext>
+            </a:extLst>
+          </a:blip>
+          <a:srcRect t="8636" b="11223"/>
+          <a:stretch/>
+        </p:blipFill>
+        <p:spPr>
+          <a:xfrm>
+            <a:off x="0" y="1201209"/>
+            <a:ext cx="6096001" cy="5341480"/>
+          </a:xfrm>
+        </p:spPr>
+      </p:pic>
+      <p:pic>
+        <p:nvPicPr>
+          <p:cNvPr id="6" name="Picture 5">
+            <a:extLst>
+              <a:ext uri="{FF2B5EF4-FFF2-40B4-BE49-F238E27FC236}">
+                <a16:creationId xmlns:a16="http://schemas.microsoft.com/office/drawing/2014/main" id="{C1518F7F-15CC-FA44-971C-A1A268299F4D}"/>
+              </a:ext>
+            </a:extLst>
+          </p:cNvPr>
+          <p:cNvPicPr>
+            <a:picLocks noChangeAspect="1"/>
+          </p:cNvPicPr>
+          <p:nvPr/>
+        </p:nvPicPr>
+        <p:blipFill rotWithShape="1">
+          <a:blip r:embed="rId3">
+            <a:extLst>
+              <a:ext uri="{28A0092B-C50C-407E-A947-70E740481C1C}">
+                <a14:useLocalDpi xmlns:a14="http://schemas.microsoft.com/office/drawing/2010/main" val="0"/>
+              </a:ext>
+            </a:extLst>
+          </a:blip>
+          <a:srcRect l="6875" r="32759"/>
+          <a:stretch/>
+        </p:blipFill>
+        <p:spPr>
+          <a:xfrm>
+            <a:off x="5909442" y="5423338"/>
+            <a:ext cx="5935348" cy="1119351"/>
+          </a:xfrm>
+          <a:prstGeom prst="rect">
+            <a:avLst/>
+          </a:prstGeom>
+        </p:spPr>
+      </p:pic>
+      <p:sp>
+        <p:nvSpPr>
+          <p:cNvPr id="8" name="TextBox 7">
+            <a:extLst>
+              <a:ext uri="{FF2B5EF4-FFF2-40B4-BE49-F238E27FC236}">
+                <a16:creationId xmlns:a16="http://schemas.microsoft.com/office/drawing/2014/main" id="{F9CBE124-1D4A-B948-AFB7-F30951B0B2BE}"/>
+              </a:ext>
+            </a:extLst>
+          </p:cNvPr>
+          <p:cNvSpPr txBox="1"/>
+          <p:nvPr/>
+        </p:nvSpPr>
+        <p:spPr>
+          <a:xfrm>
+            <a:off x="6844678" y="2394621"/>
+            <a:ext cx="4251435" cy="1477328"/>
+          </a:xfrm>
+          <a:prstGeom prst="rect">
+            <a:avLst/>
+          </a:prstGeom>
+          <a:noFill/>
+        </p:spPr>
+        <p:txBody>
+          <a:bodyPr wrap="square" rtlCol="0">
+            <a:spAutoFit/>
+          </a:bodyPr>
+          <a:lstStyle/>
+          <a:p>
+            <a:r>
+              <a:rPr lang="en-US" dirty="0"/>
+              <a:t>Takeaways:</a:t>
+            </a:r>
+          </a:p>
+          <a:p>
+            <a:r>
+              <a:rPr lang="en-US" dirty="0"/>
+              <a:t>In each stacked bar, distribution of crime type looks roughly similar.</a:t>
+            </a:r>
+          </a:p>
+          <a:p>
+            <a:r>
+              <a:rPr lang="en-US" dirty="0"/>
+              <a:t>Wide receivers committed the most crimes in total.</a:t>
+            </a:r>
+          </a:p>
+        </p:txBody>
+      </p:sp>
+    </p:spTree>
+    <p:extLst>
+      <p:ext uri="{BB962C8B-B14F-4D97-AF65-F5344CB8AC3E}">
+        <p14:creationId xmlns:p14="http://schemas.microsoft.com/office/powerpoint/2010/main" val="594108148"/>
+      </p:ext>
+    </p:extLst>
+  </p:cSld>
+  <p:clrMapOvr>
+    <a:masterClrMapping/>
+  </p:clrMapOvr>
+</p:sld>
+</file>
+
+<file path=ppt/slides/slide12.xml><?xml version="1.0" encoding="utf-8"?>
+<p:sld xmlns:a="http://schemas.openxmlformats.org/drawingml/2006/main" xmlns:r="http://schemas.openxmlformats.org/officeDocument/2006/relationships" xmlns:p="http://schemas.openxmlformats.org/presentationml/2006/main">
+  <p:cSld>
+    <p:spTree>
+      <p:nvGrpSpPr>
+        <p:cNvPr id="1" name=""/>
+        <p:cNvGrpSpPr/>
+        <p:nvPr/>
+      </p:nvGrpSpPr>
+      <p:grpSpPr>
+        <a:xfrm>
+          <a:off x="0" y="0"/>
+          <a:ext cx="0" cy="0"/>
+          <a:chOff x="0" y="0"/>
+          <a:chExt cx="0" cy="0"/>
+        </a:xfrm>
+      </p:grpSpPr>
+      <p:sp>
+        <p:nvSpPr>
+          <p:cNvPr id="2" name="Title 1">
+            <a:extLst>
+              <a:ext uri="{FF2B5EF4-FFF2-40B4-BE49-F238E27FC236}">
+                <a16:creationId xmlns:a16="http://schemas.microsoft.com/office/drawing/2014/main" id="{DBEF97A5-FB38-A940-B319-183BC41B81CF}"/>
+              </a:ext>
+            </a:extLst>
+          </p:cNvPr>
+          <p:cNvSpPr>
+            <a:spLocks noGrp="1"/>
+          </p:cNvSpPr>
+          <p:nvPr>
+            <p:ph type="title"/>
+          </p:nvPr>
+        </p:nvSpPr>
+        <p:spPr>
+          <a:xfrm>
+            <a:off x="838200" y="18255"/>
+            <a:ext cx="10515600" cy="1325563"/>
+          </a:xfrm>
+        </p:spPr>
+        <p:txBody>
+          <a:bodyPr/>
+          <a:lstStyle/>
+          <a:p>
+            <a:r>
+              <a:rPr lang="en-US" dirty="0"/>
+              <a:t>CRIME TYPE TOTALS</a:t>
+            </a:r>
+          </a:p>
+        </p:txBody>
+      </p:sp>
+      <p:sp>
+        <p:nvSpPr>
+          <p:cNvPr id="3" name="Content Placeholder 2">
+            <a:extLst>
+              <a:ext uri="{FF2B5EF4-FFF2-40B4-BE49-F238E27FC236}">
+                <a16:creationId xmlns:a16="http://schemas.microsoft.com/office/drawing/2014/main" id="{3E94F8C4-5D9B-BD4F-801E-86670D94EA24}"/>
+              </a:ext>
+            </a:extLst>
+          </p:cNvPr>
+          <p:cNvSpPr>
+            <a:spLocks noGrp="1"/>
+          </p:cNvSpPr>
+          <p:nvPr>
+            <p:ph idx="1"/>
+          </p:nvPr>
+        </p:nvSpPr>
+        <p:spPr/>
+        <p:txBody>
+          <a:bodyPr/>
+          <a:lstStyle/>
+          <a:p>
+            <a:pPr marL="0" indent="0">
+              <a:buNone/>
+            </a:pPr>
+            <a:r>
+              <a:rPr lang="en-US" dirty="0"/>
+              <a:t>  </a:t>
+            </a:r>
+          </a:p>
+        </p:txBody>
+      </p:sp>
+      <p:pic>
+        <p:nvPicPr>
+          <p:cNvPr id="4" name="Picture 3" descr="A picture containing object, measure, comb, fence&#10;&#10;Description automatically generated">
+            <a:extLst>
+              <a:ext uri="{FF2B5EF4-FFF2-40B4-BE49-F238E27FC236}">
+                <a16:creationId xmlns:a16="http://schemas.microsoft.com/office/drawing/2014/main" id="{9494A508-562A-3946-AB41-3BDF6B1FA532}"/>
+              </a:ext>
+            </a:extLst>
+          </p:cNvPr>
+          <p:cNvPicPr>
+            <a:picLocks noChangeAspect="1"/>
+          </p:cNvPicPr>
+          <p:nvPr/>
+        </p:nvPicPr>
+        <p:blipFill rotWithShape="1">
+          <a:blip r:embed="rId2">
+            <a:extLst>
+              <a:ext uri="{28A0092B-C50C-407E-A947-70E740481C1C}">
+                <a14:useLocalDpi xmlns:a14="http://schemas.microsoft.com/office/drawing/2010/main" val="0"/>
+              </a:ext>
+            </a:extLst>
+          </a:blip>
+          <a:srcRect l="10905" r="8114"/>
+          <a:stretch/>
+        </p:blipFill>
+        <p:spPr>
+          <a:xfrm>
+            <a:off x="141888" y="882869"/>
+            <a:ext cx="12050111" cy="5975131"/>
+          </a:xfrm>
+          <a:prstGeom prst="rect">
+            <a:avLst/>
+          </a:prstGeom>
+        </p:spPr>
+      </p:pic>
+      <p:sp>
+        <p:nvSpPr>
+          <p:cNvPr id="6" name="TextBox 5">
+            <a:extLst>
+              <a:ext uri="{FF2B5EF4-FFF2-40B4-BE49-F238E27FC236}">
+                <a16:creationId xmlns:a16="http://schemas.microsoft.com/office/drawing/2014/main" id="{38DBC335-8712-F940-B1A5-6EA88DA02780}"/>
+              </a:ext>
+            </a:extLst>
+          </p:cNvPr>
+          <p:cNvSpPr txBox="1"/>
+          <p:nvPr/>
+        </p:nvSpPr>
+        <p:spPr>
+          <a:xfrm>
+            <a:off x="3247697" y="2002221"/>
+            <a:ext cx="8106103" cy="1754326"/>
+          </a:xfrm>
+          <a:prstGeom prst="rect">
+            <a:avLst/>
+          </a:prstGeom>
+          <a:noFill/>
+        </p:spPr>
+        <p:txBody>
+          <a:bodyPr wrap="square" rtlCol="0">
+            <a:spAutoFit/>
+          </a:bodyPr>
+          <a:lstStyle/>
+          <a:p>
+            <a:pPr algn="ctr"/>
+            <a:r>
+              <a:rPr lang="en-US" dirty="0"/>
+              <a:t>df[‘Crime type’].</a:t>
+            </a:r>
+            <a:r>
+              <a:rPr lang="en-US" dirty="0" err="1"/>
+              <a:t>value_counts</a:t>
+            </a:r>
+            <a:r>
+              <a:rPr lang="en-US" dirty="0"/>
+              <a:t>()</a:t>
+            </a:r>
+          </a:p>
+          <a:p>
+            <a:pPr algn="ctr"/>
+            <a:endParaRPr lang="en-US" dirty="0"/>
+          </a:p>
+          <a:p>
+            <a:pPr algn="ctr"/>
+            <a:endParaRPr lang="en-US" dirty="0"/>
+          </a:p>
+          <a:p>
+            <a:pPr algn="ctr"/>
+            <a:endParaRPr lang="en-US" dirty="0"/>
+          </a:p>
+          <a:p>
+            <a:pPr algn="ctr"/>
+            <a:r>
+              <a:rPr lang="en-US" dirty="0"/>
+              <a:t>DUI’s are the most frequently committed crime</a:t>
+            </a:r>
+          </a:p>
+          <a:p>
+            <a:endParaRPr lang="en-US" dirty="0"/>
+          </a:p>
+        </p:txBody>
+      </p:sp>
+    </p:spTree>
+    <p:extLst>
+      <p:ext uri="{BB962C8B-B14F-4D97-AF65-F5344CB8AC3E}">
+        <p14:creationId xmlns:p14="http://schemas.microsoft.com/office/powerpoint/2010/main" val="1963072455"/>
+      </p:ext>
+    </p:extLst>
+  </p:cSld>
+  <p:clrMapOvr>
+    <a:masterClrMapping/>
+  </p:clrMapOvr>
+</p:sld>
+</file>
+
+<file path=ppt/slides/slide13.xml><?xml version="1.0" encoding="utf-8"?>
+<p:sld xmlns:a="http://schemas.openxmlformats.org/drawingml/2006/main" xmlns:r="http://schemas.openxmlformats.org/officeDocument/2006/relationships" xmlns:p="http://schemas.openxmlformats.org/presentationml/2006/main">
+  <p:cSld>
+    <p:spTree>
+      <p:nvGrpSpPr>
+        <p:cNvPr id="1" name=""/>
+        <p:cNvGrpSpPr/>
+        <p:nvPr/>
+      </p:nvGrpSpPr>
+      <p:grpSpPr>
+        <a:xfrm>
+          <a:off x="0" y="0"/>
+          <a:ext cx="0" cy="0"/>
+          <a:chOff x="0" y="0"/>
+          <a:chExt cx="0" cy="0"/>
+        </a:xfrm>
+      </p:grpSpPr>
+      <p:sp>
+        <p:nvSpPr>
+          <p:cNvPr id="2" name="Title 1">
+            <a:extLst>
+              <a:ext uri="{FF2B5EF4-FFF2-40B4-BE49-F238E27FC236}">
                 <a16:creationId xmlns:a16="http://schemas.microsoft.com/office/drawing/2014/main" id="{FFD92CA7-D007-4D0C-BF5E-002C792323E8}"/>
               </a:ext>
             </a:extLst>
@@ -3548,6 +4155,145 @@
     <p:extLst>
       <p:ext uri="{BB962C8B-B14F-4D97-AF65-F5344CB8AC3E}">
         <p14:creationId xmlns:p14="http://schemas.microsoft.com/office/powerpoint/2010/main" val="3941529735"/>
+      </p:ext>
+    </p:extLst>
+  </p:cSld>
+  <p:clrMapOvr>
+    <a:masterClrMapping/>
+  </p:clrMapOvr>
+</p:sld>
+</file>
+
+<file path=ppt/slides/slide14.xml><?xml version="1.0" encoding="utf-8"?>
+<p:sld xmlns:a="http://schemas.openxmlformats.org/drawingml/2006/main" xmlns:r="http://schemas.openxmlformats.org/officeDocument/2006/relationships" xmlns:p="http://schemas.openxmlformats.org/presentationml/2006/main">
+  <p:cSld>
+    <p:spTree>
+      <p:nvGrpSpPr>
+        <p:cNvPr id="1" name=""/>
+        <p:cNvGrpSpPr/>
+        <p:nvPr/>
+      </p:nvGrpSpPr>
+      <p:grpSpPr>
+        <a:xfrm>
+          <a:off x="0" y="0"/>
+          <a:ext cx="0" cy="0"/>
+          <a:chOff x="0" y="0"/>
+          <a:chExt cx="0" cy="0"/>
+        </a:xfrm>
+      </p:grpSpPr>
+      <p:sp>
+        <p:nvSpPr>
+          <p:cNvPr id="4" name="Rectangle 3">
+            <a:extLst>
+              <a:ext uri="{FF2B5EF4-FFF2-40B4-BE49-F238E27FC236}">
+                <a16:creationId xmlns:a16="http://schemas.microsoft.com/office/drawing/2014/main" id="{2750487A-8F76-4B82-B993-4A29FAF93663}"/>
+              </a:ext>
+            </a:extLst>
+          </p:cNvPr>
+          <p:cNvSpPr/>
+          <p:nvPr/>
+        </p:nvSpPr>
+        <p:spPr>
+          <a:xfrm>
+            <a:off x="2003122" y="1128906"/>
+            <a:ext cx="8185767" cy="3416320"/>
+          </a:xfrm>
+          <a:prstGeom prst="rect">
+            <a:avLst/>
+          </a:prstGeom>
+          <a:noFill/>
+        </p:spPr>
+        <p:txBody>
+          <a:bodyPr wrap="none" lIns="91440" tIns="45720" rIns="91440" bIns="45720">
+            <a:spAutoFit/>
+          </a:bodyPr>
+          <a:lstStyle/>
+          <a:p>
+            <a:pPr algn="ctr"/>
+            <a:r>
+              <a:rPr lang="en-US" sz="5400" b="0" cap="none" spc="0" dirty="0">
+                <a:ln w="0"/>
+                <a:solidFill>
+                  <a:schemeClr val="tx1"/>
+                </a:solidFill>
+                <a:effectLst>
+                  <a:outerShdw blurRad="38100" dist="19050" dir="2700000" algn="tl" rotWithShape="0">
+                    <a:schemeClr val="dk1">
+                      <a:alpha val="40000"/>
+                    </a:schemeClr>
+                  </a:outerShdw>
+                </a:effectLst>
+              </a:rPr>
+              <a:t>THANK YOU FOR LISTENING!</a:t>
+            </a:r>
+          </a:p>
+          <a:p>
+            <a:pPr algn="ctr"/>
+            <a:endParaRPr lang="en-US" sz="5400" dirty="0">
+              <a:ln w="0"/>
+              <a:effectLst>
+                <a:outerShdw blurRad="38100" dist="19050" dir="2700000" algn="tl" rotWithShape="0">
+                  <a:schemeClr val="dk1">
+                    <a:alpha val="40000"/>
+                  </a:schemeClr>
+                </a:outerShdw>
+              </a:effectLst>
+            </a:endParaRPr>
+          </a:p>
+          <a:p>
+            <a:pPr algn="ctr"/>
+            <a:r>
+              <a:rPr lang="en-US" sz="5400" b="0" cap="none" spc="0" dirty="0">
+                <a:ln w="0"/>
+                <a:solidFill>
+                  <a:schemeClr val="tx1"/>
+                </a:solidFill>
+                <a:effectLst>
+                  <a:outerShdw blurRad="38100" dist="19050" dir="2700000" algn="tl" rotWithShape="0">
+                    <a:schemeClr val="dk1">
+                      <a:alpha val="40000"/>
+                    </a:schemeClr>
+                  </a:outerShdw>
+                </a:effectLst>
+              </a:rPr>
+              <a:t>FROM TEAM</a:t>
+            </a:r>
+          </a:p>
+          <a:p>
+            <a:pPr algn="ctr"/>
+            <a:r>
+              <a:rPr lang="en-US" sz="5400" dirty="0">
+                <a:ln w="0"/>
+                <a:effectLst>
+                  <a:outerShdw blurRad="38100" dist="19050" dir="2700000" algn="tl" rotWithShape="0">
+                    <a:schemeClr val="dk1">
+                      <a:alpha val="40000"/>
+                    </a:schemeClr>
+                  </a:outerShdw>
+                </a:effectLst>
+              </a:rPr>
+              <a:t>CAKI</a:t>
+            </a:r>
+            <a:endParaRPr lang="en-US" sz="5400" b="0" cap="none" spc="0" dirty="0">
+              <a:ln w="0"/>
+              <a:solidFill>
+                <a:schemeClr val="tx1"/>
+              </a:solidFill>
+              <a:effectLst>
+                <a:outerShdw blurRad="38100" dist="19050" dir="2700000" algn="tl" rotWithShape="0">
+                  <a:schemeClr val="dk1">
+                    <a:alpha val="40000"/>
+                  </a:schemeClr>
+                </a:outerShdw>
+              </a:effectLst>
+            </a:endParaRPr>
+          </a:p>
+        </p:txBody>
+      </p:sp>
+    </p:spTree>
+    <p:extLst>
+      <p:ext uri="{BB962C8B-B14F-4D97-AF65-F5344CB8AC3E}">
+        <p14:creationId xmlns:p14="http://schemas.microsoft.com/office/powerpoint/2010/main" val="3928637512"/>
       </p:ext>
     </p:extLst>
   </p:cSld>
@@ -3595,9 +4341,10 @@
           <a:bodyPr/>
           <a:lstStyle/>
           <a:p>
+            <a:pPr algn="ctr"/>
             <a:r>
               <a:rPr lang="en-US" dirty="0"/>
-              <a:t>MOTIVATION &amp; SUMMARY SLIDE</a:t>
+              <a:t>WHY NFL &amp; CRIMES?</a:t>
             </a:r>
           </a:p>
         </p:txBody>
@@ -3621,58 +4368,88 @@
         <p:spPr/>
         <p:txBody>
           <a:bodyPr>
-            <a:normAutofit fontScale="92500" lnSpcReduction="20000"/>
+            <a:normAutofit fontScale="85000" lnSpcReduction="20000"/>
           </a:bodyPr>
           <a:lstStyle/>
           <a:p>
-            <a:r>
-              <a:rPr lang="en-US" cap="all" dirty="0"/>
-              <a:t>MOTIVATION: NFL PLAYOFFS have been TOP OF MIND.</a:t>
-            </a:r>
-          </a:p>
-          <a:p>
-            <a:pPr lvl="1"/>
+            <a:pPr marL="0" indent="0" algn="ctr">
+              <a:buNone/>
+            </a:pPr>
+            <a:r>
+              <a:rPr lang="en-US" u="sng" cap="all" dirty="0"/>
+              <a:t>FOOTBALL has been TOP OF MIND: PLAYOFFS &amp; SUPER Bowl</a:t>
+            </a:r>
+          </a:p>
+          <a:p>
+            <a:pPr marL="457200" lvl="1" indent="0" algn="ctr">
+              <a:buNone/>
+            </a:pPr>
+            <a:endParaRPr lang="en-US" cap="all" dirty="0"/>
+          </a:p>
+          <a:p>
+            <a:pPr marL="457200" lvl="1" indent="0" algn="ctr">
+              <a:buNone/>
+            </a:pPr>
             <a:r>
               <a:rPr lang="en-US" cap="all" dirty="0"/>
               <a:t>FOUND RICH DATASET ABOUT NFL PLAYER ARRESTS OVER THE LAST 20 years and wanted to explore</a:t>
             </a:r>
           </a:p>
           <a:p>
+            <a:pPr marL="0" indent="0">
+              <a:buNone/>
+            </a:pPr>
+            <a:endParaRPr lang="en-US" cap="all" dirty="0"/>
+          </a:p>
+          <a:p>
+            <a:pPr marL="0" indent="0" algn="ctr">
+              <a:buNone/>
+            </a:pPr>
+            <a:r>
+              <a:rPr lang="en-US" u="sng" cap="all" dirty="0"/>
+              <a:t>DATA Exploration</a:t>
+            </a:r>
+          </a:p>
+          <a:p>
+            <a:pPr marL="457200" lvl="1" indent="0" algn="ctr">
+              <a:buNone/>
+            </a:pPr>
             <a:r>
               <a:rPr lang="en-US" cap="all" dirty="0"/>
-              <a:t>WHAT DO WE WANT TO EXPLORE</a:t>
-            </a:r>
-          </a:p>
-          <a:p>
-            <a:pPr lvl="1"/>
+              <a:t>WHERE ARE THE CRIMES HAPPENING?</a:t>
+            </a:r>
+          </a:p>
+          <a:p>
+            <a:pPr marL="457200" lvl="1" indent="0" algn="ctr">
+              <a:buNone/>
+            </a:pPr>
             <a:r>
               <a:rPr lang="en-US" cap="all" dirty="0"/>
-              <a:t>HAVE MORE TEAMS COMMITED MORE CRIMES THAN OTHERS?</a:t>
-            </a:r>
-          </a:p>
-          <a:p>
-            <a:pPr lvl="1"/>
-            <a:r>
-              <a:rPr lang="en-US" cap="all" dirty="0"/>
-              <a:t>WHAT POSSTIONS COMMIT CRIMES?</a:t>
-            </a:r>
-          </a:p>
-          <a:p>
-            <a:pPr lvl="1"/>
+              <a:t>WHICH POSITIONS ARE COMMITING CRIMES?</a:t>
+            </a:r>
+          </a:p>
+          <a:p>
+            <a:pPr marL="457200" lvl="1" indent="0" algn="ctr">
+              <a:buNone/>
+            </a:pPr>
             <a:r>
               <a:rPr lang="en-US" cap="all" dirty="0"/>
               <a:t>WHAT KIND OF CRIMES ARE BEING COMMITED?</a:t>
             </a:r>
           </a:p>
           <a:p>
-            <a:pPr lvl="1"/>
+            <a:pPr marL="457200" lvl="1" indent="0" algn="ctr">
+              <a:buNone/>
+            </a:pPr>
             <a:r>
               <a:rPr lang="en-US" cap="all" dirty="0"/>
               <a:t>CRIME OVER TIME?</a:t>
             </a:r>
           </a:p>
           <a:p>
-            <a:pPr lvl="1"/>
+            <a:pPr marL="457200" lvl="1" indent="0" algn="ctr">
+              <a:buNone/>
+            </a:pPr>
             <a:r>
               <a:rPr lang="en-US" cap="all" dirty="0"/>
               <a:t>WHAT IS THE CORRELATION BETWEEN TEAM PERFORMANCE AND TEAM CRIME RATE?</a:t>
@@ -3743,7 +4520,7 @@
           <p:cNvPr id="2" name="Title 1">
             <a:extLst>
               <a:ext uri="{FF2B5EF4-FFF2-40B4-BE49-F238E27FC236}">
-                <a16:creationId xmlns:a16="http://schemas.microsoft.com/office/drawing/2014/main" id="{ACE9CD56-BAF7-408C-B324-B7E1E1FAA2C9}"/>
+                <a16:creationId xmlns:a16="http://schemas.microsoft.com/office/drawing/2014/main" id="{22CA8328-6E6E-4B58-9BD2-B4E4D3777C0D}"/>
               </a:ext>
             </a:extLst>
           </p:cNvPr>
@@ -3754,60 +4531,1025 @@
             <p:ph type="title"/>
           </p:nvPr>
         </p:nvSpPr>
-        <p:spPr/>
-        <p:txBody>
-          <a:bodyPr/>
+        <p:spPr>
+          <a:xfrm>
+            <a:off x="838200" y="163000"/>
+            <a:ext cx="10515600" cy="568526"/>
+          </a:xfrm>
+          <a:ln w="12700">
+            <a:solidFill>
+              <a:schemeClr val="tx1"/>
+            </a:solidFill>
+          </a:ln>
+        </p:spPr>
+        <p:txBody>
+          <a:bodyPr>
+            <a:normAutofit fontScale="90000"/>
+          </a:bodyPr>
           <a:lstStyle/>
           <a:p>
+            <a:pPr algn="ctr"/>
             <a:r>
               <a:rPr lang="en-US" dirty="0"/>
-              <a:t>DATA_ALEC</a:t>
-            </a:r>
-          </a:p>
-        </p:txBody>
-      </p:sp>
-      <p:sp>
-        <p:nvSpPr>
-          <p:cNvPr id="3" name="Content Placeholder 2">
-            <a:extLst>
-              <a:ext uri="{FF2B5EF4-FFF2-40B4-BE49-F238E27FC236}">
-                <a16:creationId xmlns:a16="http://schemas.microsoft.com/office/drawing/2014/main" id="{F4C35593-2C35-465C-A7E8-851FAEF2094A}"/>
-              </a:ext>
-            </a:extLst>
-          </p:cNvPr>
-          <p:cNvSpPr>
-            <a:spLocks noGrp="1"/>
-          </p:cNvSpPr>
-          <p:nvPr>
-            <p:ph idx="1"/>
-          </p:nvPr>
-        </p:nvSpPr>
-        <p:spPr/>
-        <p:txBody>
-          <a:bodyPr/>
-          <a:lstStyle/>
-          <a:p>
-            <a:r>
-              <a:rPr lang="en-US" dirty="0"/>
-              <a:t>CLEANUP</a:t>
-            </a:r>
-          </a:p>
-        </p:txBody>
-      </p:sp>
+              <a:t>QUICK CLEAN</a:t>
+            </a:r>
+          </a:p>
+        </p:txBody>
+      </p:sp>
+      <p:sp>
+        <p:nvSpPr>
+          <p:cNvPr id="4" name="Content Placeholder 2">
+            <a:extLst>
+              <a:ext uri="{FF2B5EF4-FFF2-40B4-BE49-F238E27FC236}">
+                <a16:creationId xmlns:a16="http://schemas.microsoft.com/office/drawing/2014/main" id="{1CA3E0FE-A404-4805-8384-F4DB772A6840}"/>
+              </a:ext>
+            </a:extLst>
+          </p:cNvPr>
+          <p:cNvSpPr txBox="1">
+            <a:spLocks/>
+          </p:cNvSpPr>
+          <p:nvPr/>
+        </p:nvSpPr>
+        <p:spPr>
+          <a:xfrm>
+            <a:off x="389299" y="855492"/>
+            <a:ext cx="11696771" cy="3924736"/>
+          </a:xfrm>
+          <a:prstGeom prst="rect">
+            <a:avLst/>
+          </a:prstGeom>
+          <a:ln>
+            <a:solidFill>
+              <a:schemeClr val="tx1"/>
+            </a:solidFill>
+          </a:ln>
+        </p:spPr>
+        <p:txBody>
+          <a:bodyPr vert="horz" lIns="91440" tIns="45720" rIns="91440" bIns="45720" rtlCol="0">
+            <a:normAutofit/>
+          </a:bodyPr>
+          <a:lstStyle>
+            <a:lvl1pPr marL="228600" indent="-228600" algn="l" defTabSz="914400" rtl="0" eaLnBrk="1" latinLnBrk="0" hangingPunct="1">
+              <a:lnSpc>
+                <a:spcPct val="90000"/>
+              </a:lnSpc>
+              <a:spcBef>
+                <a:spcPts val="1000"/>
+              </a:spcBef>
+              <a:buFont typeface="Arial" panose="020B0604020202020204" pitchFamily="34" charset="0"/>
+              <a:buChar char="•"/>
+              <a:defRPr sz="2800" kern="1200">
+                <a:solidFill>
+                  <a:schemeClr val="tx1"/>
+                </a:solidFill>
+                <a:latin typeface="+mn-lt"/>
+                <a:ea typeface="+mn-ea"/>
+                <a:cs typeface="+mn-cs"/>
+              </a:defRPr>
+            </a:lvl1pPr>
+            <a:lvl2pPr marL="685800" indent="-228600" algn="l" defTabSz="914400" rtl="0" eaLnBrk="1" latinLnBrk="0" hangingPunct="1">
+              <a:lnSpc>
+                <a:spcPct val="90000"/>
+              </a:lnSpc>
+              <a:spcBef>
+                <a:spcPts val="500"/>
+              </a:spcBef>
+              <a:buFont typeface="Arial" panose="020B0604020202020204" pitchFamily="34" charset="0"/>
+              <a:buChar char="•"/>
+              <a:defRPr sz="2400" kern="1200">
+                <a:solidFill>
+                  <a:schemeClr val="tx1"/>
+                </a:solidFill>
+                <a:latin typeface="+mn-lt"/>
+                <a:ea typeface="+mn-ea"/>
+                <a:cs typeface="+mn-cs"/>
+              </a:defRPr>
+            </a:lvl2pPr>
+            <a:lvl3pPr marL="1143000" indent="-228600" algn="l" defTabSz="914400" rtl="0" eaLnBrk="1" latinLnBrk="0" hangingPunct="1">
+              <a:lnSpc>
+                <a:spcPct val="90000"/>
+              </a:lnSpc>
+              <a:spcBef>
+                <a:spcPts val="500"/>
+              </a:spcBef>
+              <a:buFont typeface="Arial" panose="020B0604020202020204" pitchFamily="34" charset="0"/>
+              <a:buChar char="•"/>
+              <a:defRPr sz="2000" kern="1200">
+                <a:solidFill>
+                  <a:schemeClr val="tx1"/>
+                </a:solidFill>
+                <a:latin typeface="+mn-lt"/>
+                <a:ea typeface="+mn-ea"/>
+                <a:cs typeface="+mn-cs"/>
+              </a:defRPr>
+            </a:lvl3pPr>
+            <a:lvl4pPr marL="1600200" indent="-228600" algn="l" defTabSz="914400" rtl="0" eaLnBrk="1" latinLnBrk="0" hangingPunct="1">
+              <a:lnSpc>
+                <a:spcPct val="90000"/>
+              </a:lnSpc>
+              <a:spcBef>
+                <a:spcPts val="500"/>
+              </a:spcBef>
+              <a:buFont typeface="Arial" panose="020B0604020202020204" pitchFamily="34" charset="0"/>
+              <a:buChar char="•"/>
+              <a:defRPr sz="1800" kern="1200">
+                <a:solidFill>
+                  <a:schemeClr val="tx1"/>
+                </a:solidFill>
+                <a:latin typeface="+mn-lt"/>
+                <a:ea typeface="+mn-ea"/>
+                <a:cs typeface="+mn-cs"/>
+              </a:defRPr>
+            </a:lvl4pPr>
+            <a:lvl5pPr marL="2057400" indent="-228600" algn="l" defTabSz="914400" rtl="0" eaLnBrk="1" latinLnBrk="0" hangingPunct="1">
+              <a:lnSpc>
+                <a:spcPct val="90000"/>
+              </a:lnSpc>
+              <a:spcBef>
+                <a:spcPts val="500"/>
+              </a:spcBef>
+              <a:buFont typeface="Arial" panose="020B0604020202020204" pitchFamily="34" charset="0"/>
+              <a:buChar char="•"/>
+              <a:defRPr sz="1800" kern="1200">
+                <a:solidFill>
+                  <a:schemeClr val="tx1"/>
+                </a:solidFill>
+                <a:latin typeface="+mn-lt"/>
+                <a:ea typeface="+mn-ea"/>
+                <a:cs typeface="+mn-cs"/>
+              </a:defRPr>
+            </a:lvl5pPr>
+            <a:lvl6pPr marL="2514600" indent="-228600" algn="l" defTabSz="914400" rtl="0" eaLnBrk="1" latinLnBrk="0" hangingPunct="1">
+              <a:lnSpc>
+                <a:spcPct val="90000"/>
+              </a:lnSpc>
+              <a:spcBef>
+                <a:spcPts val="500"/>
+              </a:spcBef>
+              <a:buFont typeface="Arial" panose="020B0604020202020204" pitchFamily="34" charset="0"/>
+              <a:buChar char="•"/>
+              <a:defRPr sz="1800" kern="1200">
+                <a:solidFill>
+                  <a:schemeClr val="tx1"/>
+                </a:solidFill>
+                <a:latin typeface="+mn-lt"/>
+                <a:ea typeface="+mn-ea"/>
+                <a:cs typeface="+mn-cs"/>
+              </a:defRPr>
+            </a:lvl6pPr>
+            <a:lvl7pPr marL="2971800" indent="-228600" algn="l" defTabSz="914400" rtl="0" eaLnBrk="1" latinLnBrk="0" hangingPunct="1">
+              <a:lnSpc>
+                <a:spcPct val="90000"/>
+              </a:lnSpc>
+              <a:spcBef>
+                <a:spcPts val="500"/>
+              </a:spcBef>
+              <a:buFont typeface="Arial" panose="020B0604020202020204" pitchFamily="34" charset="0"/>
+              <a:buChar char="•"/>
+              <a:defRPr sz="1800" kern="1200">
+                <a:solidFill>
+                  <a:schemeClr val="tx1"/>
+                </a:solidFill>
+                <a:latin typeface="+mn-lt"/>
+                <a:ea typeface="+mn-ea"/>
+                <a:cs typeface="+mn-cs"/>
+              </a:defRPr>
+            </a:lvl7pPr>
+            <a:lvl8pPr marL="3429000" indent="-228600" algn="l" defTabSz="914400" rtl="0" eaLnBrk="1" latinLnBrk="0" hangingPunct="1">
+              <a:lnSpc>
+                <a:spcPct val="90000"/>
+              </a:lnSpc>
+              <a:spcBef>
+                <a:spcPts val="500"/>
+              </a:spcBef>
+              <a:buFont typeface="Arial" panose="020B0604020202020204" pitchFamily="34" charset="0"/>
+              <a:buChar char="•"/>
+              <a:defRPr sz="1800" kern="1200">
+                <a:solidFill>
+                  <a:schemeClr val="tx1"/>
+                </a:solidFill>
+                <a:latin typeface="+mn-lt"/>
+                <a:ea typeface="+mn-ea"/>
+                <a:cs typeface="+mn-cs"/>
+              </a:defRPr>
+            </a:lvl8pPr>
+            <a:lvl9pPr marL="3886200" indent="-228600" algn="l" defTabSz="914400" rtl="0" eaLnBrk="1" latinLnBrk="0" hangingPunct="1">
+              <a:lnSpc>
+                <a:spcPct val="90000"/>
+              </a:lnSpc>
+              <a:spcBef>
+                <a:spcPts val="500"/>
+              </a:spcBef>
+              <a:buFont typeface="Arial" panose="020B0604020202020204" pitchFamily="34" charset="0"/>
+              <a:buChar char="•"/>
+              <a:defRPr sz="1800" kern="1200">
+                <a:solidFill>
+                  <a:schemeClr val="tx1"/>
+                </a:solidFill>
+                <a:latin typeface="+mn-lt"/>
+                <a:ea typeface="+mn-ea"/>
+                <a:cs typeface="+mn-cs"/>
+              </a:defRPr>
+            </a:lvl9pPr>
+          </a:lstStyle>
+          <a:p>
+            <a:pPr marL="0" indent="0" algn="ctr">
+              <a:buNone/>
+            </a:pPr>
+            <a:endParaRPr lang="en-US" dirty="0"/>
+          </a:p>
+        </p:txBody>
+      </p:sp>
+      <p:pic>
+        <p:nvPicPr>
+          <p:cNvPr id="13" name="Picture 12" descr="A picture containing screenshot&#10;&#10;Description automatically generated">
+            <a:extLst>
+              <a:ext uri="{FF2B5EF4-FFF2-40B4-BE49-F238E27FC236}">
+                <a16:creationId xmlns:a16="http://schemas.microsoft.com/office/drawing/2014/main" id="{09A5B7F6-DF4D-47BA-B15B-D9B2D721AF1C}"/>
+              </a:ext>
+            </a:extLst>
+          </p:cNvPr>
+          <p:cNvPicPr>
+            <a:picLocks noChangeAspect="1"/>
+          </p:cNvPicPr>
+          <p:nvPr/>
+        </p:nvPicPr>
+        <p:blipFill>
+          <a:blip r:embed="rId2">
+            <a:extLst>
+              <a:ext uri="{28A0092B-C50C-407E-A947-70E740481C1C}">
+                <a14:useLocalDpi xmlns:a14="http://schemas.microsoft.com/office/drawing/2010/main" val="0"/>
+              </a:ext>
+            </a:extLst>
+          </a:blip>
+          <a:stretch>
+            <a:fillRect/>
+          </a:stretch>
+        </p:blipFill>
+        <p:spPr>
+          <a:xfrm>
+            <a:off x="2230433" y="866287"/>
+            <a:ext cx="7258353" cy="3789223"/>
+          </a:xfrm>
+          <a:prstGeom prst="rect">
+            <a:avLst/>
+          </a:prstGeom>
+        </p:spPr>
+      </p:pic>
+      <p:pic>
+        <p:nvPicPr>
+          <p:cNvPr id="19" name="Picture 18" descr="A screenshot of a social media post&#10;&#10;Description automatically generated">
+            <a:extLst>
+              <a:ext uri="{FF2B5EF4-FFF2-40B4-BE49-F238E27FC236}">
+                <a16:creationId xmlns:a16="http://schemas.microsoft.com/office/drawing/2014/main" id="{44A60C37-E8C7-49C0-8C2B-B7DC419A577E}"/>
+              </a:ext>
+            </a:extLst>
+          </p:cNvPr>
+          <p:cNvPicPr>
+            <a:picLocks noChangeAspect="1"/>
+          </p:cNvPicPr>
+          <p:nvPr/>
+        </p:nvPicPr>
+        <p:blipFill>
+          <a:blip r:embed="rId3">
+            <a:extLst>
+              <a:ext uri="{28A0092B-C50C-407E-A947-70E740481C1C}">
+                <a14:useLocalDpi xmlns:a14="http://schemas.microsoft.com/office/drawing/2010/main" val="0"/>
+              </a:ext>
+            </a:extLst>
+          </a:blip>
+          <a:stretch>
+            <a:fillRect/>
+          </a:stretch>
+        </p:blipFill>
+        <p:spPr>
+          <a:xfrm>
+            <a:off x="1205095" y="4904194"/>
+            <a:ext cx="10065178" cy="1747845"/>
+          </a:xfrm>
+          <a:prstGeom prst="rect">
+            <a:avLst/>
+          </a:prstGeom>
+        </p:spPr>
+      </p:pic>
+      <p:pic>
+        <p:nvPicPr>
+          <p:cNvPr id="5" name="Picture 4">
+            <a:extLst>
+              <a:ext uri="{FF2B5EF4-FFF2-40B4-BE49-F238E27FC236}">
+                <a16:creationId xmlns:a16="http://schemas.microsoft.com/office/drawing/2014/main" id="{2EADA3C5-B22A-40B4-BABD-AAEDDFDF0D08}"/>
+              </a:ext>
+            </a:extLst>
+          </p:cNvPr>
+          <p:cNvPicPr>
+            <a:picLocks noChangeAspect="1"/>
+          </p:cNvPicPr>
+          <p:nvPr/>
+        </p:nvPicPr>
+        <p:blipFill>
+          <a:blip r:embed="rId4">
+            <a:extLst>
+              <a:ext uri="{28A0092B-C50C-407E-A947-70E740481C1C}">
+                <a14:useLocalDpi xmlns:a14="http://schemas.microsoft.com/office/drawing/2010/main" val="0"/>
+              </a:ext>
+            </a:extLst>
+          </a:blip>
+          <a:stretch>
+            <a:fillRect/>
+          </a:stretch>
+        </p:blipFill>
+        <p:spPr>
+          <a:xfrm>
+            <a:off x="459937" y="5005387"/>
+            <a:ext cx="11272125" cy="1278397"/>
+          </a:xfrm>
+          <a:prstGeom prst="rect">
+            <a:avLst/>
+          </a:prstGeom>
+        </p:spPr>
+      </p:pic>
     </p:spTree>
     <p:extLst>
       <p:ext uri="{BB962C8B-B14F-4D97-AF65-F5344CB8AC3E}">
-        <p14:creationId xmlns:p14="http://schemas.microsoft.com/office/powerpoint/2010/main" val="829439772"/>
+        <p14:creationId xmlns:p14="http://schemas.microsoft.com/office/powerpoint/2010/main" val="3674935609"/>
       </p:ext>
     </p:extLst>
   </p:cSld>
   <p:clrMapOvr>
     <a:masterClrMapping/>
   </p:clrMapOvr>
+  <p:timing>
+    <p:tnLst>
+      <p:par>
+        <p:cTn id="1" dur="indefinite" restart="never" nodeType="tmRoot">
+          <p:childTnLst>
+            <p:seq concurrent="1" nextAc="seek">
+              <p:cTn id="2" dur="indefinite" nodeType="mainSeq">
+                <p:childTnLst>
+                  <p:par>
+                    <p:cTn id="3" fill="hold">
+                      <p:stCondLst>
+                        <p:cond delay="indefinite"/>
+                      </p:stCondLst>
+                      <p:childTnLst>
+                        <p:par>
+                          <p:cTn id="4" fill="hold">
+                            <p:stCondLst>
+                              <p:cond delay="0"/>
+                            </p:stCondLst>
+                            <p:childTnLst>
+                              <p:par>
+                                <p:cTn id="5" presetID="1" presetClass="exit" presetSubtype="0" fill="hold" nodeType="clickEffect">
+                                  <p:stCondLst>
+                                    <p:cond delay="0"/>
+                                  </p:stCondLst>
+                                  <p:childTnLst>
+                                    <p:set>
+                                      <p:cBhvr>
+                                        <p:cTn id="6" dur="1" fill="hold">
+                                          <p:stCondLst>
+                                            <p:cond delay="0"/>
+                                          </p:stCondLst>
+                                        </p:cTn>
+                                        <p:tgtEl>
+                                          <p:spTgt spid="5"/>
+                                        </p:tgtEl>
+                                        <p:attrNameLst>
+                                          <p:attrName>style.visibility</p:attrName>
+                                        </p:attrNameLst>
+                                      </p:cBhvr>
+                                      <p:to>
+                                        <p:strVal val="hidden"/>
+                                      </p:to>
+                                    </p:set>
+                                  </p:childTnLst>
+                                </p:cTn>
+                              </p:par>
+                              <p:par>
+                                <p:cTn id="7" presetID="1" presetClass="entr" presetSubtype="0" fill="hold" nodeType="withEffect">
+                                  <p:stCondLst>
+                                    <p:cond delay="0"/>
+                                  </p:stCondLst>
+                                  <p:childTnLst>
+                                    <p:set>
+                                      <p:cBhvr>
+                                        <p:cTn id="8" dur="1" fill="hold">
+                                          <p:stCondLst>
+                                            <p:cond delay="0"/>
+                                          </p:stCondLst>
+                                        </p:cTn>
+                                        <p:tgtEl>
+                                          <p:spTgt spid="19"/>
+                                        </p:tgtEl>
+                                        <p:attrNameLst>
+                                          <p:attrName>style.visibility</p:attrName>
+                                        </p:attrNameLst>
+                                      </p:cBhvr>
+                                      <p:to>
+                                        <p:strVal val="visible"/>
+                                      </p:to>
+                                    </p:set>
+                                  </p:childTnLst>
+                                </p:cTn>
+                              </p:par>
+                            </p:childTnLst>
+                          </p:cTn>
+                        </p:par>
+                      </p:childTnLst>
+                    </p:cTn>
+                  </p:par>
+                </p:childTnLst>
+              </p:cTn>
+              <p:prevCondLst>
+                <p:cond evt="onPrev" delay="0">
+                  <p:tgtEl>
+                    <p:sldTgt/>
+                  </p:tgtEl>
+                </p:cond>
+              </p:prevCondLst>
+              <p:nextCondLst>
+                <p:cond evt="onNext" delay="0">
+                  <p:tgtEl>
+                    <p:sldTgt/>
+                  </p:tgtEl>
+                </p:cond>
+              </p:nextCondLst>
+            </p:seq>
+          </p:childTnLst>
+        </p:cTn>
+      </p:par>
+    </p:tnLst>
+  </p:timing>
 </p:sld>
 </file>
 
 <file path=ppt/slides/slide4.xml><?xml version="1.0" encoding="utf-8"?>
+<p:sld xmlns:a="http://schemas.openxmlformats.org/drawingml/2006/main" xmlns:r="http://schemas.openxmlformats.org/officeDocument/2006/relationships" xmlns:p="http://schemas.openxmlformats.org/presentationml/2006/main">
+  <p:cSld>
+    <p:spTree>
+      <p:nvGrpSpPr>
+        <p:cNvPr id="1" name=""/>
+        <p:cNvGrpSpPr/>
+        <p:nvPr/>
+      </p:nvGrpSpPr>
+      <p:grpSpPr>
+        <a:xfrm>
+          <a:off x="0" y="0"/>
+          <a:ext cx="0" cy="0"/>
+          <a:chOff x="0" y="0"/>
+          <a:chExt cx="0" cy="0"/>
+        </a:xfrm>
+      </p:grpSpPr>
+      <p:sp>
+        <p:nvSpPr>
+          <p:cNvPr id="2" name="Title 1">
+            <a:extLst>
+              <a:ext uri="{FF2B5EF4-FFF2-40B4-BE49-F238E27FC236}">
+                <a16:creationId xmlns:a16="http://schemas.microsoft.com/office/drawing/2014/main" id="{22CA8328-6E6E-4B58-9BD2-B4E4D3777C0D}"/>
+              </a:ext>
+            </a:extLst>
+          </p:cNvPr>
+          <p:cNvSpPr>
+            <a:spLocks noGrp="1"/>
+          </p:cNvSpPr>
+          <p:nvPr>
+            <p:ph type="title"/>
+          </p:nvPr>
+        </p:nvSpPr>
+        <p:spPr>
+          <a:xfrm>
+            <a:off x="838200" y="163000"/>
+            <a:ext cx="10515600" cy="568526"/>
+          </a:xfrm>
+          <a:ln w="12700">
+            <a:solidFill>
+              <a:schemeClr val="tx1"/>
+            </a:solidFill>
+          </a:ln>
+        </p:spPr>
+        <p:txBody>
+          <a:bodyPr>
+            <a:normAutofit fontScale="90000"/>
+          </a:bodyPr>
+          <a:lstStyle/>
+          <a:p>
+            <a:pPr algn="ctr"/>
+            <a:r>
+              <a:rPr lang="en-US" dirty="0"/>
+              <a:t>NEW ROW AFTER COMMA</a:t>
+            </a:r>
+          </a:p>
+        </p:txBody>
+      </p:sp>
+      <p:sp>
+        <p:nvSpPr>
+          <p:cNvPr id="4" name="Content Placeholder 2">
+            <a:extLst>
+              <a:ext uri="{FF2B5EF4-FFF2-40B4-BE49-F238E27FC236}">
+                <a16:creationId xmlns:a16="http://schemas.microsoft.com/office/drawing/2014/main" id="{1CA3E0FE-A404-4805-8384-F4DB772A6840}"/>
+              </a:ext>
+            </a:extLst>
+          </p:cNvPr>
+          <p:cNvSpPr txBox="1">
+            <a:spLocks/>
+          </p:cNvSpPr>
+          <p:nvPr/>
+        </p:nvSpPr>
+        <p:spPr>
+          <a:xfrm>
+            <a:off x="389299" y="855492"/>
+            <a:ext cx="11696771" cy="3924736"/>
+          </a:xfrm>
+          <a:prstGeom prst="rect">
+            <a:avLst/>
+          </a:prstGeom>
+          <a:ln>
+            <a:solidFill>
+              <a:schemeClr val="tx1"/>
+            </a:solidFill>
+          </a:ln>
+        </p:spPr>
+        <p:txBody>
+          <a:bodyPr vert="horz" lIns="91440" tIns="45720" rIns="91440" bIns="45720" rtlCol="0">
+            <a:normAutofit/>
+          </a:bodyPr>
+          <a:lstStyle>
+            <a:lvl1pPr marL="228600" indent="-228600" algn="l" defTabSz="914400" rtl="0" eaLnBrk="1" latinLnBrk="0" hangingPunct="1">
+              <a:lnSpc>
+                <a:spcPct val="90000"/>
+              </a:lnSpc>
+              <a:spcBef>
+                <a:spcPts val="1000"/>
+              </a:spcBef>
+              <a:buFont typeface="Arial" panose="020B0604020202020204" pitchFamily="34" charset="0"/>
+              <a:buChar char="•"/>
+              <a:defRPr sz="2800" kern="1200">
+                <a:solidFill>
+                  <a:schemeClr val="tx1"/>
+                </a:solidFill>
+                <a:latin typeface="+mn-lt"/>
+                <a:ea typeface="+mn-ea"/>
+                <a:cs typeface="+mn-cs"/>
+              </a:defRPr>
+            </a:lvl1pPr>
+            <a:lvl2pPr marL="685800" indent="-228600" algn="l" defTabSz="914400" rtl="0" eaLnBrk="1" latinLnBrk="0" hangingPunct="1">
+              <a:lnSpc>
+                <a:spcPct val="90000"/>
+              </a:lnSpc>
+              <a:spcBef>
+                <a:spcPts val="500"/>
+              </a:spcBef>
+              <a:buFont typeface="Arial" panose="020B0604020202020204" pitchFamily="34" charset="0"/>
+              <a:buChar char="•"/>
+              <a:defRPr sz="2400" kern="1200">
+                <a:solidFill>
+                  <a:schemeClr val="tx1"/>
+                </a:solidFill>
+                <a:latin typeface="+mn-lt"/>
+                <a:ea typeface="+mn-ea"/>
+                <a:cs typeface="+mn-cs"/>
+              </a:defRPr>
+            </a:lvl2pPr>
+            <a:lvl3pPr marL="1143000" indent="-228600" algn="l" defTabSz="914400" rtl="0" eaLnBrk="1" latinLnBrk="0" hangingPunct="1">
+              <a:lnSpc>
+                <a:spcPct val="90000"/>
+              </a:lnSpc>
+              <a:spcBef>
+                <a:spcPts val="500"/>
+              </a:spcBef>
+              <a:buFont typeface="Arial" panose="020B0604020202020204" pitchFamily="34" charset="0"/>
+              <a:buChar char="•"/>
+              <a:defRPr sz="2000" kern="1200">
+                <a:solidFill>
+                  <a:schemeClr val="tx1"/>
+                </a:solidFill>
+                <a:latin typeface="+mn-lt"/>
+                <a:ea typeface="+mn-ea"/>
+                <a:cs typeface="+mn-cs"/>
+              </a:defRPr>
+            </a:lvl3pPr>
+            <a:lvl4pPr marL="1600200" indent="-228600" algn="l" defTabSz="914400" rtl="0" eaLnBrk="1" latinLnBrk="0" hangingPunct="1">
+              <a:lnSpc>
+                <a:spcPct val="90000"/>
+              </a:lnSpc>
+              <a:spcBef>
+                <a:spcPts val="500"/>
+              </a:spcBef>
+              <a:buFont typeface="Arial" panose="020B0604020202020204" pitchFamily="34" charset="0"/>
+              <a:buChar char="•"/>
+              <a:defRPr sz="1800" kern="1200">
+                <a:solidFill>
+                  <a:schemeClr val="tx1"/>
+                </a:solidFill>
+                <a:latin typeface="+mn-lt"/>
+                <a:ea typeface="+mn-ea"/>
+                <a:cs typeface="+mn-cs"/>
+              </a:defRPr>
+            </a:lvl4pPr>
+            <a:lvl5pPr marL="2057400" indent="-228600" algn="l" defTabSz="914400" rtl="0" eaLnBrk="1" latinLnBrk="0" hangingPunct="1">
+              <a:lnSpc>
+                <a:spcPct val="90000"/>
+              </a:lnSpc>
+              <a:spcBef>
+                <a:spcPts val="500"/>
+              </a:spcBef>
+              <a:buFont typeface="Arial" panose="020B0604020202020204" pitchFamily="34" charset="0"/>
+              <a:buChar char="•"/>
+              <a:defRPr sz="1800" kern="1200">
+                <a:solidFill>
+                  <a:schemeClr val="tx1"/>
+                </a:solidFill>
+                <a:latin typeface="+mn-lt"/>
+                <a:ea typeface="+mn-ea"/>
+                <a:cs typeface="+mn-cs"/>
+              </a:defRPr>
+            </a:lvl5pPr>
+            <a:lvl6pPr marL="2514600" indent="-228600" algn="l" defTabSz="914400" rtl="0" eaLnBrk="1" latinLnBrk="0" hangingPunct="1">
+              <a:lnSpc>
+                <a:spcPct val="90000"/>
+              </a:lnSpc>
+              <a:spcBef>
+                <a:spcPts val="500"/>
+              </a:spcBef>
+              <a:buFont typeface="Arial" panose="020B0604020202020204" pitchFamily="34" charset="0"/>
+              <a:buChar char="•"/>
+              <a:defRPr sz="1800" kern="1200">
+                <a:solidFill>
+                  <a:schemeClr val="tx1"/>
+                </a:solidFill>
+                <a:latin typeface="+mn-lt"/>
+                <a:ea typeface="+mn-ea"/>
+                <a:cs typeface="+mn-cs"/>
+              </a:defRPr>
+            </a:lvl6pPr>
+            <a:lvl7pPr marL="2971800" indent="-228600" algn="l" defTabSz="914400" rtl="0" eaLnBrk="1" latinLnBrk="0" hangingPunct="1">
+              <a:lnSpc>
+                <a:spcPct val="90000"/>
+              </a:lnSpc>
+              <a:spcBef>
+                <a:spcPts val="500"/>
+              </a:spcBef>
+              <a:buFont typeface="Arial" panose="020B0604020202020204" pitchFamily="34" charset="0"/>
+              <a:buChar char="•"/>
+              <a:defRPr sz="1800" kern="1200">
+                <a:solidFill>
+                  <a:schemeClr val="tx1"/>
+                </a:solidFill>
+                <a:latin typeface="+mn-lt"/>
+                <a:ea typeface="+mn-ea"/>
+                <a:cs typeface="+mn-cs"/>
+              </a:defRPr>
+            </a:lvl7pPr>
+            <a:lvl8pPr marL="3429000" indent="-228600" algn="l" defTabSz="914400" rtl="0" eaLnBrk="1" latinLnBrk="0" hangingPunct="1">
+              <a:lnSpc>
+                <a:spcPct val="90000"/>
+              </a:lnSpc>
+              <a:spcBef>
+                <a:spcPts val="500"/>
+              </a:spcBef>
+              <a:buFont typeface="Arial" panose="020B0604020202020204" pitchFamily="34" charset="0"/>
+              <a:buChar char="•"/>
+              <a:defRPr sz="1800" kern="1200">
+                <a:solidFill>
+                  <a:schemeClr val="tx1"/>
+                </a:solidFill>
+                <a:latin typeface="+mn-lt"/>
+                <a:ea typeface="+mn-ea"/>
+                <a:cs typeface="+mn-cs"/>
+              </a:defRPr>
+            </a:lvl8pPr>
+            <a:lvl9pPr marL="3886200" indent="-228600" algn="l" defTabSz="914400" rtl="0" eaLnBrk="1" latinLnBrk="0" hangingPunct="1">
+              <a:lnSpc>
+                <a:spcPct val="90000"/>
+              </a:lnSpc>
+              <a:spcBef>
+                <a:spcPts val="500"/>
+              </a:spcBef>
+              <a:buFont typeface="Arial" panose="020B0604020202020204" pitchFamily="34" charset="0"/>
+              <a:buChar char="•"/>
+              <a:defRPr sz="1800" kern="1200">
+                <a:solidFill>
+                  <a:schemeClr val="tx1"/>
+                </a:solidFill>
+                <a:latin typeface="+mn-lt"/>
+                <a:ea typeface="+mn-ea"/>
+                <a:cs typeface="+mn-cs"/>
+              </a:defRPr>
+            </a:lvl9pPr>
+          </a:lstStyle>
+          <a:p>
+            <a:pPr marL="0" indent="0" algn="ctr">
+              <a:buNone/>
+            </a:pPr>
+            <a:endParaRPr lang="en-US" dirty="0"/>
+          </a:p>
+        </p:txBody>
+      </p:sp>
+      <p:pic>
+        <p:nvPicPr>
+          <p:cNvPr id="21" name="Picture 20" descr="A picture containing screenshot&#10;&#10;Description automatically generated">
+            <a:extLst>
+              <a:ext uri="{FF2B5EF4-FFF2-40B4-BE49-F238E27FC236}">
+                <a16:creationId xmlns:a16="http://schemas.microsoft.com/office/drawing/2014/main" id="{78A0A1E1-044F-442E-B696-EC82C89F5CE9}"/>
+              </a:ext>
+            </a:extLst>
+          </p:cNvPr>
+          <p:cNvPicPr>
+            <a:picLocks noChangeAspect="1"/>
+          </p:cNvPicPr>
+          <p:nvPr/>
+        </p:nvPicPr>
+        <p:blipFill>
+          <a:blip r:embed="rId2">
+            <a:extLst>
+              <a:ext uri="{28A0092B-C50C-407E-A947-70E740481C1C}">
+                <a14:useLocalDpi xmlns:a14="http://schemas.microsoft.com/office/drawing/2010/main" val="0"/>
+              </a:ext>
+            </a:extLst>
+          </a:blip>
+          <a:stretch>
+            <a:fillRect/>
+          </a:stretch>
+        </p:blipFill>
+        <p:spPr>
+          <a:xfrm>
+            <a:off x="2312964" y="951025"/>
+            <a:ext cx="7849439" cy="3733669"/>
+          </a:xfrm>
+          <a:prstGeom prst="rect">
+            <a:avLst/>
+          </a:prstGeom>
+        </p:spPr>
+      </p:pic>
+      <p:pic>
+        <p:nvPicPr>
+          <p:cNvPr id="23" name="Picture 22" descr="A screenshot of a social media post&#10;&#10;Description automatically generated">
+            <a:extLst>
+              <a:ext uri="{FF2B5EF4-FFF2-40B4-BE49-F238E27FC236}">
+                <a16:creationId xmlns:a16="http://schemas.microsoft.com/office/drawing/2014/main" id="{07915995-B746-4BFD-910F-24701E0B5D61}"/>
+              </a:ext>
+            </a:extLst>
+          </p:cNvPr>
+          <p:cNvPicPr>
+            <a:picLocks noChangeAspect="1"/>
+          </p:cNvPicPr>
+          <p:nvPr/>
+        </p:nvPicPr>
+        <p:blipFill>
+          <a:blip r:embed="rId3">
+            <a:extLst>
+              <a:ext uri="{28A0092B-C50C-407E-A947-70E740481C1C}">
+                <a14:useLocalDpi xmlns:a14="http://schemas.microsoft.com/office/drawing/2010/main" val="0"/>
+              </a:ext>
+            </a:extLst>
+          </a:blip>
+          <a:stretch>
+            <a:fillRect/>
+          </a:stretch>
+        </p:blipFill>
+        <p:spPr>
+          <a:xfrm>
+            <a:off x="974837" y="5186685"/>
+            <a:ext cx="10525692" cy="1440579"/>
+          </a:xfrm>
+          <a:prstGeom prst="rect">
+            <a:avLst/>
+          </a:prstGeom>
+        </p:spPr>
+      </p:pic>
+      <p:pic>
+        <p:nvPicPr>
+          <p:cNvPr id="25" name="Picture 24">
+            <a:extLst>
+              <a:ext uri="{FF2B5EF4-FFF2-40B4-BE49-F238E27FC236}">
+                <a16:creationId xmlns:a16="http://schemas.microsoft.com/office/drawing/2014/main" id="{4EF313AA-4CBD-4F78-8BEF-9D8D70585E78}"/>
+              </a:ext>
+            </a:extLst>
+          </p:cNvPr>
+          <p:cNvPicPr>
+            <a:picLocks noChangeAspect="1"/>
+          </p:cNvPicPr>
+          <p:nvPr/>
+        </p:nvPicPr>
+        <p:blipFill>
+          <a:blip r:embed="rId4">
+            <a:extLst>
+              <a:ext uri="{28A0092B-C50C-407E-A947-70E740481C1C}">
+                <a14:useLocalDpi xmlns:a14="http://schemas.microsoft.com/office/drawing/2010/main" val="0"/>
+              </a:ext>
+            </a:extLst>
+          </a:blip>
+          <a:stretch>
+            <a:fillRect/>
+          </a:stretch>
+        </p:blipFill>
+        <p:spPr>
+          <a:xfrm>
+            <a:off x="804863" y="5341026"/>
+            <a:ext cx="10865640" cy="661481"/>
+          </a:xfrm>
+          <a:prstGeom prst="rect">
+            <a:avLst/>
+          </a:prstGeom>
+        </p:spPr>
+      </p:pic>
+      <p:pic>
+        <p:nvPicPr>
+          <p:cNvPr id="27" name="Picture 26" descr="A screenshot of a social media post&#10;&#10;Description automatically generated">
+            <a:extLst>
+              <a:ext uri="{FF2B5EF4-FFF2-40B4-BE49-F238E27FC236}">
+                <a16:creationId xmlns:a16="http://schemas.microsoft.com/office/drawing/2014/main" id="{27F28570-7638-47D5-B4EA-68CFC632BA78}"/>
+              </a:ext>
+            </a:extLst>
+          </p:cNvPr>
+          <p:cNvPicPr>
+            <a:picLocks noChangeAspect="1"/>
+          </p:cNvPicPr>
+          <p:nvPr/>
+        </p:nvPicPr>
+        <p:blipFill>
+          <a:blip r:embed="rId5">
+            <a:extLst>
+              <a:ext uri="{28A0092B-C50C-407E-A947-70E740481C1C}">
+                <a14:useLocalDpi xmlns:a14="http://schemas.microsoft.com/office/drawing/2010/main" val="0"/>
+              </a:ext>
+            </a:extLst>
+          </a:blip>
+          <a:stretch>
+            <a:fillRect/>
+          </a:stretch>
+        </p:blipFill>
+        <p:spPr>
+          <a:xfrm rot="1130566">
+            <a:off x="2652333" y="597860"/>
+            <a:ext cx="5119129" cy="8538962"/>
+          </a:xfrm>
+          <a:prstGeom prst="rect">
+            <a:avLst/>
+          </a:prstGeom>
+        </p:spPr>
+      </p:pic>
+    </p:spTree>
+    <p:extLst>
+      <p:ext uri="{BB962C8B-B14F-4D97-AF65-F5344CB8AC3E}">
+        <p14:creationId xmlns:p14="http://schemas.microsoft.com/office/powerpoint/2010/main" val="4202726104"/>
+      </p:ext>
+    </p:extLst>
+  </p:cSld>
+  <p:clrMapOvr>
+    <a:masterClrMapping/>
+  </p:clrMapOvr>
+  <p:timing>
+    <p:tnLst>
+      <p:par>
+        <p:cTn id="1" dur="indefinite" restart="never" nodeType="tmRoot">
+          <p:childTnLst>
+            <p:seq concurrent="1" nextAc="seek">
+              <p:cTn id="2" dur="indefinite" nodeType="mainSeq">
+                <p:childTnLst>
+                  <p:par>
+                    <p:cTn id="3" fill="hold">
+                      <p:stCondLst>
+                        <p:cond delay="indefinite"/>
+                      </p:stCondLst>
+                      <p:childTnLst>
+                        <p:par>
+                          <p:cTn id="4" fill="hold">
+                            <p:stCondLst>
+                              <p:cond delay="0"/>
+                            </p:stCondLst>
+                            <p:childTnLst>
+                              <p:par>
+                                <p:cTn id="5" presetID="1" presetClass="exit" presetSubtype="0" fill="hold" nodeType="clickEffect">
+                                  <p:stCondLst>
+                                    <p:cond delay="0"/>
+                                  </p:stCondLst>
+                                  <p:childTnLst>
+                                    <p:set>
+                                      <p:cBhvr>
+                                        <p:cTn id="6" dur="1" fill="hold">
+                                          <p:stCondLst>
+                                            <p:cond delay="0"/>
+                                          </p:stCondLst>
+                                        </p:cTn>
+                                        <p:tgtEl>
+                                          <p:spTgt spid="25"/>
+                                        </p:tgtEl>
+                                        <p:attrNameLst>
+                                          <p:attrName>style.visibility</p:attrName>
+                                        </p:attrNameLst>
+                                      </p:cBhvr>
+                                      <p:to>
+                                        <p:strVal val="hidden"/>
+                                      </p:to>
+                                    </p:set>
+                                  </p:childTnLst>
+                                </p:cTn>
+                              </p:par>
+                              <p:par>
+                                <p:cTn id="7" presetID="1" presetClass="entr" presetSubtype="0" fill="hold" nodeType="withEffect">
+                                  <p:stCondLst>
+                                    <p:cond delay="0"/>
+                                  </p:stCondLst>
+                                  <p:childTnLst>
+                                    <p:set>
+                                      <p:cBhvr>
+                                        <p:cTn id="8" dur="1" fill="hold">
+                                          <p:stCondLst>
+                                            <p:cond delay="0"/>
+                                          </p:stCondLst>
+                                        </p:cTn>
+                                        <p:tgtEl>
+                                          <p:spTgt spid="23"/>
+                                        </p:tgtEl>
+                                        <p:attrNameLst>
+                                          <p:attrName>style.visibility</p:attrName>
+                                        </p:attrNameLst>
+                                      </p:cBhvr>
+                                      <p:to>
+                                        <p:strVal val="visible"/>
+                                      </p:to>
+                                    </p:set>
+                                  </p:childTnLst>
+                                </p:cTn>
+                              </p:par>
+                            </p:childTnLst>
+                          </p:cTn>
+                        </p:par>
+                      </p:childTnLst>
+                    </p:cTn>
+                  </p:par>
+                  <p:par>
+                    <p:cTn id="9" fill="hold">
+                      <p:stCondLst>
+                        <p:cond delay="indefinite"/>
+                      </p:stCondLst>
+                      <p:childTnLst>
+                        <p:par>
+                          <p:cTn id="10" fill="hold">
+                            <p:stCondLst>
+                              <p:cond delay="0"/>
+                            </p:stCondLst>
+                            <p:childTnLst>
+                              <p:par>
+                                <p:cTn id="11" presetID="1" presetClass="entr" presetSubtype="0" fill="hold" nodeType="clickEffect">
+                                  <p:stCondLst>
+                                    <p:cond delay="0"/>
+                                  </p:stCondLst>
+                                  <p:childTnLst>
+                                    <p:set>
+                                      <p:cBhvr>
+                                        <p:cTn id="12" dur="1" fill="hold">
+                                          <p:stCondLst>
+                                            <p:cond delay="0"/>
+                                          </p:stCondLst>
+                                        </p:cTn>
+                                        <p:tgtEl>
+                                          <p:spTgt spid="27"/>
+                                        </p:tgtEl>
+                                        <p:attrNameLst>
+                                          <p:attrName>style.visibility</p:attrName>
+                                        </p:attrNameLst>
+                                      </p:cBhvr>
+                                      <p:to>
+                                        <p:strVal val="visible"/>
+                                      </p:to>
+                                    </p:set>
+                                  </p:childTnLst>
+                                </p:cTn>
+                              </p:par>
+                            </p:childTnLst>
+                          </p:cTn>
+                        </p:par>
+                      </p:childTnLst>
+                    </p:cTn>
+                  </p:par>
+                </p:childTnLst>
+              </p:cTn>
+              <p:prevCondLst>
+                <p:cond evt="onPrev" delay="0">
+                  <p:tgtEl>
+                    <p:sldTgt/>
+                  </p:tgtEl>
+                </p:cond>
+              </p:prevCondLst>
+              <p:nextCondLst>
+                <p:cond evt="onNext" delay="0">
+                  <p:tgtEl>
+                    <p:sldTgt/>
+                  </p:tgtEl>
+                </p:cond>
+              </p:nextCondLst>
+            </p:seq>
+          </p:childTnLst>
+        </p:cTn>
+      </p:par>
+    </p:tnLst>
+  </p:timing>
+</p:sld>
+</file>
+
+<file path=ppt/slides/slide5.xml><?xml version="1.0" encoding="utf-8"?>
 <p:sld xmlns:a="http://schemas.openxmlformats.org/drawingml/2006/main" xmlns:r="http://schemas.openxmlformats.org/officeDocument/2006/relationships" xmlns:p="http://schemas.openxmlformats.org/presentationml/2006/main">
   <p:cSld>
     <p:spTree>
@@ -4522,89 +6264,6 @@
 </p:sld>
 </file>
 
-<file path=ppt/slides/slide5.xml><?xml version="1.0" encoding="utf-8"?>
-<p:sld xmlns:a="http://schemas.openxmlformats.org/drawingml/2006/main" xmlns:r="http://schemas.openxmlformats.org/officeDocument/2006/relationships" xmlns:p="http://schemas.openxmlformats.org/presentationml/2006/main">
-  <p:cSld>
-    <p:spTree>
-      <p:nvGrpSpPr>
-        <p:cNvPr id="1" name=""/>
-        <p:cNvGrpSpPr/>
-        <p:nvPr/>
-      </p:nvGrpSpPr>
-      <p:grpSpPr>
-        <a:xfrm>
-          <a:off x="0" y="0"/>
-          <a:ext cx="0" cy="0"/>
-          <a:chOff x="0" y="0"/>
-          <a:chExt cx="0" cy="0"/>
-        </a:xfrm>
-      </p:grpSpPr>
-      <p:sp>
-        <p:nvSpPr>
-          <p:cNvPr id="2" name="Title 1">
-            <a:extLst>
-              <a:ext uri="{FF2B5EF4-FFF2-40B4-BE49-F238E27FC236}">
-                <a16:creationId xmlns:a16="http://schemas.microsoft.com/office/drawing/2014/main" id="{968A8351-CEEE-4735-9778-691F5FC938A3}"/>
-              </a:ext>
-            </a:extLst>
-          </p:cNvPr>
-          <p:cNvSpPr>
-            <a:spLocks noGrp="1"/>
-          </p:cNvSpPr>
-          <p:nvPr>
-            <p:ph type="title"/>
-          </p:nvPr>
-        </p:nvSpPr>
-        <p:spPr/>
-        <p:txBody>
-          <a:bodyPr/>
-          <a:lstStyle/>
-          <a:p>
-            <a:r>
-              <a:rPr lang="en-US" dirty="0"/>
-              <a:t>CRIME COUNTS_KARL</a:t>
-            </a:r>
-          </a:p>
-        </p:txBody>
-      </p:sp>
-      <p:sp>
-        <p:nvSpPr>
-          <p:cNvPr id="3" name="Content Placeholder 2">
-            <a:extLst>
-              <a:ext uri="{FF2B5EF4-FFF2-40B4-BE49-F238E27FC236}">
-                <a16:creationId xmlns:a16="http://schemas.microsoft.com/office/drawing/2014/main" id="{60F7CB68-4262-4F5F-8925-694DFB70FA47}"/>
-              </a:ext>
-            </a:extLst>
-          </p:cNvPr>
-          <p:cNvSpPr>
-            <a:spLocks noGrp="1"/>
-          </p:cNvSpPr>
-          <p:nvPr>
-            <p:ph idx="1"/>
-          </p:nvPr>
-        </p:nvSpPr>
-        <p:spPr/>
-        <p:txBody>
-          <a:bodyPr/>
-          <a:lstStyle/>
-          <a:p>
-            <a:endParaRPr lang="en-US"/>
-          </a:p>
-        </p:txBody>
-      </p:sp>
-    </p:spTree>
-    <p:extLst>
-      <p:ext uri="{BB962C8B-B14F-4D97-AF65-F5344CB8AC3E}">
-        <p14:creationId xmlns:p14="http://schemas.microsoft.com/office/powerpoint/2010/main" val="335705882"/>
-      </p:ext>
-    </p:extLst>
-  </p:cSld>
-  <p:clrMapOvr>
-    <a:masterClrMapping/>
-  </p:clrMapOvr>
-</p:sld>
-</file>
-
 <file path=ppt/slides/slide6.xml><?xml version="1.0" encoding="utf-8"?>
 <p:sld xmlns:a="http://schemas.openxmlformats.org/drawingml/2006/main" xmlns:r="http://schemas.openxmlformats.org/officeDocument/2006/relationships" xmlns:p="http://schemas.openxmlformats.org/presentationml/2006/main">
   <p:cSld>
@@ -4624,353 +6283,22 @@
       </p:grpSpPr>
       <p:sp>
         <p:nvSpPr>
-          <p:cNvPr id="2" name="Title 1">
-            <a:extLst>
-              <a:ext uri="{FF2B5EF4-FFF2-40B4-BE49-F238E27FC236}">
-                <a16:creationId xmlns:a16="http://schemas.microsoft.com/office/drawing/2014/main" id="{0F6D9381-FE95-4167-B022-CF2C2302DB19}"/>
-              </a:ext>
-            </a:extLst>
-          </p:cNvPr>
-          <p:cNvSpPr>
-            <a:spLocks noGrp="1"/>
-          </p:cNvSpPr>
-          <p:nvPr>
-            <p:ph type="title"/>
-          </p:nvPr>
-        </p:nvSpPr>
-        <p:spPr/>
-        <p:txBody>
-          <a:bodyPr/>
-          <a:lstStyle/>
-          <a:p>
-            <a:r>
-              <a:rPr lang="en-US" dirty="0"/>
-              <a:t>SCATTER PLOT _KARL</a:t>
-            </a:r>
-          </a:p>
-        </p:txBody>
-      </p:sp>
-      <p:sp>
-        <p:nvSpPr>
-          <p:cNvPr id="3" name="Content Placeholder 2">
-            <a:extLst>
-              <a:ext uri="{FF2B5EF4-FFF2-40B4-BE49-F238E27FC236}">
-                <a16:creationId xmlns:a16="http://schemas.microsoft.com/office/drawing/2014/main" id="{0058C12E-7848-4A57-941D-3D9377DAE335}"/>
-              </a:ext>
-            </a:extLst>
-          </p:cNvPr>
-          <p:cNvSpPr>
-            <a:spLocks noGrp="1"/>
-          </p:cNvSpPr>
-          <p:nvPr>
-            <p:ph idx="1"/>
-          </p:nvPr>
-        </p:nvSpPr>
-        <p:spPr/>
-        <p:txBody>
-          <a:bodyPr/>
-          <a:lstStyle/>
-          <a:p>
-            <a:endParaRPr lang="en-US"/>
-          </a:p>
-        </p:txBody>
-      </p:sp>
-    </p:spTree>
-    <p:extLst>
-      <p:ext uri="{BB962C8B-B14F-4D97-AF65-F5344CB8AC3E}">
-        <p14:creationId xmlns:p14="http://schemas.microsoft.com/office/powerpoint/2010/main" val="2253628873"/>
-      </p:ext>
-    </p:extLst>
-  </p:cSld>
-  <p:clrMapOvr>
-    <a:masterClrMapping/>
-  </p:clrMapOvr>
-</p:sld>
-</file>
-
-<file path=ppt/slides/slide7.xml><?xml version="1.0" encoding="utf-8"?>
-<p:sld xmlns:a="http://schemas.openxmlformats.org/drawingml/2006/main" xmlns:r="http://schemas.openxmlformats.org/officeDocument/2006/relationships" xmlns:p="http://schemas.openxmlformats.org/presentationml/2006/main">
-  <p:cSld>
-    <p:spTree>
-      <p:nvGrpSpPr>
-        <p:cNvPr id="1" name=""/>
-        <p:cNvGrpSpPr/>
-        <p:nvPr/>
-      </p:nvGrpSpPr>
-      <p:grpSpPr>
-        <a:xfrm>
-          <a:off x="0" y="0"/>
-          <a:ext cx="0" cy="0"/>
-          <a:chOff x="0" y="0"/>
-          <a:chExt cx="0" cy="0"/>
-        </a:xfrm>
-      </p:grpSpPr>
-      <p:sp>
-        <p:nvSpPr>
-          <p:cNvPr id="2" name="Title 1">
-            <a:extLst>
-              <a:ext uri="{FF2B5EF4-FFF2-40B4-BE49-F238E27FC236}">
-                <a16:creationId xmlns:a16="http://schemas.microsoft.com/office/drawing/2014/main" id="{61F6AF2D-0197-4B43-AE96-ECE52F886B85}"/>
-              </a:ext>
-            </a:extLst>
-          </p:cNvPr>
-          <p:cNvSpPr>
-            <a:spLocks noGrp="1"/>
-          </p:cNvSpPr>
-          <p:nvPr>
-            <p:ph type="title"/>
-          </p:nvPr>
-        </p:nvSpPr>
-        <p:spPr/>
-        <p:txBody>
-          <a:bodyPr/>
-          <a:lstStyle/>
-          <a:p>
-            <a:r>
-              <a:rPr lang="en-US" dirty="0"/>
-              <a:t>CRIME OVER TIME_IRIS</a:t>
-            </a:r>
-          </a:p>
-        </p:txBody>
-      </p:sp>
-      <p:sp>
-        <p:nvSpPr>
-          <p:cNvPr id="3" name="Content Placeholder 2">
-            <a:extLst>
-              <a:ext uri="{FF2B5EF4-FFF2-40B4-BE49-F238E27FC236}">
-                <a16:creationId xmlns:a16="http://schemas.microsoft.com/office/drawing/2014/main" id="{80E506F3-9199-4C33-B025-9EDA82A415B0}"/>
-              </a:ext>
-            </a:extLst>
-          </p:cNvPr>
-          <p:cNvSpPr>
-            <a:spLocks noGrp="1"/>
-          </p:cNvSpPr>
-          <p:nvPr>
-            <p:ph idx="1"/>
-          </p:nvPr>
-        </p:nvSpPr>
-        <p:spPr/>
-        <p:txBody>
-          <a:bodyPr/>
-          <a:lstStyle/>
-          <a:p>
-            <a:endParaRPr lang="en-US"/>
-          </a:p>
-        </p:txBody>
-      </p:sp>
-    </p:spTree>
-    <p:extLst>
-      <p:ext uri="{BB962C8B-B14F-4D97-AF65-F5344CB8AC3E}">
-        <p14:creationId xmlns:p14="http://schemas.microsoft.com/office/powerpoint/2010/main" val="1925816142"/>
-      </p:ext>
-    </p:extLst>
-  </p:cSld>
-  <p:clrMapOvr>
-    <a:masterClrMapping/>
-  </p:clrMapOvr>
-</p:sld>
-</file>
-
-<file path=ppt/slides/slide8.xml><?xml version="1.0" encoding="utf-8"?>
-<p:sld xmlns:a="http://schemas.openxmlformats.org/drawingml/2006/main" xmlns:r="http://schemas.openxmlformats.org/officeDocument/2006/relationships" xmlns:p="http://schemas.openxmlformats.org/presentationml/2006/main">
-  <p:cSld>
-    <p:spTree>
-      <p:nvGrpSpPr>
-        <p:cNvPr id="1" name=""/>
-        <p:cNvGrpSpPr/>
-        <p:nvPr/>
-      </p:nvGrpSpPr>
-      <p:grpSpPr>
-        <a:xfrm>
-          <a:off x="0" y="0"/>
-          <a:ext cx="0" cy="0"/>
-          <a:chOff x="0" y="0"/>
-          <a:chExt cx="0" cy="0"/>
-        </a:xfrm>
-      </p:grpSpPr>
-      <p:sp>
-        <p:nvSpPr>
-          <p:cNvPr id="2" name="Title 1">
-            <a:extLst>
-              <a:ext uri="{FF2B5EF4-FFF2-40B4-BE49-F238E27FC236}">
-                <a16:creationId xmlns:a16="http://schemas.microsoft.com/office/drawing/2014/main" id="{635FB463-BE93-44B7-92D4-9D9B45678901}"/>
-              </a:ext>
-            </a:extLst>
-          </p:cNvPr>
-          <p:cNvSpPr>
-            <a:spLocks noGrp="1"/>
-          </p:cNvSpPr>
-          <p:nvPr>
-            <p:ph type="title"/>
-          </p:nvPr>
-        </p:nvSpPr>
-        <p:spPr/>
-        <p:txBody>
-          <a:bodyPr/>
-          <a:lstStyle/>
-          <a:p>
-            <a:r>
-              <a:rPr lang="en-US" dirty="0"/>
-              <a:t>POSSITION vs CRIME TYPE_IRIS</a:t>
-            </a:r>
-          </a:p>
-        </p:txBody>
-      </p:sp>
-      <p:sp>
-        <p:nvSpPr>
-          <p:cNvPr id="3" name="Content Placeholder 2">
-            <a:extLst>
-              <a:ext uri="{FF2B5EF4-FFF2-40B4-BE49-F238E27FC236}">
-                <a16:creationId xmlns:a16="http://schemas.microsoft.com/office/drawing/2014/main" id="{811F2236-ED62-463C-BD89-B2727D47CD66}"/>
-              </a:ext>
-            </a:extLst>
-          </p:cNvPr>
-          <p:cNvSpPr>
-            <a:spLocks noGrp="1"/>
-          </p:cNvSpPr>
-          <p:nvPr>
-            <p:ph idx="1"/>
-          </p:nvPr>
-        </p:nvSpPr>
-        <p:spPr/>
-        <p:txBody>
-          <a:bodyPr/>
-          <a:lstStyle/>
-          <a:p>
-            <a:endParaRPr lang="en-US"/>
-          </a:p>
-        </p:txBody>
-      </p:sp>
-    </p:spTree>
-    <p:extLst>
-      <p:ext uri="{BB962C8B-B14F-4D97-AF65-F5344CB8AC3E}">
-        <p14:creationId xmlns:p14="http://schemas.microsoft.com/office/powerpoint/2010/main" val="594108148"/>
-      </p:ext>
-    </p:extLst>
-  </p:cSld>
-  <p:clrMapOvr>
-    <a:masterClrMapping/>
-  </p:clrMapOvr>
-</p:sld>
-</file>
-
-<file path=ppt/slides/slide9.xml><?xml version="1.0" encoding="utf-8"?>
-<p:sld xmlns:a="http://schemas.openxmlformats.org/drawingml/2006/main" xmlns:r="http://schemas.openxmlformats.org/officeDocument/2006/relationships" xmlns:p="http://schemas.openxmlformats.org/presentationml/2006/main">
-  <p:cSld>
-    <p:spTree>
-      <p:nvGrpSpPr>
-        <p:cNvPr id="1" name=""/>
-        <p:cNvGrpSpPr/>
-        <p:nvPr/>
-      </p:nvGrpSpPr>
-      <p:grpSpPr>
-        <a:xfrm>
-          <a:off x="0" y="0"/>
-          <a:ext cx="0" cy="0"/>
-          <a:chOff x="0" y="0"/>
-          <a:chExt cx="0" cy="0"/>
-        </a:xfrm>
-      </p:grpSpPr>
-      <p:sp>
-        <p:nvSpPr>
-          <p:cNvPr id="2" name="Title 1">
-            <a:extLst>
-              <a:ext uri="{FF2B5EF4-FFF2-40B4-BE49-F238E27FC236}">
-                <a16:creationId xmlns:a16="http://schemas.microsoft.com/office/drawing/2014/main" id="{22CA8328-6E6E-4B58-9BD2-B4E4D3777C0D}"/>
-              </a:ext>
-            </a:extLst>
-          </p:cNvPr>
-          <p:cNvSpPr>
-            <a:spLocks noGrp="1"/>
-          </p:cNvSpPr>
-          <p:nvPr>
-            <p:ph type="title"/>
-          </p:nvPr>
+          <p:cNvPr id="6" name="Title 1">
+            <a:extLst>
+              <a:ext uri="{FF2B5EF4-FFF2-40B4-BE49-F238E27FC236}">
+                <a16:creationId xmlns:a16="http://schemas.microsoft.com/office/drawing/2014/main" id="{CF6F980E-0812-2F45-A432-F86409520A59}"/>
+              </a:ext>
+            </a:extLst>
+          </p:cNvPr>
+          <p:cNvSpPr txBox="1">
+            <a:spLocks/>
+          </p:cNvSpPr>
+          <p:nvPr/>
         </p:nvSpPr>
         <p:spPr>
           <a:xfrm>
-            <a:off x="838200" y="163000"/>
+            <a:off x="638503" y="289674"/>
             <a:ext cx="10515600" cy="568526"/>
-          </a:xfrm>
-          <a:ln w="28575">
-            <a:solidFill>
-              <a:schemeClr val="tx1"/>
-            </a:solidFill>
-          </a:ln>
-        </p:spPr>
-        <p:txBody>
-          <a:bodyPr>
-            <a:normAutofit fontScale="90000"/>
-          </a:bodyPr>
-          <a:lstStyle/>
-          <a:p>
-            <a:pPr algn="ctr"/>
-            <a:r>
-              <a:rPr lang="en-US" dirty="0"/>
-              <a:t>HEADER – TOPIC/QUESTION</a:t>
-            </a:r>
-          </a:p>
-        </p:txBody>
-      </p:sp>
-      <p:sp>
-        <p:nvSpPr>
-          <p:cNvPr id="3" name="Content Placeholder 2">
-            <a:extLst>
-              <a:ext uri="{FF2B5EF4-FFF2-40B4-BE49-F238E27FC236}">
-                <a16:creationId xmlns:a16="http://schemas.microsoft.com/office/drawing/2014/main" id="{959E261A-2B13-4468-BDF8-ECE1331FFBCB}"/>
-              </a:ext>
-            </a:extLst>
-          </p:cNvPr>
-          <p:cNvSpPr>
-            <a:spLocks noGrp="1"/>
-          </p:cNvSpPr>
-          <p:nvPr>
-            <p:ph idx="1"/>
-          </p:nvPr>
-        </p:nvSpPr>
-        <p:spPr>
-          <a:xfrm>
-            <a:off x="105879" y="1075621"/>
-            <a:ext cx="3378468" cy="5417252"/>
-          </a:xfrm>
-          <a:ln>
-            <a:solidFill>
-              <a:schemeClr val="tx1"/>
-            </a:solidFill>
-          </a:ln>
-        </p:spPr>
-        <p:txBody>
-          <a:bodyPr/>
-          <a:lstStyle/>
-          <a:p>
-            <a:pPr marL="0" indent="0" algn="ctr">
-              <a:buNone/>
-            </a:pPr>
-            <a:r>
-              <a:rPr lang="en-US" dirty="0"/>
-              <a:t>CODE IMAGE</a:t>
-            </a:r>
-          </a:p>
-        </p:txBody>
-      </p:sp>
-      <p:sp>
-        <p:nvSpPr>
-          <p:cNvPr id="4" name="Content Placeholder 2">
-            <a:extLst>
-              <a:ext uri="{FF2B5EF4-FFF2-40B4-BE49-F238E27FC236}">
-                <a16:creationId xmlns:a16="http://schemas.microsoft.com/office/drawing/2014/main" id="{1CA3E0FE-A404-4805-8384-F4DB772A6840}"/>
-              </a:ext>
-            </a:extLst>
-          </p:cNvPr>
-          <p:cNvSpPr txBox="1">
-            <a:spLocks/>
-          </p:cNvSpPr>
-          <p:nvPr/>
-        </p:nvSpPr>
-        <p:spPr>
-          <a:xfrm>
-            <a:off x="4406766" y="1075621"/>
-            <a:ext cx="3378468" cy="5417252"/>
           </a:xfrm>
           <a:prstGeom prst="rect">
             <a:avLst/>
@@ -4982,190 +6310,76 @@
           </a:ln>
         </p:spPr>
         <p:txBody>
-          <a:bodyPr vert="horz" lIns="91440" tIns="45720" rIns="91440" bIns="45720" rtlCol="0">
-            <a:normAutofit/>
+          <a:bodyPr vert="horz" lIns="91440" tIns="45720" rIns="91440" bIns="45720" rtlCol="0" anchor="ctr">
+            <a:normAutofit fontScale="60000" lnSpcReduction="20000"/>
           </a:bodyPr>
           <a:lstStyle>
-            <a:lvl1pPr marL="228600" indent="-228600" algn="l" defTabSz="914400" rtl="0" eaLnBrk="1" latinLnBrk="0" hangingPunct="1">
-              <a:lnSpc>
-                <a:spcPct val="90000"/>
-              </a:lnSpc>
-              <a:spcBef>
-                <a:spcPts val="1000"/>
-              </a:spcBef>
-              <a:buFont typeface="Arial" panose="020B0604020202020204" pitchFamily="34" charset="0"/>
-              <a:buChar char="•"/>
-              <a:defRPr sz="2800" kern="1200">
-                <a:solidFill>
-                  <a:schemeClr val="tx1"/>
-                </a:solidFill>
-                <a:latin typeface="+mn-lt"/>
-                <a:ea typeface="+mn-ea"/>
-                <a:cs typeface="+mn-cs"/>
+            <a:lvl1pPr algn="l" defTabSz="914400" rtl="0" eaLnBrk="1" latinLnBrk="0" hangingPunct="1">
+              <a:lnSpc>
+                <a:spcPct val="90000"/>
+              </a:lnSpc>
+              <a:spcBef>
+                <a:spcPct val="0"/>
+              </a:spcBef>
+              <a:buNone/>
+              <a:defRPr sz="4400" kern="1200">
+                <a:solidFill>
+                  <a:schemeClr val="tx1"/>
+                </a:solidFill>
+                <a:latin typeface="+mj-lt"/>
+                <a:ea typeface="+mj-ea"/>
+                <a:cs typeface="+mj-cs"/>
               </a:defRPr>
             </a:lvl1pPr>
-            <a:lvl2pPr marL="685800" indent="-228600" algn="l" defTabSz="914400" rtl="0" eaLnBrk="1" latinLnBrk="0" hangingPunct="1">
-              <a:lnSpc>
-                <a:spcPct val="90000"/>
-              </a:lnSpc>
-              <a:spcBef>
-                <a:spcPts val="500"/>
-              </a:spcBef>
-              <a:buFont typeface="Arial" panose="020B0604020202020204" pitchFamily="34" charset="0"/>
-              <a:buChar char="•"/>
-              <a:defRPr sz="2400" kern="1200">
-                <a:solidFill>
-                  <a:schemeClr val="tx1"/>
-                </a:solidFill>
-                <a:latin typeface="+mn-lt"/>
-                <a:ea typeface="+mn-ea"/>
-                <a:cs typeface="+mn-cs"/>
-              </a:defRPr>
-            </a:lvl2pPr>
-            <a:lvl3pPr marL="1143000" indent="-228600" algn="l" defTabSz="914400" rtl="0" eaLnBrk="1" latinLnBrk="0" hangingPunct="1">
-              <a:lnSpc>
-                <a:spcPct val="90000"/>
-              </a:lnSpc>
-              <a:spcBef>
-                <a:spcPts val="500"/>
-              </a:spcBef>
-              <a:buFont typeface="Arial" panose="020B0604020202020204" pitchFamily="34" charset="0"/>
-              <a:buChar char="•"/>
-              <a:defRPr sz="2000" kern="1200">
-                <a:solidFill>
-                  <a:schemeClr val="tx1"/>
-                </a:solidFill>
-                <a:latin typeface="+mn-lt"/>
-                <a:ea typeface="+mn-ea"/>
-                <a:cs typeface="+mn-cs"/>
-              </a:defRPr>
-            </a:lvl3pPr>
-            <a:lvl4pPr marL="1600200" indent="-228600" algn="l" defTabSz="914400" rtl="0" eaLnBrk="1" latinLnBrk="0" hangingPunct="1">
-              <a:lnSpc>
-                <a:spcPct val="90000"/>
-              </a:lnSpc>
-              <a:spcBef>
-                <a:spcPts val="500"/>
-              </a:spcBef>
-              <a:buFont typeface="Arial" panose="020B0604020202020204" pitchFamily="34" charset="0"/>
-              <a:buChar char="•"/>
-              <a:defRPr sz="1800" kern="1200">
-                <a:solidFill>
-                  <a:schemeClr val="tx1"/>
-                </a:solidFill>
-                <a:latin typeface="+mn-lt"/>
-                <a:ea typeface="+mn-ea"/>
-                <a:cs typeface="+mn-cs"/>
-              </a:defRPr>
-            </a:lvl4pPr>
-            <a:lvl5pPr marL="2057400" indent="-228600" algn="l" defTabSz="914400" rtl="0" eaLnBrk="1" latinLnBrk="0" hangingPunct="1">
-              <a:lnSpc>
-                <a:spcPct val="90000"/>
-              </a:lnSpc>
-              <a:spcBef>
-                <a:spcPts val="500"/>
-              </a:spcBef>
-              <a:buFont typeface="Arial" panose="020B0604020202020204" pitchFamily="34" charset="0"/>
-              <a:buChar char="•"/>
-              <a:defRPr sz="1800" kern="1200">
-                <a:solidFill>
-                  <a:schemeClr val="tx1"/>
-                </a:solidFill>
-                <a:latin typeface="+mn-lt"/>
-                <a:ea typeface="+mn-ea"/>
-                <a:cs typeface="+mn-cs"/>
-              </a:defRPr>
-            </a:lvl5pPr>
-            <a:lvl6pPr marL="2514600" indent="-228600" algn="l" defTabSz="914400" rtl="0" eaLnBrk="1" latinLnBrk="0" hangingPunct="1">
-              <a:lnSpc>
-                <a:spcPct val="90000"/>
-              </a:lnSpc>
-              <a:spcBef>
-                <a:spcPts val="500"/>
-              </a:spcBef>
-              <a:buFont typeface="Arial" panose="020B0604020202020204" pitchFamily="34" charset="0"/>
-              <a:buChar char="•"/>
-              <a:defRPr sz="1800" kern="1200">
-                <a:solidFill>
-                  <a:schemeClr val="tx1"/>
-                </a:solidFill>
-                <a:latin typeface="+mn-lt"/>
-                <a:ea typeface="+mn-ea"/>
-                <a:cs typeface="+mn-cs"/>
-              </a:defRPr>
-            </a:lvl6pPr>
-            <a:lvl7pPr marL="2971800" indent="-228600" algn="l" defTabSz="914400" rtl="0" eaLnBrk="1" latinLnBrk="0" hangingPunct="1">
-              <a:lnSpc>
-                <a:spcPct val="90000"/>
-              </a:lnSpc>
-              <a:spcBef>
-                <a:spcPts val="500"/>
-              </a:spcBef>
-              <a:buFont typeface="Arial" panose="020B0604020202020204" pitchFamily="34" charset="0"/>
-              <a:buChar char="•"/>
-              <a:defRPr sz="1800" kern="1200">
-                <a:solidFill>
-                  <a:schemeClr val="tx1"/>
-                </a:solidFill>
-                <a:latin typeface="+mn-lt"/>
-                <a:ea typeface="+mn-ea"/>
-                <a:cs typeface="+mn-cs"/>
-              </a:defRPr>
-            </a:lvl7pPr>
-            <a:lvl8pPr marL="3429000" indent="-228600" algn="l" defTabSz="914400" rtl="0" eaLnBrk="1" latinLnBrk="0" hangingPunct="1">
-              <a:lnSpc>
-                <a:spcPct val="90000"/>
-              </a:lnSpc>
-              <a:spcBef>
-                <a:spcPts val="500"/>
-              </a:spcBef>
-              <a:buFont typeface="Arial" panose="020B0604020202020204" pitchFamily="34" charset="0"/>
-              <a:buChar char="•"/>
-              <a:defRPr sz="1800" kern="1200">
-                <a:solidFill>
-                  <a:schemeClr val="tx1"/>
-                </a:solidFill>
-                <a:latin typeface="+mn-lt"/>
-                <a:ea typeface="+mn-ea"/>
-                <a:cs typeface="+mn-cs"/>
-              </a:defRPr>
-            </a:lvl8pPr>
-            <a:lvl9pPr marL="3886200" indent="-228600" algn="l" defTabSz="914400" rtl="0" eaLnBrk="1" latinLnBrk="0" hangingPunct="1">
-              <a:lnSpc>
-                <a:spcPct val="90000"/>
-              </a:lnSpc>
-              <a:spcBef>
-                <a:spcPts val="500"/>
-              </a:spcBef>
-              <a:buFont typeface="Arial" panose="020B0604020202020204" pitchFamily="34" charset="0"/>
-              <a:buChar char="•"/>
-              <a:defRPr sz="1800" kern="1200">
-                <a:solidFill>
-                  <a:schemeClr val="tx1"/>
-                </a:solidFill>
-                <a:latin typeface="+mn-lt"/>
-                <a:ea typeface="+mn-ea"/>
-                <a:cs typeface="+mn-cs"/>
-              </a:defRPr>
-            </a:lvl9pPr>
           </a:lstStyle>
           <a:p>
-            <a:pPr marL="0" indent="0" algn="ctr">
-              <a:buNone/>
-            </a:pPr>
+            <a:pPr algn="ctr"/>
+            <a:r>
+              <a:rPr lang="en-US" cap="all" dirty="0"/>
+              <a:t>Total Number of Crimes Committed by Each NFL Team 2000-2020 </a:t>
+            </a:r>
+          </a:p>
+        </p:txBody>
+      </p:sp>
+      <p:sp>
+        <p:nvSpPr>
+          <p:cNvPr id="8" name="Title 7">
+            <a:extLst>
+              <a:ext uri="{FF2B5EF4-FFF2-40B4-BE49-F238E27FC236}">
+                <a16:creationId xmlns:a16="http://schemas.microsoft.com/office/drawing/2014/main" id="{3F8B3222-8F54-7446-AB0F-38614BF06C26}"/>
+              </a:ext>
+            </a:extLst>
+          </p:cNvPr>
+          <p:cNvSpPr>
+            <a:spLocks noGrp="1"/>
+          </p:cNvSpPr>
+          <p:nvPr>
+            <p:ph type="title"/>
+          </p:nvPr>
+        </p:nvSpPr>
+        <p:spPr>
+          <a:xfrm>
+            <a:off x="838200" y="3139856"/>
+            <a:ext cx="10515600" cy="1325563"/>
+          </a:xfrm>
+        </p:spPr>
+        <p:txBody>
+          <a:bodyPr/>
+          <a:lstStyle/>
+          <a:p>
             <a:r>
               <a:rPr lang="en-US" dirty="0"/>
-              <a:t>VISUALIZATION</a:t>
-            </a:r>
-          </a:p>
-        </p:txBody>
-      </p:sp>
-      <p:sp>
-        <p:nvSpPr>
-          <p:cNvPr id="5" name="Content Placeholder 2">
-            <a:extLst>
-              <a:ext uri="{FF2B5EF4-FFF2-40B4-BE49-F238E27FC236}">
-                <a16:creationId xmlns:a16="http://schemas.microsoft.com/office/drawing/2014/main" id="{BB844202-ACD3-47B1-943C-656C576C9E89}"/>
+              <a:t> </a:t>
+            </a:r>
+          </a:p>
+        </p:txBody>
+      </p:sp>
+      <p:sp>
+        <p:nvSpPr>
+          <p:cNvPr id="13" name="Content Placeholder 2">
+            <a:extLst>
+              <a:ext uri="{FF2B5EF4-FFF2-40B4-BE49-F238E27FC236}">
+                <a16:creationId xmlns:a16="http://schemas.microsoft.com/office/drawing/2014/main" id="{87329674-6867-1A49-92B2-72740C1ED66A}"/>
               </a:ext>
             </a:extLst>
           </p:cNvPr>
@@ -5176,8 +6390,8 @@
         </p:nvSpPr>
         <p:spPr>
           <a:xfrm>
-            <a:off x="8707653" y="1075621"/>
-            <a:ext cx="3378468" cy="5417252"/>
+            <a:off x="4061866" y="4995524"/>
+            <a:ext cx="8024256" cy="1497349"/>
           </a:xfrm>
           <a:prstGeom prst="rect">
             <a:avLst/>
@@ -5365,14 +6579,44 @@
               <a:t>ANALYSIS</a:t>
             </a:r>
           </a:p>
+          <a:p>
+            <a:pPr marL="0" indent="0" algn="ctr">
+              <a:buNone/>
+            </a:pPr>
+            <a:r>
+              <a:rPr lang="en-US" sz="1400" dirty="0"/>
+              <a:t>MOST TEAMS BETWEEN 40 – 20 TOTAL CRIMES (1-2 CRIMES PER TEAM PER YEAR)</a:t>
+            </a:r>
+          </a:p>
+          <a:p>
+            <a:pPr marL="0" indent="0" algn="ctr">
+              <a:buNone/>
+            </a:pPr>
+            <a:r>
+              <a:rPr lang="en-US" sz="1400" dirty="0"/>
+              <a:t>MIN, DEN, CIN HAVE COMMITED THE MOST CRIMES</a:t>
+            </a:r>
+          </a:p>
+          <a:p>
+            <a:pPr marL="0" indent="0" algn="ctr">
+              <a:buNone/>
+            </a:pPr>
+            <a:r>
+              <a:rPr lang="en-US" sz="1400" dirty="0"/>
+              <a:t>LAR AND LAC MOVED TO LA IN 2016 AND 2017, RESPECTIVELY </a:t>
+            </a:r>
+          </a:p>
+          <a:p>
+            <a:endParaRPr lang="en-US" dirty="0"/>
+          </a:p>
         </p:txBody>
       </p:sp>
       <p:cxnSp>
         <p:nvCxnSpPr>
-          <p:cNvPr id="7" name="Straight Connector 6">
-            <a:extLst>
-              <a:ext uri="{FF2B5EF4-FFF2-40B4-BE49-F238E27FC236}">
-                <a16:creationId xmlns:a16="http://schemas.microsoft.com/office/drawing/2014/main" id="{AA5E1AE6-12DE-44B7-9E86-667AB34BC707}"/>
+          <p:cNvPr id="14" name="Straight Connector 13">
+            <a:extLst>
+              <a:ext uri="{FF2B5EF4-FFF2-40B4-BE49-F238E27FC236}">
+                <a16:creationId xmlns:a16="http://schemas.microsoft.com/office/drawing/2014/main" id="{85200A7F-667F-8E4D-B0EB-2321747B6588}"/>
               </a:ext>
             </a:extLst>
           </p:cNvPr>
@@ -5382,9 +6626,9 @@
           <p:nvPr/>
         </p:nvCxnSpPr>
         <p:spPr>
-          <a:xfrm>
-            <a:off x="3946359" y="889134"/>
-            <a:ext cx="0" cy="5790225"/>
+          <a:xfrm flipH="1">
+            <a:off x="6268058" y="4871272"/>
+            <a:ext cx="3723373" cy="0"/>
           </a:xfrm>
           <a:prstGeom prst="line">
             <a:avLst/>
@@ -5410,12 +6654,518 @@
           </a:fontRef>
         </p:style>
       </p:cxnSp>
+      <p:pic>
+        <p:nvPicPr>
+          <p:cNvPr id="26" name="Content Placeholder 25">
+            <a:extLst>
+              <a:ext uri="{FF2B5EF4-FFF2-40B4-BE49-F238E27FC236}">
+                <a16:creationId xmlns:a16="http://schemas.microsoft.com/office/drawing/2014/main" id="{2744DDF9-53A0-6241-9662-07B62F162363}"/>
+              </a:ext>
+            </a:extLst>
+          </p:cNvPr>
+          <p:cNvPicPr>
+            <a:picLocks noGrp="1" noChangeAspect="1"/>
+          </p:cNvPicPr>
+          <p:nvPr>
+            <p:ph idx="1"/>
+          </p:nvPr>
+        </p:nvPicPr>
+        <p:blipFill rotWithShape="1">
+          <a:blip r:embed="rId2">
+            <a:extLst>
+              <a:ext uri="{28A0092B-C50C-407E-A947-70E740481C1C}">
+                <a14:useLocalDpi xmlns:a14="http://schemas.microsoft.com/office/drawing/2010/main"/>
+              </a:ext>
+            </a:extLst>
+          </a:blip>
+          <a:srcRect l="8721" r="8820" b="3503"/>
+          <a:stretch/>
+        </p:blipFill>
+        <p:spPr>
+          <a:xfrm>
+            <a:off x="4099669" y="1800138"/>
+            <a:ext cx="7964676" cy="2500840"/>
+          </a:xfrm>
+          <a:ln>
+            <a:solidFill>
+              <a:schemeClr val="tx1"/>
+            </a:solidFill>
+          </a:ln>
+        </p:spPr>
+        <p:style>
+          <a:lnRef idx="2">
+            <a:schemeClr val="dk1">
+              <a:shade val="50000"/>
+            </a:schemeClr>
+          </a:lnRef>
+          <a:fillRef idx="1">
+            <a:schemeClr val="dk1"/>
+          </a:fillRef>
+          <a:effectRef idx="0">
+            <a:schemeClr val="dk1"/>
+          </a:effectRef>
+          <a:fontRef idx="minor">
+            <a:schemeClr val="lt1"/>
+          </a:fontRef>
+        </p:style>
+      </p:pic>
+      <p:sp>
+        <p:nvSpPr>
+          <p:cNvPr id="10" name="Content Placeholder 2">
+            <a:extLst>
+              <a:ext uri="{FF2B5EF4-FFF2-40B4-BE49-F238E27FC236}">
+                <a16:creationId xmlns:a16="http://schemas.microsoft.com/office/drawing/2014/main" id="{6BFAED47-3A69-B949-97AC-59F34F537D51}"/>
+              </a:ext>
+            </a:extLst>
+          </p:cNvPr>
+          <p:cNvSpPr txBox="1">
+            <a:spLocks/>
+          </p:cNvSpPr>
+          <p:nvPr/>
+        </p:nvSpPr>
+        <p:spPr>
+          <a:xfrm>
+            <a:off x="4061865" y="1075620"/>
+            <a:ext cx="8024206" cy="3650381"/>
+          </a:xfrm>
+          <a:prstGeom prst="rect">
+            <a:avLst/>
+          </a:prstGeom>
+          <a:ln>
+            <a:solidFill>
+              <a:schemeClr val="tx1"/>
+            </a:solidFill>
+          </a:ln>
+        </p:spPr>
+        <p:txBody>
+          <a:bodyPr vert="horz" lIns="91440" tIns="45720" rIns="91440" bIns="45720" rtlCol="0">
+            <a:normAutofit/>
+          </a:bodyPr>
+          <a:lstStyle>
+            <a:lvl1pPr marL="228600" indent="-228600" algn="l" defTabSz="914400" rtl="0" eaLnBrk="1" latinLnBrk="0" hangingPunct="1">
+              <a:lnSpc>
+                <a:spcPct val="90000"/>
+              </a:lnSpc>
+              <a:spcBef>
+                <a:spcPts val="1000"/>
+              </a:spcBef>
+              <a:buFont typeface="Arial" panose="020B0604020202020204" pitchFamily="34" charset="0"/>
+              <a:buChar char="•"/>
+              <a:defRPr sz="2800" kern="1200">
+                <a:solidFill>
+                  <a:schemeClr val="tx1"/>
+                </a:solidFill>
+                <a:latin typeface="+mn-lt"/>
+                <a:ea typeface="+mn-ea"/>
+                <a:cs typeface="+mn-cs"/>
+              </a:defRPr>
+            </a:lvl1pPr>
+            <a:lvl2pPr marL="685800" indent="-228600" algn="l" defTabSz="914400" rtl="0" eaLnBrk="1" latinLnBrk="0" hangingPunct="1">
+              <a:lnSpc>
+                <a:spcPct val="90000"/>
+              </a:lnSpc>
+              <a:spcBef>
+                <a:spcPts val="500"/>
+              </a:spcBef>
+              <a:buFont typeface="Arial" panose="020B0604020202020204" pitchFamily="34" charset="0"/>
+              <a:buChar char="•"/>
+              <a:defRPr sz="2400" kern="1200">
+                <a:solidFill>
+                  <a:schemeClr val="tx1"/>
+                </a:solidFill>
+                <a:latin typeface="+mn-lt"/>
+                <a:ea typeface="+mn-ea"/>
+                <a:cs typeface="+mn-cs"/>
+              </a:defRPr>
+            </a:lvl2pPr>
+            <a:lvl3pPr marL="1143000" indent="-228600" algn="l" defTabSz="914400" rtl="0" eaLnBrk="1" latinLnBrk="0" hangingPunct="1">
+              <a:lnSpc>
+                <a:spcPct val="90000"/>
+              </a:lnSpc>
+              <a:spcBef>
+                <a:spcPts val="500"/>
+              </a:spcBef>
+              <a:buFont typeface="Arial" panose="020B0604020202020204" pitchFamily="34" charset="0"/>
+              <a:buChar char="•"/>
+              <a:defRPr sz="2000" kern="1200">
+                <a:solidFill>
+                  <a:schemeClr val="tx1"/>
+                </a:solidFill>
+                <a:latin typeface="+mn-lt"/>
+                <a:ea typeface="+mn-ea"/>
+                <a:cs typeface="+mn-cs"/>
+              </a:defRPr>
+            </a:lvl3pPr>
+            <a:lvl4pPr marL="1600200" indent="-228600" algn="l" defTabSz="914400" rtl="0" eaLnBrk="1" latinLnBrk="0" hangingPunct="1">
+              <a:lnSpc>
+                <a:spcPct val="90000"/>
+              </a:lnSpc>
+              <a:spcBef>
+                <a:spcPts val="500"/>
+              </a:spcBef>
+              <a:buFont typeface="Arial" panose="020B0604020202020204" pitchFamily="34" charset="0"/>
+              <a:buChar char="•"/>
+              <a:defRPr sz="1800" kern="1200">
+                <a:solidFill>
+                  <a:schemeClr val="tx1"/>
+                </a:solidFill>
+                <a:latin typeface="+mn-lt"/>
+                <a:ea typeface="+mn-ea"/>
+                <a:cs typeface="+mn-cs"/>
+              </a:defRPr>
+            </a:lvl4pPr>
+            <a:lvl5pPr marL="2057400" indent="-228600" algn="l" defTabSz="914400" rtl="0" eaLnBrk="1" latinLnBrk="0" hangingPunct="1">
+              <a:lnSpc>
+                <a:spcPct val="90000"/>
+              </a:lnSpc>
+              <a:spcBef>
+                <a:spcPts val="500"/>
+              </a:spcBef>
+              <a:buFont typeface="Arial" panose="020B0604020202020204" pitchFamily="34" charset="0"/>
+              <a:buChar char="•"/>
+              <a:defRPr sz="1800" kern="1200">
+                <a:solidFill>
+                  <a:schemeClr val="tx1"/>
+                </a:solidFill>
+                <a:latin typeface="+mn-lt"/>
+                <a:ea typeface="+mn-ea"/>
+                <a:cs typeface="+mn-cs"/>
+              </a:defRPr>
+            </a:lvl5pPr>
+            <a:lvl6pPr marL="2514600" indent="-228600" algn="l" defTabSz="914400" rtl="0" eaLnBrk="1" latinLnBrk="0" hangingPunct="1">
+              <a:lnSpc>
+                <a:spcPct val="90000"/>
+              </a:lnSpc>
+              <a:spcBef>
+                <a:spcPts val="500"/>
+              </a:spcBef>
+              <a:buFont typeface="Arial" panose="020B0604020202020204" pitchFamily="34" charset="0"/>
+              <a:buChar char="•"/>
+              <a:defRPr sz="1800" kern="1200">
+                <a:solidFill>
+                  <a:schemeClr val="tx1"/>
+                </a:solidFill>
+                <a:latin typeface="+mn-lt"/>
+                <a:ea typeface="+mn-ea"/>
+                <a:cs typeface="+mn-cs"/>
+              </a:defRPr>
+            </a:lvl6pPr>
+            <a:lvl7pPr marL="2971800" indent="-228600" algn="l" defTabSz="914400" rtl="0" eaLnBrk="1" latinLnBrk="0" hangingPunct="1">
+              <a:lnSpc>
+                <a:spcPct val="90000"/>
+              </a:lnSpc>
+              <a:spcBef>
+                <a:spcPts val="500"/>
+              </a:spcBef>
+              <a:buFont typeface="Arial" panose="020B0604020202020204" pitchFamily="34" charset="0"/>
+              <a:buChar char="•"/>
+              <a:defRPr sz="1800" kern="1200">
+                <a:solidFill>
+                  <a:schemeClr val="tx1"/>
+                </a:solidFill>
+                <a:latin typeface="+mn-lt"/>
+                <a:ea typeface="+mn-ea"/>
+                <a:cs typeface="+mn-cs"/>
+              </a:defRPr>
+            </a:lvl7pPr>
+            <a:lvl8pPr marL="3429000" indent="-228600" algn="l" defTabSz="914400" rtl="0" eaLnBrk="1" latinLnBrk="0" hangingPunct="1">
+              <a:lnSpc>
+                <a:spcPct val="90000"/>
+              </a:lnSpc>
+              <a:spcBef>
+                <a:spcPts val="500"/>
+              </a:spcBef>
+              <a:buFont typeface="Arial" panose="020B0604020202020204" pitchFamily="34" charset="0"/>
+              <a:buChar char="•"/>
+              <a:defRPr sz="1800" kern="1200">
+                <a:solidFill>
+                  <a:schemeClr val="tx1"/>
+                </a:solidFill>
+                <a:latin typeface="+mn-lt"/>
+                <a:ea typeface="+mn-ea"/>
+                <a:cs typeface="+mn-cs"/>
+              </a:defRPr>
+            </a:lvl8pPr>
+            <a:lvl9pPr marL="3886200" indent="-228600" algn="l" defTabSz="914400" rtl="0" eaLnBrk="1" latinLnBrk="0" hangingPunct="1">
+              <a:lnSpc>
+                <a:spcPct val="90000"/>
+              </a:lnSpc>
+              <a:spcBef>
+                <a:spcPts val="500"/>
+              </a:spcBef>
+              <a:buFont typeface="Arial" panose="020B0604020202020204" pitchFamily="34" charset="0"/>
+              <a:buChar char="•"/>
+              <a:defRPr sz="1800" kern="1200">
+                <a:solidFill>
+                  <a:schemeClr val="tx1"/>
+                </a:solidFill>
+                <a:latin typeface="+mn-lt"/>
+                <a:ea typeface="+mn-ea"/>
+                <a:cs typeface="+mn-cs"/>
+              </a:defRPr>
+            </a:lvl9pPr>
+          </a:lstStyle>
+          <a:p>
+            <a:pPr marL="0" indent="0" algn="ctr">
+              <a:buNone/>
+            </a:pPr>
+            <a:r>
+              <a:rPr lang="en-US" dirty="0"/>
+              <a:t>VISUALIZATION</a:t>
+            </a:r>
+          </a:p>
+        </p:txBody>
+      </p:sp>
+      <p:pic>
+        <p:nvPicPr>
+          <p:cNvPr id="34" name="Picture 33">
+            <a:extLst>
+              <a:ext uri="{FF2B5EF4-FFF2-40B4-BE49-F238E27FC236}">
+                <a16:creationId xmlns:a16="http://schemas.microsoft.com/office/drawing/2014/main" id="{F5E3470D-9492-0741-BEC3-42D6A41596A6}"/>
+              </a:ext>
+            </a:extLst>
+          </p:cNvPr>
+          <p:cNvPicPr>
+            <a:picLocks noChangeAspect="1"/>
+          </p:cNvPicPr>
+          <p:nvPr/>
+        </p:nvPicPr>
+        <p:blipFill rotWithShape="1">
+          <a:blip r:embed="rId3">
+            <a:extLst>
+              <a:ext uri="{28A0092B-C50C-407E-A947-70E740481C1C}">
+                <a14:useLocalDpi xmlns:a14="http://schemas.microsoft.com/office/drawing/2010/main" val="0"/>
+              </a:ext>
+            </a:extLst>
+          </a:blip>
+          <a:srcRect r="4602"/>
+          <a:stretch/>
+        </p:blipFill>
+        <p:spPr>
+          <a:xfrm>
+            <a:off x="144433" y="1382467"/>
+            <a:ext cx="3700406" cy="4835453"/>
+          </a:xfrm>
+          <a:prstGeom prst="rect">
+            <a:avLst/>
+          </a:prstGeom>
+        </p:spPr>
+      </p:pic>
+      <p:sp>
+        <p:nvSpPr>
+          <p:cNvPr id="5" name="Content Placeholder 2">
+            <a:extLst>
+              <a:ext uri="{FF2B5EF4-FFF2-40B4-BE49-F238E27FC236}">
+                <a16:creationId xmlns:a16="http://schemas.microsoft.com/office/drawing/2014/main" id="{CC49EE19-43D7-8A4A-AFA7-3BC6DA9003F9}"/>
+              </a:ext>
+            </a:extLst>
+          </p:cNvPr>
+          <p:cNvSpPr txBox="1">
+            <a:spLocks/>
+          </p:cNvSpPr>
+          <p:nvPr/>
+        </p:nvSpPr>
+        <p:spPr>
+          <a:xfrm>
+            <a:off x="105878" y="1075620"/>
+            <a:ext cx="3724972" cy="5417252"/>
+          </a:xfrm>
+          <a:prstGeom prst="rect">
+            <a:avLst/>
+          </a:prstGeom>
+          <a:ln>
+            <a:solidFill>
+              <a:schemeClr val="tx1"/>
+            </a:solidFill>
+          </a:ln>
+        </p:spPr>
+        <p:txBody>
+          <a:bodyPr vert="horz" lIns="91440" tIns="45720" rIns="91440" bIns="45720" rtlCol="0">
+            <a:normAutofit/>
+          </a:bodyPr>
+          <a:lstStyle>
+            <a:lvl1pPr marL="228600" indent="-228600" algn="l" defTabSz="914400" rtl="0" eaLnBrk="1" latinLnBrk="0" hangingPunct="1">
+              <a:lnSpc>
+                <a:spcPct val="90000"/>
+              </a:lnSpc>
+              <a:spcBef>
+                <a:spcPts val="1000"/>
+              </a:spcBef>
+              <a:buFont typeface="Arial" panose="020B0604020202020204" pitchFamily="34" charset="0"/>
+              <a:buChar char="•"/>
+              <a:defRPr sz="2800" kern="1200">
+                <a:solidFill>
+                  <a:schemeClr val="tx1"/>
+                </a:solidFill>
+                <a:latin typeface="+mn-lt"/>
+                <a:ea typeface="+mn-ea"/>
+                <a:cs typeface="+mn-cs"/>
+              </a:defRPr>
+            </a:lvl1pPr>
+            <a:lvl2pPr marL="685800" indent="-228600" algn="l" defTabSz="914400" rtl="0" eaLnBrk="1" latinLnBrk="0" hangingPunct="1">
+              <a:lnSpc>
+                <a:spcPct val="90000"/>
+              </a:lnSpc>
+              <a:spcBef>
+                <a:spcPts val="500"/>
+              </a:spcBef>
+              <a:buFont typeface="Arial" panose="020B0604020202020204" pitchFamily="34" charset="0"/>
+              <a:buChar char="•"/>
+              <a:defRPr sz="2400" kern="1200">
+                <a:solidFill>
+                  <a:schemeClr val="tx1"/>
+                </a:solidFill>
+                <a:latin typeface="+mn-lt"/>
+                <a:ea typeface="+mn-ea"/>
+                <a:cs typeface="+mn-cs"/>
+              </a:defRPr>
+            </a:lvl2pPr>
+            <a:lvl3pPr marL="1143000" indent="-228600" algn="l" defTabSz="914400" rtl="0" eaLnBrk="1" latinLnBrk="0" hangingPunct="1">
+              <a:lnSpc>
+                <a:spcPct val="90000"/>
+              </a:lnSpc>
+              <a:spcBef>
+                <a:spcPts val="500"/>
+              </a:spcBef>
+              <a:buFont typeface="Arial" panose="020B0604020202020204" pitchFamily="34" charset="0"/>
+              <a:buChar char="•"/>
+              <a:defRPr sz="2000" kern="1200">
+                <a:solidFill>
+                  <a:schemeClr val="tx1"/>
+                </a:solidFill>
+                <a:latin typeface="+mn-lt"/>
+                <a:ea typeface="+mn-ea"/>
+                <a:cs typeface="+mn-cs"/>
+              </a:defRPr>
+            </a:lvl3pPr>
+            <a:lvl4pPr marL="1600200" indent="-228600" algn="l" defTabSz="914400" rtl="0" eaLnBrk="1" latinLnBrk="0" hangingPunct="1">
+              <a:lnSpc>
+                <a:spcPct val="90000"/>
+              </a:lnSpc>
+              <a:spcBef>
+                <a:spcPts val="500"/>
+              </a:spcBef>
+              <a:buFont typeface="Arial" panose="020B0604020202020204" pitchFamily="34" charset="0"/>
+              <a:buChar char="•"/>
+              <a:defRPr sz="1800" kern="1200">
+                <a:solidFill>
+                  <a:schemeClr val="tx1"/>
+                </a:solidFill>
+                <a:latin typeface="+mn-lt"/>
+                <a:ea typeface="+mn-ea"/>
+                <a:cs typeface="+mn-cs"/>
+              </a:defRPr>
+            </a:lvl4pPr>
+            <a:lvl5pPr marL="2057400" indent="-228600" algn="l" defTabSz="914400" rtl="0" eaLnBrk="1" latinLnBrk="0" hangingPunct="1">
+              <a:lnSpc>
+                <a:spcPct val="90000"/>
+              </a:lnSpc>
+              <a:spcBef>
+                <a:spcPts val="500"/>
+              </a:spcBef>
+              <a:buFont typeface="Arial" panose="020B0604020202020204" pitchFamily="34" charset="0"/>
+              <a:buChar char="•"/>
+              <a:defRPr sz="1800" kern="1200">
+                <a:solidFill>
+                  <a:schemeClr val="tx1"/>
+                </a:solidFill>
+                <a:latin typeface="+mn-lt"/>
+                <a:ea typeface="+mn-ea"/>
+                <a:cs typeface="+mn-cs"/>
+              </a:defRPr>
+            </a:lvl5pPr>
+            <a:lvl6pPr marL="2514600" indent="-228600" algn="l" defTabSz="914400" rtl="0" eaLnBrk="1" latinLnBrk="0" hangingPunct="1">
+              <a:lnSpc>
+                <a:spcPct val="90000"/>
+              </a:lnSpc>
+              <a:spcBef>
+                <a:spcPts val="500"/>
+              </a:spcBef>
+              <a:buFont typeface="Arial" panose="020B0604020202020204" pitchFamily="34" charset="0"/>
+              <a:buChar char="•"/>
+              <a:defRPr sz="1800" kern="1200">
+                <a:solidFill>
+                  <a:schemeClr val="tx1"/>
+                </a:solidFill>
+                <a:latin typeface="+mn-lt"/>
+                <a:ea typeface="+mn-ea"/>
+                <a:cs typeface="+mn-cs"/>
+              </a:defRPr>
+            </a:lvl6pPr>
+            <a:lvl7pPr marL="2971800" indent="-228600" algn="l" defTabSz="914400" rtl="0" eaLnBrk="1" latinLnBrk="0" hangingPunct="1">
+              <a:lnSpc>
+                <a:spcPct val="90000"/>
+              </a:lnSpc>
+              <a:spcBef>
+                <a:spcPts val="500"/>
+              </a:spcBef>
+              <a:buFont typeface="Arial" panose="020B0604020202020204" pitchFamily="34" charset="0"/>
+              <a:buChar char="•"/>
+              <a:defRPr sz="1800" kern="1200">
+                <a:solidFill>
+                  <a:schemeClr val="tx1"/>
+                </a:solidFill>
+                <a:latin typeface="+mn-lt"/>
+                <a:ea typeface="+mn-ea"/>
+                <a:cs typeface="+mn-cs"/>
+              </a:defRPr>
+            </a:lvl7pPr>
+            <a:lvl8pPr marL="3429000" indent="-228600" algn="l" defTabSz="914400" rtl="0" eaLnBrk="1" latinLnBrk="0" hangingPunct="1">
+              <a:lnSpc>
+                <a:spcPct val="90000"/>
+              </a:lnSpc>
+              <a:spcBef>
+                <a:spcPts val="500"/>
+              </a:spcBef>
+              <a:buFont typeface="Arial" panose="020B0604020202020204" pitchFamily="34" charset="0"/>
+              <a:buChar char="•"/>
+              <a:defRPr sz="1800" kern="1200">
+                <a:solidFill>
+                  <a:schemeClr val="tx1"/>
+                </a:solidFill>
+                <a:latin typeface="+mn-lt"/>
+                <a:ea typeface="+mn-ea"/>
+                <a:cs typeface="+mn-cs"/>
+              </a:defRPr>
+            </a:lvl8pPr>
+            <a:lvl9pPr marL="3886200" indent="-228600" algn="l" defTabSz="914400" rtl="0" eaLnBrk="1" latinLnBrk="0" hangingPunct="1">
+              <a:lnSpc>
+                <a:spcPct val="90000"/>
+              </a:lnSpc>
+              <a:spcBef>
+                <a:spcPts val="500"/>
+              </a:spcBef>
+              <a:buFont typeface="Arial" panose="020B0604020202020204" pitchFamily="34" charset="0"/>
+              <a:buChar char="•"/>
+              <a:defRPr sz="1800" kern="1200">
+                <a:solidFill>
+                  <a:schemeClr val="tx1"/>
+                </a:solidFill>
+                <a:latin typeface="+mn-lt"/>
+                <a:ea typeface="+mn-ea"/>
+                <a:cs typeface="+mn-cs"/>
+              </a:defRPr>
+            </a:lvl9pPr>
+          </a:lstStyle>
+          <a:p>
+            <a:pPr marL="0" indent="0" algn="ctr">
+              <a:buFont typeface="Arial" panose="020B0604020202020204" pitchFamily="34" charset="0"/>
+              <a:buNone/>
+            </a:pPr>
+            <a:r>
+              <a:rPr lang="en-US"/>
+              <a:t>CODE</a:t>
+            </a:r>
+            <a:endParaRPr lang="en-US" dirty="0"/>
+          </a:p>
+        </p:txBody>
+      </p:sp>
       <p:cxnSp>
         <p:nvCxnSpPr>
-          <p:cNvPr id="11" name="Straight Connector 10">
-            <a:extLst>
-              <a:ext uri="{FF2B5EF4-FFF2-40B4-BE49-F238E27FC236}">
-                <a16:creationId xmlns:a16="http://schemas.microsoft.com/office/drawing/2014/main" id="{6B497006-B5FE-49D1-8195-C602244D7A89}"/>
+          <p:cNvPr id="15" name="Straight Connector 14">
+            <a:extLst>
+              <a:ext uri="{FF2B5EF4-FFF2-40B4-BE49-F238E27FC236}">
+                <a16:creationId xmlns:a16="http://schemas.microsoft.com/office/drawing/2014/main" id="{5AC9682A-D62C-B44B-A006-4A5A0E6065CD}"/>
               </a:ext>
             </a:extLst>
           </p:cNvPr>
@@ -5426,7 +7176,7 @@
         </p:nvCxnSpPr>
         <p:spPr>
           <a:xfrm>
-            <a:off x="8247247" y="889134"/>
+            <a:off x="3956870" y="983727"/>
             <a:ext cx="0" cy="5790225"/>
           </a:xfrm>
           <a:prstGeom prst="line">
@@ -5456,7 +7206,1353 @@
     </p:spTree>
     <p:extLst>
       <p:ext uri="{BB962C8B-B14F-4D97-AF65-F5344CB8AC3E}">
-        <p14:creationId xmlns:p14="http://schemas.microsoft.com/office/powerpoint/2010/main" val="3263429715"/>
+        <p14:creationId xmlns:p14="http://schemas.microsoft.com/office/powerpoint/2010/main" val="335705882"/>
+      </p:ext>
+    </p:extLst>
+  </p:cSld>
+  <p:clrMapOvr>
+    <a:masterClrMapping/>
+  </p:clrMapOvr>
+</p:sld>
+</file>
+
+<file path=ppt/slides/slide7.xml><?xml version="1.0" encoding="utf-8"?>
+<p:sld xmlns:a="http://schemas.openxmlformats.org/drawingml/2006/main" xmlns:r="http://schemas.openxmlformats.org/officeDocument/2006/relationships" xmlns:p="http://schemas.openxmlformats.org/presentationml/2006/main">
+  <p:cSld>
+    <p:spTree>
+      <p:nvGrpSpPr>
+        <p:cNvPr id="1" name=""/>
+        <p:cNvGrpSpPr/>
+        <p:nvPr/>
+      </p:nvGrpSpPr>
+      <p:grpSpPr>
+        <a:xfrm>
+          <a:off x="0" y="0"/>
+          <a:ext cx="0" cy="0"/>
+          <a:chOff x="0" y="0"/>
+          <a:chExt cx="0" cy="0"/>
+        </a:xfrm>
+      </p:grpSpPr>
+      <p:sp>
+        <p:nvSpPr>
+          <p:cNvPr id="2" name="Title 1">
+            <a:extLst>
+              <a:ext uri="{FF2B5EF4-FFF2-40B4-BE49-F238E27FC236}">
+                <a16:creationId xmlns:a16="http://schemas.microsoft.com/office/drawing/2014/main" id="{0F6D9381-FE95-4167-B022-CF2C2302DB19}"/>
+              </a:ext>
+            </a:extLst>
+          </p:cNvPr>
+          <p:cNvSpPr>
+            <a:spLocks noGrp="1"/>
+          </p:cNvSpPr>
+          <p:nvPr>
+            <p:ph type="title"/>
+          </p:nvPr>
+        </p:nvSpPr>
+        <p:spPr>
+          <a:xfrm>
+            <a:off x="838200" y="2720180"/>
+            <a:ext cx="10515600" cy="1325563"/>
+          </a:xfrm>
+        </p:spPr>
+        <p:txBody>
+          <a:bodyPr/>
+          <a:lstStyle/>
+          <a:p>
+            <a:r>
+              <a:rPr lang="en-US" dirty="0"/>
+              <a:t> </a:t>
+            </a:r>
+          </a:p>
+        </p:txBody>
+      </p:sp>
+      <p:pic>
+        <p:nvPicPr>
+          <p:cNvPr id="14" name="Content Placeholder 13">
+            <a:extLst>
+              <a:ext uri="{FF2B5EF4-FFF2-40B4-BE49-F238E27FC236}">
+                <a16:creationId xmlns:a16="http://schemas.microsoft.com/office/drawing/2014/main" id="{93EFD231-8AF3-AD45-926C-793359303774}"/>
+              </a:ext>
+            </a:extLst>
+          </p:cNvPr>
+          <p:cNvPicPr>
+            <a:picLocks noGrp="1" noChangeAspect="1"/>
+          </p:cNvPicPr>
+          <p:nvPr>
+            <p:ph idx="1"/>
+          </p:nvPr>
+        </p:nvPicPr>
+        <p:blipFill rotWithShape="1">
+          <a:blip r:embed="rId2">
+            <a:extLst>
+              <a:ext uri="{28A0092B-C50C-407E-A947-70E740481C1C}">
+                <a14:useLocalDpi xmlns:a14="http://schemas.microsoft.com/office/drawing/2010/main" val="0"/>
+              </a:ext>
+            </a:extLst>
+          </a:blip>
+          <a:srcRect r="12555"/>
+          <a:stretch/>
+        </p:blipFill>
+        <p:spPr>
+          <a:xfrm>
+            <a:off x="159729" y="1722431"/>
+            <a:ext cx="3692146" cy="4160412"/>
+          </a:xfrm>
+        </p:spPr>
+      </p:pic>
+      <p:sp>
+        <p:nvSpPr>
+          <p:cNvPr id="4" name="Title 1">
+            <a:extLst>
+              <a:ext uri="{FF2B5EF4-FFF2-40B4-BE49-F238E27FC236}">
+                <a16:creationId xmlns:a16="http://schemas.microsoft.com/office/drawing/2014/main" id="{3BFDB542-B429-F141-B775-95BAA33364AE}"/>
+              </a:ext>
+            </a:extLst>
+          </p:cNvPr>
+          <p:cNvSpPr txBox="1">
+            <a:spLocks/>
+          </p:cNvSpPr>
+          <p:nvPr/>
+        </p:nvSpPr>
+        <p:spPr>
+          <a:xfrm>
+            <a:off x="638503" y="289674"/>
+            <a:ext cx="10515600" cy="568526"/>
+          </a:xfrm>
+          <a:prstGeom prst="rect">
+            <a:avLst/>
+          </a:prstGeom>
+          <a:ln>
+            <a:solidFill>
+              <a:schemeClr val="tx1"/>
+            </a:solidFill>
+          </a:ln>
+        </p:spPr>
+        <p:txBody>
+          <a:bodyPr vert="horz" lIns="91440" tIns="45720" rIns="91440" bIns="45720" rtlCol="0" anchor="ctr">
+            <a:normAutofit fontScale="45000" lnSpcReduction="20000"/>
+          </a:bodyPr>
+          <a:lstStyle>
+            <a:lvl1pPr algn="l" defTabSz="914400" rtl="0" eaLnBrk="1" latinLnBrk="0" hangingPunct="1">
+              <a:lnSpc>
+                <a:spcPct val="90000"/>
+              </a:lnSpc>
+              <a:spcBef>
+                <a:spcPct val="0"/>
+              </a:spcBef>
+              <a:buNone/>
+              <a:defRPr sz="4400" kern="1200">
+                <a:solidFill>
+                  <a:schemeClr val="tx1"/>
+                </a:solidFill>
+                <a:latin typeface="+mj-lt"/>
+                <a:ea typeface="+mj-ea"/>
+                <a:cs typeface="+mj-cs"/>
+              </a:defRPr>
+            </a:lvl1pPr>
+          </a:lstStyle>
+          <a:p>
+            <a:pPr algn="ctr"/>
+            <a:r>
+              <a:rPr lang="en-US" cap="all" dirty="0"/>
+              <a:t>Scatter Plot and Regression of Team Win Percentage on Number of Crimes Committed</a:t>
+            </a:r>
+          </a:p>
+        </p:txBody>
+      </p:sp>
+      <p:sp>
+        <p:nvSpPr>
+          <p:cNvPr id="5" name="Title 7">
+            <a:extLst>
+              <a:ext uri="{FF2B5EF4-FFF2-40B4-BE49-F238E27FC236}">
+                <a16:creationId xmlns:a16="http://schemas.microsoft.com/office/drawing/2014/main" id="{E6A25B05-0156-B64C-8A9F-DE7422CC2951}"/>
+              </a:ext>
+            </a:extLst>
+          </p:cNvPr>
+          <p:cNvSpPr txBox="1">
+            <a:spLocks/>
+          </p:cNvSpPr>
+          <p:nvPr/>
+        </p:nvSpPr>
+        <p:spPr>
+          <a:xfrm>
+            <a:off x="838200" y="3139856"/>
+            <a:ext cx="10515600" cy="1325563"/>
+          </a:xfrm>
+          <a:prstGeom prst="rect">
+            <a:avLst/>
+          </a:prstGeom>
+        </p:spPr>
+        <p:txBody>
+          <a:bodyPr vert="horz" lIns="91440" tIns="45720" rIns="91440" bIns="45720" rtlCol="0" anchor="ctr">
+            <a:normAutofit/>
+          </a:bodyPr>
+          <a:lstStyle>
+            <a:lvl1pPr algn="l" defTabSz="914400" rtl="0" eaLnBrk="1" latinLnBrk="0" hangingPunct="1">
+              <a:lnSpc>
+                <a:spcPct val="90000"/>
+              </a:lnSpc>
+              <a:spcBef>
+                <a:spcPct val="0"/>
+              </a:spcBef>
+              <a:buNone/>
+              <a:defRPr sz="4400" kern="1200">
+                <a:solidFill>
+                  <a:schemeClr val="tx1"/>
+                </a:solidFill>
+                <a:latin typeface="+mj-lt"/>
+                <a:ea typeface="+mj-ea"/>
+                <a:cs typeface="+mj-cs"/>
+              </a:defRPr>
+            </a:lvl1pPr>
+          </a:lstStyle>
+          <a:p>
+            <a:r>
+              <a:rPr lang="en-US"/>
+              <a:t> </a:t>
+            </a:r>
+            <a:endParaRPr lang="en-US" dirty="0"/>
+          </a:p>
+        </p:txBody>
+      </p:sp>
+      <p:cxnSp>
+        <p:nvCxnSpPr>
+          <p:cNvPr id="6" name="Straight Connector 5">
+            <a:extLst>
+              <a:ext uri="{FF2B5EF4-FFF2-40B4-BE49-F238E27FC236}">
+                <a16:creationId xmlns:a16="http://schemas.microsoft.com/office/drawing/2014/main" id="{24010E61-15E4-6043-9E15-F5FC8A7D1A26}"/>
+              </a:ext>
+            </a:extLst>
+          </p:cNvPr>
+          <p:cNvCxnSpPr>
+            <a:cxnSpLocks/>
+          </p:cNvCxnSpPr>
+          <p:nvPr/>
+        </p:nvCxnSpPr>
+        <p:spPr>
+          <a:xfrm flipH="1">
+            <a:off x="5770009" y="4824767"/>
+            <a:ext cx="3723373" cy="0"/>
+          </a:xfrm>
+          <a:prstGeom prst="line">
+            <a:avLst/>
+          </a:prstGeom>
+          <a:ln w="38100">
+            <a:solidFill>
+              <a:schemeClr val="tx1"/>
+            </a:solidFill>
+          </a:ln>
+        </p:spPr>
+        <p:style>
+          <a:lnRef idx="1">
+            <a:schemeClr val="accent1"/>
+          </a:lnRef>
+          <a:fillRef idx="0">
+            <a:schemeClr val="accent1"/>
+          </a:fillRef>
+          <a:effectRef idx="0">
+            <a:schemeClr val="accent1"/>
+          </a:effectRef>
+          <a:fontRef idx="minor">
+            <a:schemeClr val="tx1"/>
+          </a:fontRef>
+        </p:style>
+      </p:cxnSp>
+      <p:sp>
+        <p:nvSpPr>
+          <p:cNvPr id="8" name="Content Placeholder 2">
+            <a:extLst>
+              <a:ext uri="{FF2B5EF4-FFF2-40B4-BE49-F238E27FC236}">
+                <a16:creationId xmlns:a16="http://schemas.microsoft.com/office/drawing/2014/main" id="{F07A834E-EF87-6F4F-BB45-1D9B1F85F322}"/>
+              </a:ext>
+            </a:extLst>
+          </p:cNvPr>
+          <p:cNvSpPr txBox="1">
+            <a:spLocks/>
+          </p:cNvSpPr>
+          <p:nvPr/>
+        </p:nvSpPr>
+        <p:spPr>
+          <a:xfrm>
+            <a:off x="105878" y="1075620"/>
+            <a:ext cx="3724972" cy="5417252"/>
+          </a:xfrm>
+          <a:prstGeom prst="rect">
+            <a:avLst/>
+          </a:prstGeom>
+          <a:ln>
+            <a:solidFill>
+              <a:schemeClr val="tx1"/>
+            </a:solidFill>
+          </a:ln>
+        </p:spPr>
+        <p:txBody>
+          <a:bodyPr vert="horz" lIns="91440" tIns="45720" rIns="91440" bIns="45720" rtlCol="0">
+            <a:normAutofit/>
+          </a:bodyPr>
+          <a:lstStyle>
+            <a:lvl1pPr marL="228600" indent="-228600" algn="l" defTabSz="914400" rtl="0" eaLnBrk="1" latinLnBrk="0" hangingPunct="1">
+              <a:lnSpc>
+                <a:spcPct val="90000"/>
+              </a:lnSpc>
+              <a:spcBef>
+                <a:spcPts val="1000"/>
+              </a:spcBef>
+              <a:buFont typeface="Arial" panose="020B0604020202020204" pitchFamily="34" charset="0"/>
+              <a:buChar char="•"/>
+              <a:defRPr sz="2800" kern="1200">
+                <a:solidFill>
+                  <a:schemeClr val="tx1"/>
+                </a:solidFill>
+                <a:latin typeface="+mn-lt"/>
+                <a:ea typeface="+mn-ea"/>
+                <a:cs typeface="+mn-cs"/>
+              </a:defRPr>
+            </a:lvl1pPr>
+            <a:lvl2pPr marL="685800" indent="-228600" algn="l" defTabSz="914400" rtl="0" eaLnBrk="1" latinLnBrk="0" hangingPunct="1">
+              <a:lnSpc>
+                <a:spcPct val="90000"/>
+              </a:lnSpc>
+              <a:spcBef>
+                <a:spcPts val="500"/>
+              </a:spcBef>
+              <a:buFont typeface="Arial" panose="020B0604020202020204" pitchFamily="34" charset="0"/>
+              <a:buChar char="•"/>
+              <a:defRPr sz="2400" kern="1200">
+                <a:solidFill>
+                  <a:schemeClr val="tx1"/>
+                </a:solidFill>
+                <a:latin typeface="+mn-lt"/>
+                <a:ea typeface="+mn-ea"/>
+                <a:cs typeface="+mn-cs"/>
+              </a:defRPr>
+            </a:lvl2pPr>
+            <a:lvl3pPr marL="1143000" indent="-228600" algn="l" defTabSz="914400" rtl="0" eaLnBrk="1" latinLnBrk="0" hangingPunct="1">
+              <a:lnSpc>
+                <a:spcPct val="90000"/>
+              </a:lnSpc>
+              <a:spcBef>
+                <a:spcPts val="500"/>
+              </a:spcBef>
+              <a:buFont typeface="Arial" panose="020B0604020202020204" pitchFamily="34" charset="0"/>
+              <a:buChar char="•"/>
+              <a:defRPr sz="2000" kern="1200">
+                <a:solidFill>
+                  <a:schemeClr val="tx1"/>
+                </a:solidFill>
+                <a:latin typeface="+mn-lt"/>
+                <a:ea typeface="+mn-ea"/>
+                <a:cs typeface="+mn-cs"/>
+              </a:defRPr>
+            </a:lvl3pPr>
+            <a:lvl4pPr marL="1600200" indent="-228600" algn="l" defTabSz="914400" rtl="0" eaLnBrk="1" latinLnBrk="0" hangingPunct="1">
+              <a:lnSpc>
+                <a:spcPct val="90000"/>
+              </a:lnSpc>
+              <a:spcBef>
+                <a:spcPts val="500"/>
+              </a:spcBef>
+              <a:buFont typeface="Arial" panose="020B0604020202020204" pitchFamily="34" charset="0"/>
+              <a:buChar char="•"/>
+              <a:defRPr sz="1800" kern="1200">
+                <a:solidFill>
+                  <a:schemeClr val="tx1"/>
+                </a:solidFill>
+                <a:latin typeface="+mn-lt"/>
+                <a:ea typeface="+mn-ea"/>
+                <a:cs typeface="+mn-cs"/>
+              </a:defRPr>
+            </a:lvl4pPr>
+            <a:lvl5pPr marL="2057400" indent="-228600" algn="l" defTabSz="914400" rtl="0" eaLnBrk="1" latinLnBrk="0" hangingPunct="1">
+              <a:lnSpc>
+                <a:spcPct val="90000"/>
+              </a:lnSpc>
+              <a:spcBef>
+                <a:spcPts val="500"/>
+              </a:spcBef>
+              <a:buFont typeface="Arial" panose="020B0604020202020204" pitchFamily="34" charset="0"/>
+              <a:buChar char="•"/>
+              <a:defRPr sz="1800" kern="1200">
+                <a:solidFill>
+                  <a:schemeClr val="tx1"/>
+                </a:solidFill>
+                <a:latin typeface="+mn-lt"/>
+                <a:ea typeface="+mn-ea"/>
+                <a:cs typeface="+mn-cs"/>
+              </a:defRPr>
+            </a:lvl5pPr>
+            <a:lvl6pPr marL="2514600" indent="-228600" algn="l" defTabSz="914400" rtl="0" eaLnBrk="1" latinLnBrk="0" hangingPunct="1">
+              <a:lnSpc>
+                <a:spcPct val="90000"/>
+              </a:lnSpc>
+              <a:spcBef>
+                <a:spcPts val="500"/>
+              </a:spcBef>
+              <a:buFont typeface="Arial" panose="020B0604020202020204" pitchFamily="34" charset="0"/>
+              <a:buChar char="•"/>
+              <a:defRPr sz="1800" kern="1200">
+                <a:solidFill>
+                  <a:schemeClr val="tx1"/>
+                </a:solidFill>
+                <a:latin typeface="+mn-lt"/>
+                <a:ea typeface="+mn-ea"/>
+                <a:cs typeface="+mn-cs"/>
+              </a:defRPr>
+            </a:lvl6pPr>
+            <a:lvl7pPr marL="2971800" indent="-228600" algn="l" defTabSz="914400" rtl="0" eaLnBrk="1" latinLnBrk="0" hangingPunct="1">
+              <a:lnSpc>
+                <a:spcPct val="90000"/>
+              </a:lnSpc>
+              <a:spcBef>
+                <a:spcPts val="500"/>
+              </a:spcBef>
+              <a:buFont typeface="Arial" panose="020B0604020202020204" pitchFamily="34" charset="0"/>
+              <a:buChar char="•"/>
+              <a:defRPr sz="1800" kern="1200">
+                <a:solidFill>
+                  <a:schemeClr val="tx1"/>
+                </a:solidFill>
+                <a:latin typeface="+mn-lt"/>
+                <a:ea typeface="+mn-ea"/>
+                <a:cs typeface="+mn-cs"/>
+              </a:defRPr>
+            </a:lvl7pPr>
+            <a:lvl8pPr marL="3429000" indent="-228600" algn="l" defTabSz="914400" rtl="0" eaLnBrk="1" latinLnBrk="0" hangingPunct="1">
+              <a:lnSpc>
+                <a:spcPct val="90000"/>
+              </a:lnSpc>
+              <a:spcBef>
+                <a:spcPts val="500"/>
+              </a:spcBef>
+              <a:buFont typeface="Arial" panose="020B0604020202020204" pitchFamily="34" charset="0"/>
+              <a:buChar char="•"/>
+              <a:defRPr sz="1800" kern="1200">
+                <a:solidFill>
+                  <a:schemeClr val="tx1"/>
+                </a:solidFill>
+                <a:latin typeface="+mn-lt"/>
+                <a:ea typeface="+mn-ea"/>
+                <a:cs typeface="+mn-cs"/>
+              </a:defRPr>
+            </a:lvl8pPr>
+            <a:lvl9pPr marL="3886200" indent="-228600" algn="l" defTabSz="914400" rtl="0" eaLnBrk="1" latinLnBrk="0" hangingPunct="1">
+              <a:lnSpc>
+                <a:spcPct val="90000"/>
+              </a:lnSpc>
+              <a:spcBef>
+                <a:spcPts val="500"/>
+              </a:spcBef>
+              <a:buFont typeface="Arial" panose="020B0604020202020204" pitchFamily="34" charset="0"/>
+              <a:buChar char="•"/>
+              <a:defRPr sz="1800" kern="1200">
+                <a:solidFill>
+                  <a:schemeClr val="tx1"/>
+                </a:solidFill>
+                <a:latin typeface="+mn-lt"/>
+                <a:ea typeface="+mn-ea"/>
+                <a:cs typeface="+mn-cs"/>
+              </a:defRPr>
+            </a:lvl9pPr>
+          </a:lstStyle>
+          <a:p>
+            <a:pPr marL="0" indent="0" algn="ctr">
+              <a:buFont typeface="Arial" panose="020B0604020202020204" pitchFamily="34" charset="0"/>
+              <a:buNone/>
+            </a:pPr>
+            <a:r>
+              <a:rPr lang="en-US"/>
+              <a:t>CODE</a:t>
+            </a:r>
+            <a:endParaRPr lang="en-US" dirty="0"/>
+          </a:p>
+        </p:txBody>
+      </p:sp>
+      <p:cxnSp>
+        <p:nvCxnSpPr>
+          <p:cNvPr id="10" name="Straight Connector 9">
+            <a:extLst>
+              <a:ext uri="{FF2B5EF4-FFF2-40B4-BE49-F238E27FC236}">
+                <a16:creationId xmlns:a16="http://schemas.microsoft.com/office/drawing/2014/main" id="{F2FA474F-0C03-6D4D-86CC-D903CBC03FD4}"/>
+              </a:ext>
+            </a:extLst>
+          </p:cNvPr>
+          <p:cNvCxnSpPr>
+            <a:cxnSpLocks/>
+          </p:cNvCxnSpPr>
+          <p:nvPr/>
+        </p:nvCxnSpPr>
+        <p:spPr>
+          <a:xfrm>
+            <a:off x="3956870" y="983727"/>
+            <a:ext cx="0" cy="5790225"/>
+          </a:xfrm>
+          <a:prstGeom prst="line">
+            <a:avLst/>
+          </a:prstGeom>
+          <a:ln w="38100">
+            <a:solidFill>
+              <a:schemeClr val="tx1"/>
+            </a:solidFill>
+          </a:ln>
+        </p:spPr>
+        <p:style>
+          <a:lnRef idx="1">
+            <a:schemeClr val="accent1"/>
+          </a:lnRef>
+          <a:fillRef idx="0">
+            <a:schemeClr val="accent1"/>
+          </a:fillRef>
+          <a:effectRef idx="0">
+            <a:schemeClr val="accent1"/>
+          </a:effectRef>
+          <a:fontRef idx="minor">
+            <a:schemeClr val="tx1"/>
+          </a:fontRef>
+        </p:style>
+      </p:cxnSp>
+      <p:sp>
+        <p:nvSpPr>
+          <p:cNvPr id="12" name="Content Placeholder 2">
+            <a:extLst>
+              <a:ext uri="{FF2B5EF4-FFF2-40B4-BE49-F238E27FC236}">
+                <a16:creationId xmlns:a16="http://schemas.microsoft.com/office/drawing/2014/main" id="{36B38017-30BB-A042-B04F-61EF5BE8E229}"/>
+              </a:ext>
+            </a:extLst>
+          </p:cNvPr>
+          <p:cNvSpPr txBox="1">
+            <a:spLocks/>
+          </p:cNvSpPr>
+          <p:nvPr/>
+        </p:nvSpPr>
+        <p:spPr>
+          <a:xfrm>
+            <a:off x="4061866" y="4995524"/>
+            <a:ext cx="8024256" cy="1497349"/>
+          </a:xfrm>
+          <a:prstGeom prst="rect">
+            <a:avLst/>
+          </a:prstGeom>
+          <a:ln>
+            <a:solidFill>
+              <a:schemeClr val="tx1"/>
+            </a:solidFill>
+          </a:ln>
+        </p:spPr>
+        <p:txBody>
+          <a:bodyPr vert="horz" lIns="91440" tIns="45720" rIns="91440" bIns="45720" rtlCol="0">
+            <a:normAutofit/>
+          </a:bodyPr>
+          <a:lstStyle>
+            <a:lvl1pPr marL="228600" indent="-228600" algn="l" defTabSz="914400" rtl="0" eaLnBrk="1" latinLnBrk="0" hangingPunct="1">
+              <a:lnSpc>
+                <a:spcPct val="90000"/>
+              </a:lnSpc>
+              <a:spcBef>
+                <a:spcPts val="1000"/>
+              </a:spcBef>
+              <a:buFont typeface="Arial" panose="020B0604020202020204" pitchFamily="34" charset="0"/>
+              <a:buChar char="•"/>
+              <a:defRPr sz="2800" kern="1200">
+                <a:solidFill>
+                  <a:schemeClr val="tx1"/>
+                </a:solidFill>
+                <a:latin typeface="+mn-lt"/>
+                <a:ea typeface="+mn-ea"/>
+                <a:cs typeface="+mn-cs"/>
+              </a:defRPr>
+            </a:lvl1pPr>
+            <a:lvl2pPr marL="685800" indent="-228600" algn="l" defTabSz="914400" rtl="0" eaLnBrk="1" latinLnBrk="0" hangingPunct="1">
+              <a:lnSpc>
+                <a:spcPct val="90000"/>
+              </a:lnSpc>
+              <a:spcBef>
+                <a:spcPts val="500"/>
+              </a:spcBef>
+              <a:buFont typeface="Arial" panose="020B0604020202020204" pitchFamily="34" charset="0"/>
+              <a:buChar char="•"/>
+              <a:defRPr sz="2400" kern="1200">
+                <a:solidFill>
+                  <a:schemeClr val="tx1"/>
+                </a:solidFill>
+                <a:latin typeface="+mn-lt"/>
+                <a:ea typeface="+mn-ea"/>
+                <a:cs typeface="+mn-cs"/>
+              </a:defRPr>
+            </a:lvl2pPr>
+            <a:lvl3pPr marL="1143000" indent="-228600" algn="l" defTabSz="914400" rtl="0" eaLnBrk="1" latinLnBrk="0" hangingPunct="1">
+              <a:lnSpc>
+                <a:spcPct val="90000"/>
+              </a:lnSpc>
+              <a:spcBef>
+                <a:spcPts val="500"/>
+              </a:spcBef>
+              <a:buFont typeface="Arial" panose="020B0604020202020204" pitchFamily="34" charset="0"/>
+              <a:buChar char="•"/>
+              <a:defRPr sz="2000" kern="1200">
+                <a:solidFill>
+                  <a:schemeClr val="tx1"/>
+                </a:solidFill>
+                <a:latin typeface="+mn-lt"/>
+                <a:ea typeface="+mn-ea"/>
+                <a:cs typeface="+mn-cs"/>
+              </a:defRPr>
+            </a:lvl3pPr>
+            <a:lvl4pPr marL="1600200" indent="-228600" algn="l" defTabSz="914400" rtl="0" eaLnBrk="1" latinLnBrk="0" hangingPunct="1">
+              <a:lnSpc>
+                <a:spcPct val="90000"/>
+              </a:lnSpc>
+              <a:spcBef>
+                <a:spcPts val="500"/>
+              </a:spcBef>
+              <a:buFont typeface="Arial" panose="020B0604020202020204" pitchFamily="34" charset="0"/>
+              <a:buChar char="•"/>
+              <a:defRPr sz="1800" kern="1200">
+                <a:solidFill>
+                  <a:schemeClr val="tx1"/>
+                </a:solidFill>
+                <a:latin typeface="+mn-lt"/>
+                <a:ea typeface="+mn-ea"/>
+                <a:cs typeface="+mn-cs"/>
+              </a:defRPr>
+            </a:lvl4pPr>
+            <a:lvl5pPr marL="2057400" indent="-228600" algn="l" defTabSz="914400" rtl="0" eaLnBrk="1" latinLnBrk="0" hangingPunct="1">
+              <a:lnSpc>
+                <a:spcPct val="90000"/>
+              </a:lnSpc>
+              <a:spcBef>
+                <a:spcPts val="500"/>
+              </a:spcBef>
+              <a:buFont typeface="Arial" panose="020B0604020202020204" pitchFamily="34" charset="0"/>
+              <a:buChar char="•"/>
+              <a:defRPr sz="1800" kern="1200">
+                <a:solidFill>
+                  <a:schemeClr val="tx1"/>
+                </a:solidFill>
+                <a:latin typeface="+mn-lt"/>
+                <a:ea typeface="+mn-ea"/>
+                <a:cs typeface="+mn-cs"/>
+              </a:defRPr>
+            </a:lvl5pPr>
+            <a:lvl6pPr marL="2514600" indent="-228600" algn="l" defTabSz="914400" rtl="0" eaLnBrk="1" latinLnBrk="0" hangingPunct="1">
+              <a:lnSpc>
+                <a:spcPct val="90000"/>
+              </a:lnSpc>
+              <a:spcBef>
+                <a:spcPts val="500"/>
+              </a:spcBef>
+              <a:buFont typeface="Arial" panose="020B0604020202020204" pitchFamily="34" charset="0"/>
+              <a:buChar char="•"/>
+              <a:defRPr sz="1800" kern="1200">
+                <a:solidFill>
+                  <a:schemeClr val="tx1"/>
+                </a:solidFill>
+                <a:latin typeface="+mn-lt"/>
+                <a:ea typeface="+mn-ea"/>
+                <a:cs typeface="+mn-cs"/>
+              </a:defRPr>
+            </a:lvl6pPr>
+            <a:lvl7pPr marL="2971800" indent="-228600" algn="l" defTabSz="914400" rtl="0" eaLnBrk="1" latinLnBrk="0" hangingPunct="1">
+              <a:lnSpc>
+                <a:spcPct val="90000"/>
+              </a:lnSpc>
+              <a:spcBef>
+                <a:spcPts val="500"/>
+              </a:spcBef>
+              <a:buFont typeface="Arial" panose="020B0604020202020204" pitchFamily="34" charset="0"/>
+              <a:buChar char="•"/>
+              <a:defRPr sz="1800" kern="1200">
+                <a:solidFill>
+                  <a:schemeClr val="tx1"/>
+                </a:solidFill>
+                <a:latin typeface="+mn-lt"/>
+                <a:ea typeface="+mn-ea"/>
+                <a:cs typeface="+mn-cs"/>
+              </a:defRPr>
+            </a:lvl7pPr>
+            <a:lvl8pPr marL="3429000" indent="-228600" algn="l" defTabSz="914400" rtl="0" eaLnBrk="1" latinLnBrk="0" hangingPunct="1">
+              <a:lnSpc>
+                <a:spcPct val="90000"/>
+              </a:lnSpc>
+              <a:spcBef>
+                <a:spcPts val="500"/>
+              </a:spcBef>
+              <a:buFont typeface="Arial" panose="020B0604020202020204" pitchFamily="34" charset="0"/>
+              <a:buChar char="•"/>
+              <a:defRPr sz="1800" kern="1200">
+                <a:solidFill>
+                  <a:schemeClr val="tx1"/>
+                </a:solidFill>
+                <a:latin typeface="+mn-lt"/>
+                <a:ea typeface="+mn-ea"/>
+                <a:cs typeface="+mn-cs"/>
+              </a:defRPr>
+            </a:lvl8pPr>
+            <a:lvl9pPr marL="3886200" indent="-228600" algn="l" defTabSz="914400" rtl="0" eaLnBrk="1" latinLnBrk="0" hangingPunct="1">
+              <a:lnSpc>
+                <a:spcPct val="90000"/>
+              </a:lnSpc>
+              <a:spcBef>
+                <a:spcPts val="500"/>
+              </a:spcBef>
+              <a:buFont typeface="Arial" panose="020B0604020202020204" pitchFamily="34" charset="0"/>
+              <a:buChar char="•"/>
+              <a:defRPr sz="1800" kern="1200">
+                <a:solidFill>
+                  <a:schemeClr val="tx1"/>
+                </a:solidFill>
+                <a:latin typeface="+mn-lt"/>
+                <a:ea typeface="+mn-ea"/>
+                <a:cs typeface="+mn-cs"/>
+              </a:defRPr>
+            </a:lvl9pPr>
+          </a:lstStyle>
+          <a:p>
+            <a:pPr marL="0" indent="0" algn="ctr">
+              <a:buNone/>
+            </a:pPr>
+            <a:r>
+              <a:rPr lang="en-US" dirty="0"/>
+              <a:t>ANALYSIS</a:t>
+            </a:r>
+          </a:p>
+          <a:p>
+            <a:pPr marL="0" indent="0" algn="ctr">
+              <a:buNone/>
+            </a:pPr>
+            <a:r>
+              <a:rPr lang="en-US" sz="1400" dirty="0"/>
+              <a:t>THE r^2 IS 0.0325, NO SIGNIFICANT CORRELATION</a:t>
+            </a:r>
+          </a:p>
+          <a:p>
+            <a:pPr marL="0" indent="0" algn="ctr">
+              <a:buNone/>
+            </a:pPr>
+            <a:r>
+              <a:rPr lang="en-US" sz="1400" dirty="0"/>
+              <a:t>SAFE TO SAY CRIME HAS LITTLE TO NO IMPACT ON A TEAMS WIN PERCENTAGE</a:t>
+            </a:r>
+          </a:p>
+          <a:p>
+            <a:endParaRPr lang="en-US" dirty="0"/>
+          </a:p>
+        </p:txBody>
+      </p:sp>
+      <p:pic>
+        <p:nvPicPr>
+          <p:cNvPr id="16" name="Picture 15">
+            <a:extLst>
+              <a:ext uri="{FF2B5EF4-FFF2-40B4-BE49-F238E27FC236}">
+                <a16:creationId xmlns:a16="http://schemas.microsoft.com/office/drawing/2014/main" id="{BF2E02CB-CB9C-9849-A98C-D60396442940}"/>
+              </a:ext>
+            </a:extLst>
+          </p:cNvPr>
+          <p:cNvPicPr>
+            <a:picLocks noChangeAspect="1"/>
+          </p:cNvPicPr>
+          <p:nvPr/>
+        </p:nvPicPr>
+        <p:blipFill>
+          <a:blip r:embed="rId3">
+            <a:extLst>
+              <a:ext uri="{28A0092B-C50C-407E-A947-70E740481C1C}">
+                <a14:useLocalDpi xmlns:a14="http://schemas.microsoft.com/office/drawing/2010/main" val="0"/>
+              </a:ext>
+            </a:extLst>
+          </a:blip>
+          <a:stretch>
+            <a:fillRect/>
+          </a:stretch>
+        </p:blipFill>
+        <p:spPr>
+          <a:xfrm>
+            <a:off x="5441761" y="1287420"/>
+            <a:ext cx="5205047" cy="3257452"/>
+          </a:xfrm>
+          <a:prstGeom prst="rect">
+            <a:avLst/>
+          </a:prstGeom>
+        </p:spPr>
+      </p:pic>
+      <p:sp>
+        <p:nvSpPr>
+          <p:cNvPr id="9" name="Content Placeholder 2">
+            <a:extLst>
+              <a:ext uri="{FF2B5EF4-FFF2-40B4-BE49-F238E27FC236}">
+                <a16:creationId xmlns:a16="http://schemas.microsoft.com/office/drawing/2014/main" id="{2B0F8183-9CAC-E641-A25F-194F6AF3348C}"/>
+              </a:ext>
+            </a:extLst>
+          </p:cNvPr>
+          <p:cNvSpPr txBox="1">
+            <a:spLocks/>
+          </p:cNvSpPr>
+          <p:nvPr/>
+        </p:nvSpPr>
+        <p:spPr>
+          <a:xfrm>
+            <a:off x="4032182" y="1025558"/>
+            <a:ext cx="8024206" cy="3650381"/>
+          </a:xfrm>
+          <a:prstGeom prst="rect">
+            <a:avLst/>
+          </a:prstGeom>
+          <a:ln>
+            <a:solidFill>
+              <a:schemeClr val="tx1"/>
+            </a:solidFill>
+          </a:ln>
+        </p:spPr>
+        <p:txBody>
+          <a:bodyPr vert="horz" lIns="91440" tIns="45720" rIns="91440" bIns="45720" rtlCol="0">
+            <a:normAutofit/>
+          </a:bodyPr>
+          <a:lstStyle>
+            <a:lvl1pPr marL="228600" indent="-228600" algn="l" defTabSz="914400" rtl="0" eaLnBrk="1" latinLnBrk="0" hangingPunct="1">
+              <a:lnSpc>
+                <a:spcPct val="90000"/>
+              </a:lnSpc>
+              <a:spcBef>
+                <a:spcPts val="1000"/>
+              </a:spcBef>
+              <a:buFont typeface="Arial" panose="020B0604020202020204" pitchFamily="34" charset="0"/>
+              <a:buChar char="•"/>
+              <a:defRPr sz="2800" kern="1200">
+                <a:solidFill>
+                  <a:schemeClr val="tx1"/>
+                </a:solidFill>
+                <a:latin typeface="+mn-lt"/>
+                <a:ea typeface="+mn-ea"/>
+                <a:cs typeface="+mn-cs"/>
+              </a:defRPr>
+            </a:lvl1pPr>
+            <a:lvl2pPr marL="685800" indent="-228600" algn="l" defTabSz="914400" rtl="0" eaLnBrk="1" latinLnBrk="0" hangingPunct="1">
+              <a:lnSpc>
+                <a:spcPct val="90000"/>
+              </a:lnSpc>
+              <a:spcBef>
+                <a:spcPts val="500"/>
+              </a:spcBef>
+              <a:buFont typeface="Arial" panose="020B0604020202020204" pitchFamily="34" charset="0"/>
+              <a:buChar char="•"/>
+              <a:defRPr sz="2400" kern="1200">
+                <a:solidFill>
+                  <a:schemeClr val="tx1"/>
+                </a:solidFill>
+                <a:latin typeface="+mn-lt"/>
+                <a:ea typeface="+mn-ea"/>
+                <a:cs typeface="+mn-cs"/>
+              </a:defRPr>
+            </a:lvl2pPr>
+            <a:lvl3pPr marL="1143000" indent="-228600" algn="l" defTabSz="914400" rtl="0" eaLnBrk="1" latinLnBrk="0" hangingPunct="1">
+              <a:lnSpc>
+                <a:spcPct val="90000"/>
+              </a:lnSpc>
+              <a:spcBef>
+                <a:spcPts val="500"/>
+              </a:spcBef>
+              <a:buFont typeface="Arial" panose="020B0604020202020204" pitchFamily="34" charset="0"/>
+              <a:buChar char="•"/>
+              <a:defRPr sz="2000" kern="1200">
+                <a:solidFill>
+                  <a:schemeClr val="tx1"/>
+                </a:solidFill>
+                <a:latin typeface="+mn-lt"/>
+                <a:ea typeface="+mn-ea"/>
+                <a:cs typeface="+mn-cs"/>
+              </a:defRPr>
+            </a:lvl3pPr>
+            <a:lvl4pPr marL="1600200" indent="-228600" algn="l" defTabSz="914400" rtl="0" eaLnBrk="1" latinLnBrk="0" hangingPunct="1">
+              <a:lnSpc>
+                <a:spcPct val="90000"/>
+              </a:lnSpc>
+              <a:spcBef>
+                <a:spcPts val="500"/>
+              </a:spcBef>
+              <a:buFont typeface="Arial" panose="020B0604020202020204" pitchFamily="34" charset="0"/>
+              <a:buChar char="•"/>
+              <a:defRPr sz="1800" kern="1200">
+                <a:solidFill>
+                  <a:schemeClr val="tx1"/>
+                </a:solidFill>
+                <a:latin typeface="+mn-lt"/>
+                <a:ea typeface="+mn-ea"/>
+                <a:cs typeface="+mn-cs"/>
+              </a:defRPr>
+            </a:lvl4pPr>
+            <a:lvl5pPr marL="2057400" indent="-228600" algn="l" defTabSz="914400" rtl="0" eaLnBrk="1" latinLnBrk="0" hangingPunct="1">
+              <a:lnSpc>
+                <a:spcPct val="90000"/>
+              </a:lnSpc>
+              <a:spcBef>
+                <a:spcPts val="500"/>
+              </a:spcBef>
+              <a:buFont typeface="Arial" panose="020B0604020202020204" pitchFamily="34" charset="0"/>
+              <a:buChar char="•"/>
+              <a:defRPr sz="1800" kern="1200">
+                <a:solidFill>
+                  <a:schemeClr val="tx1"/>
+                </a:solidFill>
+                <a:latin typeface="+mn-lt"/>
+                <a:ea typeface="+mn-ea"/>
+                <a:cs typeface="+mn-cs"/>
+              </a:defRPr>
+            </a:lvl5pPr>
+            <a:lvl6pPr marL="2514600" indent="-228600" algn="l" defTabSz="914400" rtl="0" eaLnBrk="1" latinLnBrk="0" hangingPunct="1">
+              <a:lnSpc>
+                <a:spcPct val="90000"/>
+              </a:lnSpc>
+              <a:spcBef>
+                <a:spcPts val="500"/>
+              </a:spcBef>
+              <a:buFont typeface="Arial" panose="020B0604020202020204" pitchFamily="34" charset="0"/>
+              <a:buChar char="•"/>
+              <a:defRPr sz="1800" kern="1200">
+                <a:solidFill>
+                  <a:schemeClr val="tx1"/>
+                </a:solidFill>
+                <a:latin typeface="+mn-lt"/>
+                <a:ea typeface="+mn-ea"/>
+                <a:cs typeface="+mn-cs"/>
+              </a:defRPr>
+            </a:lvl6pPr>
+            <a:lvl7pPr marL="2971800" indent="-228600" algn="l" defTabSz="914400" rtl="0" eaLnBrk="1" latinLnBrk="0" hangingPunct="1">
+              <a:lnSpc>
+                <a:spcPct val="90000"/>
+              </a:lnSpc>
+              <a:spcBef>
+                <a:spcPts val="500"/>
+              </a:spcBef>
+              <a:buFont typeface="Arial" panose="020B0604020202020204" pitchFamily="34" charset="0"/>
+              <a:buChar char="•"/>
+              <a:defRPr sz="1800" kern="1200">
+                <a:solidFill>
+                  <a:schemeClr val="tx1"/>
+                </a:solidFill>
+                <a:latin typeface="+mn-lt"/>
+                <a:ea typeface="+mn-ea"/>
+                <a:cs typeface="+mn-cs"/>
+              </a:defRPr>
+            </a:lvl7pPr>
+            <a:lvl8pPr marL="3429000" indent="-228600" algn="l" defTabSz="914400" rtl="0" eaLnBrk="1" latinLnBrk="0" hangingPunct="1">
+              <a:lnSpc>
+                <a:spcPct val="90000"/>
+              </a:lnSpc>
+              <a:spcBef>
+                <a:spcPts val="500"/>
+              </a:spcBef>
+              <a:buFont typeface="Arial" panose="020B0604020202020204" pitchFamily="34" charset="0"/>
+              <a:buChar char="•"/>
+              <a:defRPr sz="1800" kern="1200">
+                <a:solidFill>
+                  <a:schemeClr val="tx1"/>
+                </a:solidFill>
+                <a:latin typeface="+mn-lt"/>
+                <a:ea typeface="+mn-ea"/>
+                <a:cs typeface="+mn-cs"/>
+              </a:defRPr>
+            </a:lvl8pPr>
+            <a:lvl9pPr marL="3886200" indent="-228600" algn="l" defTabSz="914400" rtl="0" eaLnBrk="1" latinLnBrk="0" hangingPunct="1">
+              <a:lnSpc>
+                <a:spcPct val="90000"/>
+              </a:lnSpc>
+              <a:spcBef>
+                <a:spcPts val="500"/>
+              </a:spcBef>
+              <a:buFont typeface="Arial" panose="020B0604020202020204" pitchFamily="34" charset="0"/>
+              <a:buChar char="•"/>
+              <a:defRPr sz="1800" kern="1200">
+                <a:solidFill>
+                  <a:schemeClr val="tx1"/>
+                </a:solidFill>
+                <a:latin typeface="+mn-lt"/>
+                <a:ea typeface="+mn-ea"/>
+                <a:cs typeface="+mn-cs"/>
+              </a:defRPr>
+            </a:lvl9pPr>
+          </a:lstStyle>
+          <a:p>
+            <a:pPr marL="0" indent="0" algn="ctr">
+              <a:buNone/>
+            </a:pPr>
+            <a:r>
+              <a:rPr lang="en-US" dirty="0"/>
+              <a:t>VISUALIZATION</a:t>
+            </a:r>
+          </a:p>
+        </p:txBody>
+      </p:sp>
+    </p:spTree>
+    <p:extLst>
+      <p:ext uri="{BB962C8B-B14F-4D97-AF65-F5344CB8AC3E}">
+        <p14:creationId xmlns:p14="http://schemas.microsoft.com/office/powerpoint/2010/main" val="2253628873"/>
+      </p:ext>
+    </p:extLst>
+  </p:cSld>
+  <p:clrMapOvr>
+    <a:masterClrMapping/>
+  </p:clrMapOvr>
+</p:sld>
+</file>
+
+<file path=ppt/slides/slide8.xml><?xml version="1.0" encoding="utf-8"?>
+<p:sld xmlns:a="http://schemas.openxmlformats.org/drawingml/2006/main" xmlns:r="http://schemas.openxmlformats.org/officeDocument/2006/relationships" xmlns:p="http://schemas.openxmlformats.org/presentationml/2006/main">
+  <p:cSld>
+    <p:spTree>
+      <p:nvGrpSpPr>
+        <p:cNvPr id="1" name=""/>
+        <p:cNvGrpSpPr/>
+        <p:nvPr/>
+      </p:nvGrpSpPr>
+      <p:grpSpPr>
+        <a:xfrm>
+          <a:off x="0" y="0"/>
+          <a:ext cx="0" cy="0"/>
+          <a:chOff x="0" y="0"/>
+          <a:chExt cx="0" cy="0"/>
+        </a:xfrm>
+      </p:grpSpPr>
+      <p:sp>
+        <p:nvSpPr>
+          <p:cNvPr id="2" name="Title 1">
+            <a:extLst>
+              <a:ext uri="{FF2B5EF4-FFF2-40B4-BE49-F238E27FC236}">
+                <a16:creationId xmlns:a16="http://schemas.microsoft.com/office/drawing/2014/main" id="{42455955-FE36-8440-88D8-8829815581E9}"/>
+              </a:ext>
+            </a:extLst>
+          </p:cNvPr>
+          <p:cNvSpPr>
+            <a:spLocks noGrp="1"/>
+          </p:cNvSpPr>
+          <p:nvPr>
+            <p:ph type="title"/>
+          </p:nvPr>
+        </p:nvSpPr>
+        <p:spPr/>
+        <p:txBody>
+          <a:bodyPr/>
+          <a:lstStyle/>
+          <a:p>
+            <a:r>
+              <a:rPr lang="en-US" dirty="0"/>
+              <a:t>PLAYER POSITION DISTRIBUTION</a:t>
+            </a:r>
+          </a:p>
+        </p:txBody>
+      </p:sp>
+      <p:pic>
+        <p:nvPicPr>
+          <p:cNvPr id="4" name="Picture 3" descr="A picture containing text, umbrella&#10;&#10;Description automatically generated">
+            <a:extLst>
+              <a:ext uri="{FF2B5EF4-FFF2-40B4-BE49-F238E27FC236}">
+                <a16:creationId xmlns:a16="http://schemas.microsoft.com/office/drawing/2014/main" id="{88190653-089D-D94B-9A00-D0F6A6B417B7}"/>
+              </a:ext>
+            </a:extLst>
+          </p:cNvPr>
+          <p:cNvPicPr>
+            <a:picLocks noChangeAspect="1"/>
+          </p:cNvPicPr>
+          <p:nvPr/>
+        </p:nvPicPr>
+        <p:blipFill rotWithShape="1">
+          <a:blip r:embed="rId2">
+            <a:extLst>
+              <a:ext uri="{28A0092B-C50C-407E-A947-70E740481C1C}">
+                <a14:useLocalDpi xmlns:a14="http://schemas.microsoft.com/office/drawing/2010/main" val="0"/>
+              </a:ext>
+            </a:extLst>
+          </a:blip>
+          <a:srcRect l="17526" r="15071"/>
+          <a:stretch/>
+        </p:blipFill>
+        <p:spPr>
+          <a:xfrm>
+            <a:off x="8150772" y="143790"/>
+            <a:ext cx="3815255" cy="3773615"/>
+          </a:xfrm>
+          <a:prstGeom prst="rect">
+            <a:avLst/>
+          </a:prstGeom>
+        </p:spPr>
+      </p:pic>
+      <p:sp>
+        <p:nvSpPr>
+          <p:cNvPr id="5" name="TextBox 4">
+            <a:extLst>
+              <a:ext uri="{FF2B5EF4-FFF2-40B4-BE49-F238E27FC236}">
+                <a16:creationId xmlns:a16="http://schemas.microsoft.com/office/drawing/2014/main" id="{AE450A7F-7C99-3845-A70A-C8CCB06F6FC1}"/>
+              </a:ext>
+            </a:extLst>
+          </p:cNvPr>
+          <p:cNvSpPr txBox="1"/>
+          <p:nvPr/>
+        </p:nvSpPr>
+        <p:spPr>
+          <a:xfrm>
+            <a:off x="838200" y="1444215"/>
+            <a:ext cx="6666186" cy="1754326"/>
+          </a:xfrm>
+          <a:prstGeom prst="rect">
+            <a:avLst/>
+          </a:prstGeom>
+          <a:noFill/>
+        </p:spPr>
+        <p:txBody>
+          <a:bodyPr wrap="square" rtlCol="0">
+            <a:spAutoFit/>
+          </a:bodyPr>
+          <a:lstStyle/>
+          <a:p>
+            <a:r>
+              <a:rPr lang="en-US" dirty="0"/>
+              <a:t>KNOWING THE DISRIBUTION OF POSITIONS WITHIN OUR DATA GIVES SOME CONTEXT FOR NUMBER OF CRIMES COMMITED PER POSITION </a:t>
+            </a:r>
+          </a:p>
+          <a:p>
+            <a:endParaRPr lang="en-US" dirty="0"/>
+          </a:p>
+          <a:p>
+            <a:r>
+              <a:rPr lang="en-US" dirty="0"/>
+              <a:t>NOTE: IF A PLAYER COMMITED MORE THAN ONE CRIME, THEY REPRESENT MORE THAN ONE DATA POINT AND ARE COUNTED MORE THAN ONCE </a:t>
+            </a:r>
+          </a:p>
+        </p:txBody>
+      </p:sp>
+      <p:pic>
+        <p:nvPicPr>
+          <p:cNvPr id="6" name="Picture 5">
+            <a:extLst>
+              <a:ext uri="{FF2B5EF4-FFF2-40B4-BE49-F238E27FC236}">
+                <a16:creationId xmlns:a16="http://schemas.microsoft.com/office/drawing/2014/main" id="{7A1384FA-B94F-8B4B-83AE-76E7AE71D822}"/>
+              </a:ext>
+            </a:extLst>
+          </p:cNvPr>
+          <p:cNvPicPr>
+            <a:picLocks noChangeAspect="1"/>
+          </p:cNvPicPr>
+          <p:nvPr/>
+        </p:nvPicPr>
+        <p:blipFill rotWithShape="1">
+          <a:blip r:embed="rId3"/>
+          <a:srcRect l="11040"/>
+          <a:stretch/>
+        </p:blipFill>
+        <p:spPr>
+          <a:xfrm>
+            <a:off x="838200" y="3204649"/>
+            <a:ext cx="4272455" cy="3209247"/>
+          </a:xfrm>
+          <a:prstGeom prst="rect">
+            <a:avLst/>
+          </a:prstGeom>
+        </p:spPr>
+      </p:pic>
+      <p:pic>
+        <p:nvPicPr>
+          <p:cNvPr id="3" name="Picture 2" descr="A close up of a logo&#10;&#10;Description automatically generated">
+            <a:extLst>
+              <a:ext uri="{FF2B5EF4-FFF2-40B4-BE49-F238E27FC236}">
+                <a16:creationId xmlns:a16="http://schemas.microsoft.com/office/drawing/2014/main" id="{11E637E2-98F8-794A-AAD1-4574715AB28B}"/>
+              </a:ext>
+            </a:extLst>
+          </p:cNvPr>
+          <p:cNvPicPr>
+            <a:picLocks noChangeAspect="1"/>
+          </p:cNvPicPr>
+          <p:nvPr/>
+        </p:nvPicPr>
+        <p:blipFill rotWithShape="1">
+          <a:blip r:embed="rId4">
+            <a:extLst>
+              <a:ext uri="{28A0092B-C50C-407E-A947-70E740481C1C}">
+                <a14:useLocalDpi xmlns:a14="http://schemas.microsoft.com/office/drawing/2010/main" val="0"/>
+              </a:ext>
+            </a:extLst>
+          </a:blip>
+          <a:srcRect l="9494" r="8302"/>
+          <a:stretch/>
+        </p:blipFill>
+        <p:spPr>
+          <a:xfrm>
+            <a:off x="5691353" y="3429001"/>
+            <a:ext cx="4114800" cy="3337062"/>
+          </a:xfrm>
+          <a:prstGeom prst="rect">
+            <a:avLst/>
+          </a:prstGeom>
+        </p:spPr>
+      </p:pic>
+    </p:spTree>
+    <p:extLst>
+      <p:ext uri="{BB962C8B-B14F-4D97-AF65-F5344CB8AC3E}">
+        <p14:creationId xmlns:p14="http://schemas.microsoft.com/office/powerpoint/2010/main" val="3785880017"/>
+      </p:ext>
+    </p:extLst>
+  </p:cSld>
+  <p:clrMapOvr>
+    <a:masterClrMapping/>
+  </p:clrMapOvr>
+</p:sld>
+</file>
+
+<file path=ppt/slides/slide9.xml><?xml version="1.0" encoding="utf-8"?>
+<p:sld xmlns:a="http://schemas.openxmlformats.org/drawingml/2006/main" xmlns:r="http://schemas.openxmlformats.org/officeDocument/2006/relationships" xmlns:p="http://schemas.openxmlformats.org/presentationml/2006/main">
+  <p:cSld>
+    <p:spTree>
+      <p:nvGrpSpPr>
+        <p:cNvPr id="1" name=""/>
+        <p:cNvGrpSpPr/>
+        <p:nvPr/>
+      </p:nvGrpSpPr>
+      <p:grpSpPr>
+        <a:xfrm>
+          <a:off x="0" y="0"/>
+          <a:ext cx="0" cy="0"/>
+          <a:chOff x="0" y="0"/>
+          <a:chExt cx="0" cy="0"/>
+        </a:xfrm>
+      </p:grpSpPr>
+      <p:sp>
+        <p:nvSpPr>
+          <p:cNvPr id="2" name="Title 1">
+            <a:extLst>
+              <a:ext uri="{FF2B5EF4-FFF2-40B4-BE49-F238E27FC236}">
+                <a16:creationId xmlns:a16="http://schemas.microsoft.com/office/drawing/2014/main" id="{9C289B81-6ECA-A94A-AC2B-B27B0155C8D8}"/>
+              </a:ext>
+            </a:extLst>
+          </p:cNvPr>
+          <p:cNvSpPr>
+            <a:spLocks noGrp="1"/>
+          </p:cNvSpPr>
+          <p:nvPr>
+            <p:ph type="title"/>
+          </p:nvPr>
+        </p:nvSpPr>
+        <p:spPr>
+          <a:xfrm>
+            <a:off x="809297" y="333594"/>
+            <a:ext cx="10515600" cy="1325563"/>
+          </a:xfrm>
+        </p:spPr>
+        <p:txBody>
+          <a:bodyPr/>
+          <a:lstStyle/>
+          <a:p>
+            <a:r>
+              <a:rPr lang="en-US" dirty="0"/>
+              <a:t>NUMBER OF CRIMES BY POSITION </a:t>
+            </a:r>
+          </a:p>
+        </p:txBody>
+      </p:sp>
+      <p:pic>
+        <p:nvPicPr>
+          <p:cNvPr id="7" name="Content Placeholder 6" descr="A close up of text on a white background&#10;&#10;Description automatically generated">
+            <a:extLst>
+              <a:ext uri="{FF2B5EF4-FFF2-40B4-BE49-F238E27FC236}">
+                <a16:creationId xmlns:a16="http://schemas.microsoft.com/office/drawing/2014/main" id="{C2B2982D-F991-0547-9596-0574081FAFF2}"/>
+              </a:ext>
+            </a:extLst>
+          </p:cNvPr>
+          <p:cNvPicPr>
+            <a:picLocks noGrp="1" noChangeAspect="1"/>
+          </p:cNvPicPr>
+          <p:nvPr>
+            <p:ph idx="1"/>
+          </p:nvPr>
+        </p:nvPicPr>
+        <p:blipFill rotWithShape="1">
+          <a:blip r:embed="rId2">
+            <a:extLst>
+              <a:ext uri="{28A0092B-C50C-407E-A947-70E740481C1C}">
+                <a14:useLocalDpi xmlns:a14="http://schemas.microsoft.com/office/drawing/2010/main" val="0"/>
+              </a:ext>
+            </a:extLst>
+          </a:blip>
+          <a:srcRect l="10937" r="10950"/>
+          <a:stretch/>
+        </p:blipFill>
+        <p:spPr>
+          <a:xfrm>
+            <a:off x="649013" y="2346107"/>
+            <a:ext cx="5113163" cy="4363901"/>
+          </a:xfrm>
+        </p:spPr>
+      </p:pic>
+      <p:pic>
+        <p:nvPicPr>
+          <p:cNvPr id="11" name="Picture 10" descr="A picture containing umbrella&#10;&#10;Description automatically generated">
+            <a:extLst>
+              <a:ext uri="{FF2B5EF4-FFF2-40B4-BE49-F238E27FC236}">
+                <a16:creationId xmlns:a16="http://schemas.microsoft.com/office/drawing/2014/main" id="{DCAC15A7-91BC-0C47-A4C7-B2CBD28A369D}"/>
+              </a:ext>
+            </a:extLst>
+          </p:cNvPr>
+          <p:cNvPicPr>
+            <a:picLocks noChangeAspect="1"/>
+          </p:cNvPicPr>
+          <p:nvPr/>
+        </p:nvPicPr>
+        <p:blipFill rotWithShape="1">
+          <a:blip r:embed="rId3">
+            <a:extLst>
+              <a:ext uri="{28A0092B-C50C-407E-A947-70E740481C1C}">
+                <a14:useLocalDpi xmlns:a14="http://schemas.microsoft.com/office/drawing/2010/main" val="0"/>
+              </a:ext>
+            </a:extLst>
+          </a:blip>
+          <a:srcRect l="12165" r="9722"/>
+          <a:stretch/>
+        </p:blipFill>
+        <p:spPr>
+          <a:xfrm>
+            <a:off x="6240637" y="2346108"/>
+            <a:ext cx="5113163" cy="4363900"/>
+          </a:xfrm>
+          <a:prstGeom prst="rect">
+            <a:avLst/>
+          </a:prstGeom>
+        </p:spPr>
+      </p:pic>
+      <p:sp>
+        <p:nvSpPr>
+          <p:cNvPr id="4" name="TextBox 3">
+            <a:extLst>
+              <a:ext uri="{FF2B5EF4-FFF2-40B4-BE49-F238E27FC236}">
+                <a16:creationId xmlns:a16="http://schemas.microsoft.com/office/drawing/2014/main" id="{B099F952-C689-FE40-BF2F-BD35888D789C}"/>
+              </a:ext>
+            </a:extLst>
+          </p:cNvPr>
+          <p:cNvSpPr txBox="1"/>
+          <p:nvPr/>
+        </p:nvSpPr>
+        <p:spPr>
+          <a:xfrm>
+            <a:off x="809297" y="1659157"/>
+            <a:ext cx="7278413" cy="646331"/>
+          </a:xfrm>
+          <a:prstGeom prst="rect">
+            <a:avLst/>
+          </a:prstGeom>
+          <a:noFill/>
+        </p:spPr>
+        <p:txBody>
+          <a:bodyPr wrap="square" rtlCol="0">
+            <a:spAutoFit/>
+          </a:bodyPr>
+          <a:lstStyle/>
+          <a:p>
+            <a:r>
+              <a:rPr lang="en-US" dirty="0"/>
+              <a:t>GIVES CONTEXT ABOUT THE “WHO” FOR THINGS LIKE NUMBER OF CRIMES COMMITED IN A GIVEN YEAR OR CRIME TYPE CATEGORY</a:t>
+            </a:r>
+          </a:p>
+        </p:txBody>
+      </p:sp>
+    </p:spTree>
+    <p:extLst>
+      <p:ext uri="{BB962C8B-B14F-4D97-AF65-F5344CB8AC3E}">
+        <p14:creationId xmlns:p14="http://schemas.microsoft.com/office/powerpoint/2010/main" val="1164139213"/>
       </p:ext>
     </p:extLst>
   </p:cSld>
